--- a/2023/UNIT_3/UNIT-3-R-PART_3.pptx
+++ b/2023/UNIT_3/UNIT-3-R-PART_3.pptx
@@ -5,31 +5,34 @@
     <p:sldMasterId id="2147483659" r:id="rId1"/>
   </p:sldMasterIdLst>
   <p:notesMasterIdLst>
-    <p:notesMasterId r:id="rId24"/>
+    <p:notesMasterId r:id="rId27"/>
   </p:notesMasterIdLst>
   <p:sldIdLst>
     <p:sldId id="256" r:id="rId2"/>
     <p:sldId id="288" r:id="rId3"/>
-    <p:sldId id="341" r:id="rId4"/>
-    <p:sldId id="343" r:id="rId5"/>
-    <p:sldId id="342" r:id="rId6"/>
-    <p:sldId id="344" r:id="rId7"/>
-    <p:sldId id="345" r:id="rId8"/>
-    <p:sldId id="346" r:id="rId9"/>
-    <p:sldId id="347" r:id="rId10"/>
-    <p:sldId id="348" r:id="rId11"/>
-    <p:sldId id="349" r:id="rId12"/>
-    <p:sldId id="350" r:id="rId13"/>
-    <p:sldId id="351" r:id="rId14"/>
-    <p:sldId id="352" r:id="rId15"/>
-    <p:sldId id="353" r:id="rId16"/>
-    <p:sldId id="354" r:id="rId17"/>
-    <p:sldId id="355" r:id="rId18"/>
-    <p:sldId id="356" r:id="rId19"/>
-    <p:sldId id="357" r:id="rId20"/>
-    <p:sldId id="358" r:id="rId21"/>
-    <p:sldId id="359" r:id="rId22"/>
-    <p:sldId id="360" r:id="rId23"/>
+    <p:sldId id="342" r:id="rId4"/>
+    <p:sldId id="362" r:id="rId5"/>
+    <p:sldId id="364" r:id="rId6"/>
+    <p:sldId id="341" r:id="rId7"/>
+    <p:sldId id="343" r:id="rId8"/>
+    <p:sldId id="361" r:id="rId9"/>
+    <p:sldId id="344" r:id="rId10"/>
+    <p:sldId id="345" r:id="rId11"/>
+    <p:sldId id="346" r:id="rId12"/>
+    <p:sldId id="347" r:id="rId13"/>
+    <p:sldId id="348" r:id="rId14"/>
+    <p:sldId id="349" r:id="rId15"/>
+    <p:sldId id="350" r:id="rId16"/>
+    <p:sldId id="351" r:id="rId17"/>
+    <p:sldId id="352" r:id="rId18"/>
+    <p:sldId id="353" r:id="rId19"/>
+    <p:sldId id="354" r:id="rId20"/>
+    <p:sldId id="355" r:id="rId21"/>
+    <p:sldId id="356" r:id="rId22"/>
+    <p:sldId id="357" r:id="rId23"/>
+    <p:sldId id="358" r:id="rId24"/>
+    <p:sldId id="359" r:id="rId25"/>
+    <p:sldId id="360" r:id="rId26"/>
   </p:sldIdLst>
   <p:sldSz cx="9144000" cy="6858000" type="screen4x3"/>
   <p:notesSz cx="9144000" cy="6858000"/>
@@ -14895,7 +14898,7 @@
           <a:p>
             <a:r>
               <a:rPr lang="en-US" dirty="0"/>
-              <a:t>Pie Chart</a:t>
+              <a:t>Histogram</a:t>
             </a:r>
           </a:p>
         </p:txBody>
@@ -14918,7 +14921,7 @@
         </p:nvSpPr>
         <p:spPr>
           <a:xfrm>
-            <a:off x="259773" y="1298864"/>
+            <a:off x="457200" y="1381989"/>
             <a:ext cx="8229600" cy="4526100"/>
           </a:xfrm>
         </p:spPr>
@@ -14930,111 +14933,30 @@
               <a:buNone/>
             </a:pPr>
             <a:r>
-              <a:rPr lang="en-US" sz="2800" dirty="0">
-                <a:latin typeface="+mj-lt"/>
-              </a:rPr>
-              <a:t>pie() function to display the pie chart for numeric &amp; categorical variable</a:t>
+              <a:rPr lang="en-US" dirty="0"/>
+              <a:t>hist() function to display the histogram for any dataset variable.</a:t>
             </a:r>
           </a:p>
           <a:p>
             <a:pPr marL="114300" indent="0">
               <a:buNone/>
             </a:pPr>
-            <a:endParaRPr lang="en-US" sz="2800" dirty="0">
-              <a:latin typeface="+mj-lt"/>
-            </a:endParaRPr>
+            <a:endParaRPr lang="en-US" dirty="0"/>
           </a:p>
           <a:p>
             <a:pPr marL="114300" indent="0">
               <a:buNone/>
             </a:pPr>
             <a:r>
-              <a:rPr lang="en-US" sz="2800" dirty="0">
-                <a:latin typeface="+mj-lt"/>
-              </a:rPr>
-              <a:t>Example: </a:t>
+              <a:rPr lang="en-US" dirty="0"/>
+              <a:t>Customize histogram by setting up the title, color, x or y axis label</a:t>
             </a:r>
           </a:p>
           <a:p>
             <a:pPr marL="114300" indent="0">
               <a:buNone/>
             </a:pPr>
-            <a:r>
-              <a:rPr lang="en-US" sz="2800" dirty="0">
-                <a:solidFill>
-                  <a:schemeClr val="tx1"/>
-                </a:solidFill>
-                <a:latin typeface="+mj-lt"/>
-                <a:cs typeface="Calibri" panose="020F0502020204030204" pitchFamily="34" charset="0"/>
-              </a:rPr>
-              <a:t># Display Pie chart for Monthly Spend</a:t>
-            </a:r>
-          </a:p>
-          <a:p>
-            <a:pPr marL="114300" indent="0">
-              <a:buNone/>
-            </a:pPr>
-            <a:r>
-              <a:rPr lang="en-US" sz="2800" dirty="0">
-                <a:solidFill>
-                  <a:srgbClr val="0070C0"/>
-                </a:solidFill>
-                <a:latin typeface="+mj-lt"/>
-                <a:cs typeface="Calibri" panose="020F0502020204030204" pitchFamily="34" charset="0"/>
-              </a:rPr>
-              <a:t>pie(</a:t>
-            </a:r>
-            <a:r>
-              <a:rPr lang="en-US" sz="2800" dirty="0" err="1">
-                <a:solidFill>
-                  <a:srgbClr val="0070C0"/>
-                </a:solidFill>
-                <a:latin typeface="+mj-lt"/>
-                <a:cs typeface="Calibri" panose="020F0502020204030204" pitchFamily="34" charset="0"/>
-              </a:rPr>
-              <a:t>data$Spend</a:t>
-            </a:r>
-            <a:r>
-              <a:rPr lang="en-US" sz="2800" dirty="0">
-                <a:solidFill>
-                  <a:srgbClr val="0070C0"/>
-                </a:solidFill>
-                <a:latin typeface="+mj-lt"/>
-                <a:cs typeface="Calibri" panose="020F0502020204030204" pitchFamily="34" charset="0"/>
-              </a:rPr>
-              <a:t>, </a:t>
-            </a:r>
-            <a:r>
-              <a:rPr lang="en-US" sz="2800" dirty="0" err="1">
-                <a:solidFill>
-                  <a:srgbClr val="0070C0"/>
-                </a:solidFill>
-                <a:latin typeface="+mj-lt"/>
-                <a:cs typeface="Calibri" panose="020F0502020204030204" pitchFamily="34" charset="0"/>
-              </a:rPr>
-              <a:t>data$Month</a:t>
-            </a:r>
-            <a:r>
-              <a:rPr lang="en-US" sz="2800" dirty="0">
-                <a:solidFill>
-                  <a:srgbClr val="0070C0"/>
-                </a:solidFill>
-                <a:latin typeface="+mj-lt"/>
-                <a:cs typeface="Calibri" panose="020F0502020204030204" pitchFamily="34" charset="0"/>
-              </a:rPr>
-              <a:t>)</a:t>
-            </a:r>
-            <a:endParaRPr lang="en-US" sz="2800" dirty="0">
-              <a:latin typeface="+mj-lt"/>
-            </a:endParaRPr>
-          </a:p>
-          <a:p>
-            <a:pPr marL="114300" indent="0">
-              <a:buNone/>
-            </a:pPr>
-            <a:endParaRPr lang="en-US" sz="2800" dirty="0">
-              <a:latin typeface="+mj-lt"/>
-            </a:endParaRPr>
+            <a:endParaRPr lang="en-US" dirty="0"/>
           </a:p>
         </p:txBody>
       </p:sp>
@@ -15133,40 +15055,10 @@
           </a:p>
         </p:txBody>
       </p:sp>
-      <p:pic>
-        <p:nvPicPr>
-          <p:cNvPr id="8" name="Picture 7">
-            <a:extLst>
-              <a:ext uri="{FF2B5EF4-FFF2-40B4-BE49-F238E27FC236}">
-                <a16:creationId xmlns:a16="http://schemas.microsoft.com/office/drawing/2014/main" id="{05A5335E-742D-C27C-5313-BBDE2710ACA8}"/>
-              </a:ext>
-            </a:extLst>
-          </p:cNvPr>
-          <p:cNvPicPr>
-            <a:picLocks noChangeAspect="1"/>
-          </p:cNvPicPr>
-          <p:nvPr/>
-        </p:nvPicPr>
-        <p:blipFill>
-          <a:blip r:embed="rId2"/>
-          <a:stretch>
-            <a:fillRect/>
-          </a:stretch>
-        </p:blipFill>
-        <p:spPr>
-          <a:xfrm>
-            <a:off x="5457520" y="3604064"/>
-            <a:ext cx="3565253" cy="3117561"/>
-          </a:xfrm>
-          <a:prstGeom prst="rect">
-            <a:avLst/>
-          </a:prstGeom>
-        </p:spPr>
-      </p:pic>
     </p:spTree>
     <p:extLst>
       <p:ext uri="{BB962C8B-B14F-4D97-AF65-F5344CB8AC3E}">
-        <p14:creationId xmlns:p14="http://schemas.microsoft.com/office/powerpoint/2010/main" val="1181376207"/>
+        <p14:creationId xmlns:p14="http://schemas.microsoft.com/office/powerpoint/2010/main" val="3533888673"/>
       </p:ext>
     </p:extLst>
   </p:cSld>
@@ -15216,7 +15108,7 @@
           <a:p>
             <a:r>
               <a:rPr lang="en-US" dirty="0"/>
-              <a:t>Bar Graph</a:t>
+              <a:t>Histogram</a:t>
             </a:r>
           </a:p>
         </p:txBody>
@@ -15239,7 +15131,7 @@
         </p:nvSpPr>
         <p:spPr>
           <a:xfrm>
-            <a:off x="259773" y="1298864"/>
+            <a:off x="190500" y="1165950"/>
             <a:ext cx="8229600" cy="4526100"/>
           </a:xfrm>
         </p:spPr>
@@ -15251,24 +15143,26 @@
               <a:buNone/>
             </a:pPr>
             <a:r>
-              <a:rPr lang="en-US" sz="2800" dirty="0" err="1">
-                <a:latin typeface="+mj-lt"/>
-              </a:rPr>
-              <a:t>barplot</a:t>
-            </a:r>
-            <a:r>
-              <a:rPr lang="en-US" sz="2800" dirty="0">
-                <a:latin typeface="+mj-lt"/>
-              </a:rPr>
-              <a:t>() function to display the bar graph for numeric &amp; categorical variable</a:t>
+              <a:rPr lang="en-US" sz="2400" dirty="0">
+                <a:solidFill>
+                  <a:schemeClr val="tx1"/>
+                </a:solidFill>
+                <a:latin typeface="+mj-lt"/>
+                <a:cs typeface="Calibri" panose="020F0502020204030204" pitchFamily="34" charset="0"/>
+              </a:rPr>
+              <a:t># Show Histogram for Sales with colors and title</a:t>
             </a:r>
           </a:p>
           <a:p>
             <a:pPr marL="114300" indent="0">
               <a:buNone/>
             </a:pPr>
-            <a:endParaRPr lang="en-US" sz="2800" dirty="0">
+            <a:endParaRPr lang="en-US" sz="2400" dirty="0">
+              <a:solidFill>
+                <a:srgbClr val="0070C0"/>
+              </a:solidFill>
               <a:latin typeface="+mj-lt"/>
+              <a:cs typeface="Calibri" panose="020F0502020204030204" pitchFamily="34" charset="0"/>
             </a:endParaRPr>
           </a:p>
           <a:p>
@@ -15276,10 +15170,34 @@
               <a:buNone/>
             </a:pPr>
             <a:r>
-              <a:rPr lang="en-US" sz="2800" dirty="0">
-                <a:latin typeface="+mj-lt"/>
-              </a:rPr>
-              <a:t>Example: </a:t>
+              <a:rPr lang="en-US" sz="2400" dirty="0">
+                <a:solidFill>
+                  <a:srgbClr val="0070C0"/>
+                </a:solidFill>
+                <a:latin typeface="+mj-lt"/>
+                <a:cs typeface="Calibri" panose="020F0502020204030204" pitchFamily="34" charset="0"/>
+              </a:rPr>
+              <a:t>hist(</a:t>
+            </a:r>
+            <a:r>
+              <a:rPr lang="en-US" sz="2400" dirty="0" err="1">
+                <a:solidFill>
+                  <a:srgbClr val="0070C0"/>
+                </a:solidFill>
+                <a:latin typeface="+mj-lt"/>
+                <a:cs typeface="Calibri" panose="020F0502020204030204" pitchFamily="34" charset="0"/>
+              </a:rPr>
+              <a:t>data$Sales</a:t>
+            </a:r>
+            <a:r>
+              <a:rPr lang="en-US" sz="2400" dirty="0">
+                <a:solidFill>
+                  <a:srgbClr val="0070C0"/>
+                </a:solidFill>
+                <a:latin typeface="+mj-lt"/>
+                <a:cs typeface="Calibri" panose="020F0502020204030204" pitchFamily="34" charset="0"/>
+              </a:rPr>
+              <a:t>,</a:t>
             </a:r>
           </a:p>
           <a:p>
@@ -15287,14 +15205,14 @@
               <a:buNone/>
             </a:pPr>
             <a:r>
-              <a:rPr lang="en-US" sz="2800" dirty="0">
-                <a:solidFill>
-                  <a:schemeClr val="tx1"/>
+              <a:rPr lang="en-US" sz="2400" dirty="0">
+                <a:solidFill>
+                  <a:srgbClr val="0070C0"/>
                 </a:solidFill>
                 <a:latin typeface="+mj-lt"/>
                 <a:cs typeface="Calibri" panose="020F0502020204030204" pitchFamily="34" charset="0"/>
               </a:rPr>
-              <a:t># Display Bar graph for Monthly Spend</a:t>
+              <a:t>	col    = "green",</a:t>
             </a:r>
           </a:p>
           <a:p>
@@ -15302,44 +15220,49 @@
               <a:buNone/>
             </a:pPr>
             <a:r>
-              <a:rPr lang="en-US" sz="2800" dirty="0" err="1">
+              <a:rPr lang="en-US" sz="2400" dirty="0">
                 <a:solidFill>
                   <a:srgbClr val="0070C0"/>
                 </a:solidFill>
                 <a:latin typeface="+mj-lt"/>
                 <a:cs typeface="Calibri" panose="020F0502020204030204" pitchFamily="34" charset="0"/>
               </a:rPr>
-              <a:t>barplot</a:t>
-            </a:r>
-            <a:r>
-              <a:rPr lang="en-US" sz="2800" dirty="0">
+              <a:t>     	main = "Sales Distribution",</a:t>
+            </a:r>
+          </a:p>
+          <a:p>
+            <a:pPr marL="114300" indent="0">
+              <a:buNone/>
+            </a:pPr>
+            <a:r>
+              <a:rPr lang="en-US" sz="2400" dirty="0">
                 <a:solidFill>
                   <a:srgbClr val="0070C0"/>
                 </a:solidFill>
                 <a:latin typeface="+mj-lt"/>
                 <a:cs typeface="Calibri" panose="020F0502020204030204" pitchFamily="34" charset="0"/>
               </a:rPr>
-              <a:t>(</a:t>
-            </a:r>
-            <a:r>
-              <a:rPr lang="en-US" sz="2800" dirty="0" err="1">
+              <a:t>     	</a:t>
+            </a:r>
+            <a:r>
+              <a:rPr lang="en-US" sz="2400" dirty="0" err="1">
                 <a:solidFill>
                   <a:srgbClr val="0070C0"/>
                 </a:solidFill>
                 <a:latin typeface="+mj-lt"/>
                 <a:cs typeface="Calibri" panose="020F0502020204030204" pitchFamily="34" charset="0"/>
               </a:rPr>
-              <a:t>data$Spend</a:t>
-            </a:r>
-            <a:r>
-              <a:rPr lang="en-US" sz="2800" dirty="0">
+              <a:t>xlab</a:t>
+            </a:r>
+            <a:r>
+              <a:rPr lang="en-US" sz="2400" dirty="0">
                 <a:solidFill>
                   <a:srgbClr val="0070C0"/>
                 </a:solidFill>
                 <a:latin typeface="+mj-lt"/>
                 <a:cs typeface="Calibri" panose="020F0502020204030204" pitchFamily="34" charset="0"/>
               </a:rPr>
-              <a:t>,</a:t>
+              <a:t>  = "Sales",</a:t>
             </a:r>
           </a:p>
           <a:p>
@@ -15347,58 +15270,35 @@
               <a:buNone/>
             </a:pPr>
             <a:r>
-              <a:rPr lang="en-US" sz="2800" dirty="0">
+              <a:rPr lang="en-US" sz="2400" dirty="0">
                 <a:solidFill>
                   <a:srgbClr val="0070C0"/>
                 </a:solidFill>
                 <a:latin typeface="+mj-lt"/>
                 <a:cs typeface="Calibri" panose="020F0502020204030204" pitchFamily="34" charset="0"/>
               </a:rPr>
-              <a:t>	    </a:t>
-            </a:r>
-            <a:r>
-              <a:rPr lang="en-US" sz="2800" dirty="0" err="1">
+              <a:t>     	</a:t>
+            </a:r>
+            <a:r>
+              <a:rPr lang="en-US" sz="2400" dirty="0" err="1">
                 <a:solidFill>
                   <a:srgbClr val="0070C0"/>
                 </a:solidFill>
                 <a:latin typeface="+mj-lt"/>
                 <a:cs typeface="Calibri" panose="020F0502020204030204" pitchFamily="34" charset="0"/>
               </a:rPr>
-              <a:t>names.arg</a:t>
-            </a:r>
-            <a:r>
-              <a:rPr lang="en-US" sz="2800" dirty="0">
+              <a:t>ylab</a:t>
+            </a:r>
+            <a:r>
+              <a:rPr lang="en-US" sz="2400" dirty="0">
                 <a:solidFill>
                   <a:srgbClr val="0070C0"/>
                 </a:solidFill>
                 <a:latin typeface="+mj-lt"/>
                 <a:cs typeface="Calibri" panose="020F0502020204030204" pitchFamily="34" charset="0"/>
               </a:rPr>
-              <a:t> = </a:t>
-            </a:r>
-            <a:r>
-              <a:rPr lang="en-US" sz="2800" dirty="0" err="1">
-                <a:solidFill>
-                  <a:srgbClr val="0070C0"/>
-                </a:solidFill>
-                <a:latin typeface="+mj-lt"/>
-                <a:cs typeface="Calibri" panose="020F0502020204030204" pitchFamily="34" charset="0"/>
-              </a:rPr>
-              <a:t>data$Month</a:t>
-            </a:r>
-            <a:r>
-              <a:rPr lang="en-US" sz="2800" dirty="0">
-                <a:solidFill>
-                  <a:srgbClr val="0070C0"/>
-                </a:solidFill>
-                <a:latin typeface="+mj-lt"/>
-                <a:cs typeface="Calibri" panose="020F0502020204030204" pitchFamily="34" charset="0"/>
-              </a:rPr>
-              <a:t>)</a:t>
-            </a:r>
-            <a:endParaRPr lang="en-US" sz="2800" dirty="0">
-              <a:latin typeface="+mj-lt"/>
-            </a:endParaRPr>
+              <a:t>  = "Freq" )</a:t>
+            </a:r>
           </a:p>
         </p:txBody>
       </p:sp>
@@ -15497,10 +15397,40 @@
           </a:p>
         </p:txBody>
       </p:sp>
+      <p:pic>
+        <p:nvPicPr>
+          <p:cNvPr id="8" name="Picture 7">
+            <a:extLst>
+              <a:ext uri="{FF2B5EF4-FFF2-40B4-BE49-F238E27FC236}">
+                <a16:creationId xmlns:a16="http://schemas.microsoft.com/office/drawing/2014/main" id="{00259F6A-EDE1-39EA-F99D-E7891756119C}"/>
+              </a:ext>
+            </a:extLst>
+          </p:cNvPr>
+          <p:cNvPicPr>
+            <a:picLocks noChangeAspect="1"/>
+          </p:cNvPicPr>
+          <p:nvPr/>
+        </p:nvPicPr>
+        <p:blipFill>
+          <a:blip r:embed="rId2"/>
+          <a:stretch>
+            <a:fillRect/>
+          </a:stretch>
+        </p:blipFill>
+        <p:spPr>
+          <a:xfrm>
+            <a:off x="4779819" y="2850674"/>
+            <a:ext cx="4173682" cy="3118268"/>
+          </a:xfrm>
+          <a:prstGeom prst="rect">
+            <a:avLst/>
+          </a:prstGeom>
+        </p:spPr>
+      </p:pic>
     </p:spTree>
     <p:extLst>
       <p:ext uri="{BB962C8B-B14F-4D97-AF65-F5344CB8AC3E}">
-        <p14:creationId xmlns:p14="http://schemas.microsoft.com/office/powerpoint/2010/main" val="2978714383"/>
+        <p14:creationId xmlns:p14="http://schemas.microsoft.com/office/powerpoint/2010/main" val="2576538666"/>
       </p:ext>
     </p:extLst>
   </p:cSld>
@@ -15550,7 +15480,7 @@
           <a:p>
             <a:r>
               <a:rPr lang="en-US" dirty="0"/>
-              <a:t>Bar Graph</a:t>
+              <a:t>Boxplot</a:t>
             </a:r>
           </a:p>
         </p:txBody>
@@ -15571,12 +15501,7 @@
             <p:ph type="body" idx="1"/>
           </p:nvPr>
         </p:nvSpPr>
-        <p:spPr>
-          <a:xfrm>
-            <a:off x="259773" y="1298864"/>
-            <a:ext cx="8229600" cy="4526100"/>
-          </a:xfrm>
-        </p:spPr>
+        <p:spPr/>
         <p:txBody>
           <a:bodyPr/>
           <a:lstStyle/>
@@ -15585,23 +15510,17 @@
               <a:buNone/>
             </a:pPr>
             <a:r>
-              <a:rPr lang="en-US" sz="2000" dirty="0" err="1">
-                <a:latin typeface="+mj-lt"/>
-              </a:rPr>
-              <a:t>barplot</a:t>
-            </a:r>
-            <a:r>
-              <a:rPr lang="en-US" sz="2000" dirty="0">
-                <a:latin typeface="+mj-lt"/>
-              </a:rPr>
-              <a:t>() function to display the bar graph for numeric &amp; categorical variable</a:t>
+              <a:rPr lang="en-US" dirty="0">
+                <a:latin typeface="+mj-lt"/>
+              </a:rPr>
+              <a:t>boxplot() function to display the boxplot for numeric variable.</a:t>
             </a:r>
           </a:p>
           <a:p>
             <a:pPr marL="114300" indent="0">
               <a:buNone/>
             </a:pPr>
-            <a:endParaRPr lang="en-US" sz="2000" dirty="0">
+            <a:endParaRPr lang="en-US" dirty="0">
               <a:latin typeface="+mj-lt"/>
             </a:endParaRPr>
           </a:p>
@@ -15610,7 +15529,7 @@
               <a:buNone/>
             </a:pPr>
             <a:r>
-              <a:rPr lang="en-US" sz="2000" dirty="0">
+              <a:rPr lang="en-US" dirty="0">
                 <a:latin typeface="+mj-lt"/>
               </a:rPr>
               <a:t>Example: </a:t>
@@ -15621,14 +15540,14 @@
               <a:buNone/>
             </a:pPr>
             <a:r>
-              <a:rPr lang="en-US" sz="2000" dirty="0">
+              <a:rPr lang="en-US" dirty="0">
                 <a:solidFill>
                   <a:schemeClr val="tx1"/>
                 </a:solidFill>
                 <a:latin typeface="+mj-lt"/>
                 <a:cs typeface="Calibri" panose="020F0502020204030204" pitchFamily="34" charset="0"/>
               </a:rPr>
-              <a:t># Display Bar graph for Monthly Spend</a:t>
+              <a:t># Show Boxplot for Sales</a:t>
             </a:r>
           </a:p>
           <a:p>
@@ -15636,101 +15555,49 @@
               <a:buNone/>
             </a:pPr>
             <a:r>
-              <a:rPr lang="en-US" sz="2000" dirty="0" err="1">
+              <a:rPr lang="en-US" dirty="0">
                 <a:solidFill>
                   <a:srgbClr val="0070C0"/>
                 </a:solidFill>
                 <a:latin typeface="+mj-lt"/>
                 <a:cs typeface="Calibri" panose="020F0502020204030204" pitchFamily="34" charset="0"/>
               </a:rPr>
-              <a:t>barplot</a:t>
-            </a:r>
-            <a:r>
-              <a:rPr lang="en-US" sz="2000" dirty="0">
+              <a:t>boxplot(</a:t>
+            </a:r>
+            <a:r>
+              <a:rPr lang="en-US" dirty="0" err="1">
                 <a:solidFill>
                   <a:srgbClr val="0070C0"/>
                 </a:solidFill>
                 <a:latin typeface="+mj-lt"/>
                 <a:cs typeface="Calibri" panose="020F0502020204030204" pitchFamily="34" charset="0"/>
               </a:rPr>
-              <a:t>(</a:t>
-            </a:r>
-            <a:r>
-              <a:rPr lang="en-US" sz="2000" dirty="0" err="1">
+              <a:t>data$Sales</a:t>
+            </a:r>
+            <a:r>
+              <a:rPr lang="en-US" dirty="0">
                 <a:solidFill>
                   <a:srgbClr val="0070C0"/>
                 </a:solidFill>
                 <a:latin typeface="+mj-lt"/>
                 <a:cs typeface="Calibri" panose="020F0502020204030204" pitchFamily="34" charset="0"/>
               </a:rPr>
-              <a:t>data$Spend</a:t>
-            </a:r>
-            <a:r>
-              <a:rPr lang="en-US" sz="2000" dirty="0">
-                <a:solidFill>
-                  <a:srgbClr val="0070C0"/>
-                </a:solidFill>
-                <a:latin typeface="+mj-lt"/>
-                <a:cs typeface="Calibri" panose="020F0502020204030204" pitchFamily="34" charset="0"/>
-              </a:rPr>
-              <a:t>,</a:t>
+              <a:t>)</a:t>
             </a:r>
           </a:p>
           <a:p>
             <a:pPr marL="114300" indent="0">
               <a:buNone/>
             </a:pPr>
-            <a:r>
-              <a:rPr lang="en-US" sz="2000" dirty="0">
-                <a:solidFill>
-                  <a:srgbClr val="0070C0"/>
-                </a:solidFill>
-                <a:latin typeface="+mj-lt"/>
-                <a:cs typeface="Calibri" panose="020F0502020204030204" pitchFamily="34" charset="0"/>
-              </a:rPr>
-              <a:t>	    </a:t>
-            </a:r>
-            <a:r>
-              <a:rPr lang="en-US" sz="2000" dirty="0" err="1">
-                <a:solidFill>
-                  <a:srgbClr val="0070C0"/>
-                </a:solidFill>
-                <a:latin typeface="+mj-lt"/>
-                <a:cs typeface="Calibri" panose="020F0502020204030204" pitchFamily="34" charset="0"/>
-              </a:rPr>
-              <a:t>names.arg</a:t>
-            </a:r>
-            <a:r>
-              <a:rPr lang="en-US" sz="2000" dirty="0">
-                <a:solidFill>
-                  <a:srgbClr val="0070C0"/>
-                </a:solidFill>
-                <a:latin typeface="+mj-lt"/>
-                <a:cs typeface="Calibri" panose="020F0502020204030204" pitchFamily="34" charset="0"/>
-              </a:rPr>
-              <a:t> = </a:t>
-            </a:r>
-            <a:r>
-              <a:rPr lang="en-US" sz="2000" dirty="0" err="1">
-                <a:solidFill>
-                  <a:srgbClr val="0070C0"/>
-                </a:solidFill>
-                <a:latin typeface="+mj-lt"/>
-                <a:cs typeface="Calibri" panose="020F0502020204030204" pitchFamily="34" charset="0"/>
-              </a:rPr>
-              <a:t>data$Month</a:t>
-            </a:r>
-            <a:r>
-              <a:rPr lang="en-US" sz="2000" dirty="0">
-                <a:solidFill>
-                  <a:srgbClr val="0070C0"/>
-                </a:solidFill>
-                <a:latin typeface="+mj-lt"/>
-                <a:cs typeface="Calibri" panose="020F0502020204030204" pitchFamily="34" charset="0"/>
-              </a:rPr>
-              <a:t>)</a:t>
-            </a:r>
-            <a:endParaRPr lang="en-US" sz="2000" dirty="0">
+            <a:endParaRPr lang="en-US" dirty="0">
+              <a:latin typeface="+mj-lt"/>
+            </a:endParaRPr>
+          </a:p>
+          <a:p>
+            <a:pPr marL="114300" indent="0">
+              <a:buNone/>
+            </a:pPr>
+            <a:endParaRPr lang="en-US" dirty="0">
               <a:latin typeface="+mj-lt"/>
             </a:endParaRPr>
           </a:p>
@@ -15833,10 +15700,10 @@
       </p:sp>
       <p:pic>
         <p:nvPicPr>
-          <p:cNvPr id="8" name="Picture 7">
+          <p:cNvPr id="10" name="Picture 9">
             <a:extLst>
               <a:ext uri="{FF2B5EF4-FFF2-40B4-BE49-F238E27FC236}">
-                <a16:creationId xmlns:a16="http://schemas.microsoft.com/office/drawing/2014/main" id="{0B47660F-F97E-51BA-29CA-CABB854A8910}"/>
+                <a16:creationId xmlns:a16="http://schemas.microsoft.com/office/drawing/2014/main" id="{1DBCD6F3-96EA-7306-9EE7-E577AA9BFE29}"/>
               </a:ext>
             </a:extLst>
           </p:cNvPr>
@@ -15853,8 +15720,8 @@
         </p:blipFill>
         <p:spPr>
           <a:xfrm>
-            <a:off x="4745615" y="3041196"/>
-            <a:ext cx="4138612" cy="2909114"/>
+            <a:off x="5434447" y="2961408"/>
+            <a:ext cx="3519032" cy="2982191"/>
           </a:xfrm>
           <a:prstGeom prst="rect">
             <a:avLst/>
@@ -15864,7 +15731,7 @@
     </p:spTree>
     <p:extLst>
       <p:ext uri="{BB962C8B-B14F-4D97-AF65-F5344CB8AC3E}">
-        <p14:creationId xmlns:p14="http://schemas.microsoft.com/office/powerpoint/2010/main" val="1355398739"/>
+        <p14:creationId xmlns:p14="http://schemas.microsoft.com/office/powerpoint/2010/main" val="1150323623"/>
       </p:ext>
     </p:extLst>
   </p:cSld>
@@ -15914,7 +15781,7 @@
           <a:p>
             <a:r>
               <a:rPr lang="en-US" dirty="0"/>
-              <a:t>Bar Graph</a:t>
+              <a:t>Pie Chart</a:t>
             </a:r>
           </a:p>
         </p:txBody>
@@ -15949,16 +15816,10 @@
               <a:buNone/>
             </a:pPr>
             <a:r>
-              <a:rPr lang="en-US" sz="2800" dirty="0" err="1">
-                <a:latin typeface="+mj-lt"/>
-              </a:rPr>
-              <a:t>barplot</a:t>
-            </a:r>
-            <a:r>
               <a:rPr lang="en-US" sz="2800" dirty="0">
                 <a:latin typeface="+mj-lt"/>
               </a:rPr>
-              <a:t>() function to display the bar graph for numeric &amp; categorical variable</a:t>
+              <a:t>pie() function to display the pie chart for numeric &amp; categorical variable</a:t>
             </a:r>
           </a:p>
           <a:p>
@@ -15992,7 +15853,7 @@
                 <a:latin typeface="+mj-lt"/>
                 <a:cs typeface="Calibri" panose="020F0502020204030204" pitchFamily="34" charset="0"/>
               </a:rPr>
-              <a:t># Display Bar graph for Monthly Spend</a:t>
+              <a:t># Display Pie chart for Monthly Spend</a:t>
             </a:r>
           </a:p>
           <a:p>
@@ -16000,6 +15861,16 @@
               <a:buNone/>
             </a:pPr>
             <a:r>
+              <a:rPr lang="en-US" sz="2800" dirty="0">
+                <a:solidFill>
+                  <a:srgbClr val="0070C0"/>
+                </a:solidFill>
+                <a:latin typeface="+mj-lt"/>
+                <a:cs typeface="Calibri" panose="020F0502020204030204" pitchFamily="34" charset="0"/>
+              </a:rPr>
+              <a:t>pie(</a:t>
+            </a:r>
+            <a:r>
               <a:rPr lang="en-US" sz="2800" dirty="0" err="1">
                 <a:solidFill>
                   <a:srgbClr val="0070C0"/>
@@ -16007,7 +15878,7 @@
                 <a:latin typeface="+mj-lt"/>
                 <a:cs typeface="Calibri" panose="020F0502020204030204" pitchFamily="34" charset="0"/>
               </a:rPr>
-              <a:t>barplot</a:t>
+              <a:t>data$Spend</a:t>
             </a:r>
             <a:r>
               <a:rPr lang="en-US" sz="2800" dirty="0">
@@ -16017,7 +15888,7 @@
                 <a:latin typeface="+mj-lt"/>
                 <a:cs typeface="Calibri" panose="020F0502020204030204" pitchFamily="34" charset="0"/>
               </a:rPr>
-              <a:t>(</a:t>
+              <a:t>, </a:t>
             </a:r>
             <a:r>
               <a:rPr lang="en-US" sz="2800" dirty="0" err="1">
@@ -16027,7 +15898,7 @@
                 <a:latin typeface="+mj-lt"/>
                 <a:cs typeface="Calibri" panose="020F0502020204030204" pitchFamily="34" charset="0"/>
               </a:rPr>
-              <a:t>data$Spend</a:t>
+              <a:t>data$Month</a:t>
             </a:r>
             <a:r>
               <a:rPr lang="en-US" sz="2800" dirty="0">
@@ -16037,108 +15908,16 @@
                 <a:latin typeface="+mj-lt"/>
                 <a:cs typeface="Calibri" panose="020F0502020204030204" pitchFamily="34" charset="0"/>
               </a:rPr>
-              <a:t>,</a:t>
-            </a:r>
+              <a:t>)</a:t>
+            </a:r>
+            <a:endParaRPr lang="en-US" sz="2800" dirty="0">
+              <a:latin typeface="+mj-lt"/>
+            </a:endParaRPr>
           </a:p>
           <a:p>
             <a:pPr marL="114300" indent="0">
               <a:buNone/>
             </a:pPr>
-            <a:r>
-              <a:rPr lang="en-US" sz="2800" dirty="0">
-                <a:solidFill>
-                  <a:srgbClr val="0070C0"/>
-                </a:solidFill>
-                <a:latin typeface="+mj-lt"/>
-                <a:cs typeface="Calibri" panose="020F0502020204030204" pitchFamily="34" charset="0"/>
-              </a:rPr>
-              <a:t>	    </a:t>
-            </a:r>
-            <a:r>
-              <a:rPr lang="en-US" sz="2800" dirty="0" err="1">
-                <a:solidFill>
-                  <a:srgbClr val="0070C0"/>
-                </a:solidFill>
-                <a:latin typeface="+mj-lt"/>
-                <a:cs typeface="Calibri" panose="020F0502020204030204" pitchFamily="34" charset="0"/>
-              </a:rPr>
-              <a:t>names.arg</a:t>
-            </a:r>
-            <a:r>
-              <a:rPr lang="en-US" sz="2800" dirty="0">
-                <a:solidFill>
-                  <a:srgbClr val="0070C0"/>
-                </a:solidFill>
-                <a:latin typeface="+mj-lt"/>
-                <a:cs typeface="Calibri" panose="020F0502020204030204" pitchFamily="34" charset="0"/>
-              </a:rPr>
-              <a:t> = </a:t>
-            </a:r>
-            <a:r>
-              <a:rPr lang="en-US" sz="2800" dirty="0" err="1">
-                <a:solidFill>
-                  <a:srgbClr val="0070C0"/>
-                </a:solidFill>
-                <a:latin typeface="+mj-lt"/>
-                <a:cs typeface="Calibri" panose="020F0502020204030204" pitchFamily="34" charset="0"/>
-              </a:rPr>
-              <a:t>data$Month</a:t>
-            </a:r>
-            <a:r>
-              <a:rPr lang="en-US" sz="2800" dirty="0">
-                <a:solidFill>
-                  <a:srgbClr val="0070C0"/>
-                </a:solidFill>
-                <a:latin typeface="+mj-lt"/>
-                <a:cs typeface="Calibri" panose="020F0502020204030204" pitchFamily="34" charset="0"/>
-              </a:rPr>
-              <a:t>,</a:t>
-            </a:r>
-          </a:p>
-          <a:p>
-            <a:pPr marL="114300" indent="0">
-              <a:buNone/>
-            </a:pPr>
-            <a:r>
-              <a:rPr lang="en-US" sz="2800" dirty="0">
-                <a:solidFill>
-                  <a:srgbClr val="0070C0"/>
-                </a:solidFill>
-                <a:latin typeface="+mj-lt"/>
-                <a:cs typeface="Calibri" panose="020F0502020204030204" pitchFamily="34" charset="0"/>
-              </a:rPr>
-              <a:t>	    </a:t>
-            </a:r>
-            <a:r>
-              <a:rPr lang="en-US" sz="2800" dirty="0" err="1">
-                <a:solidFill>
-                  <a:srgbClr val="FF0000"/>
-                </a:solidFill>
-                <a:latin typeface="+mj-lt"/>
-                <a:cs typeface="Calibri" panose="020F0502020204030204" pitchFamily="34" charset="0"/>
-              </a:rPr>
-              <a:t>horiz</a:t>
-            </a:r>
-            <a:r>
-              <a:rPr lang="en-US" sz="2800" dirty="0">
-                <a:solidFill>
-                  <a:srgbClr val="FF0000"/>
-                </a:solidFill>
-                <a:latin typeface="+mj-lt"/>
-                <a:cs typeface="Calibri" panose="020F0502020204030204" pitchFamily="34" charset="0"/>
-              </a:rPr>
-              <a:t>= TRUE</a:t>
-            </a:r>
-            <a:r>
-              <a:rPr lang="en-US" sz="2800" dirty="0">
-                <a:solidFill>
-                  <a:srgbClr val="0070C0"/>
-                </a:solidFill>
-                <a:latin typeface="+mj-lt"/>
-                <a:cs typeface="Calibri" panose="020F0502020204030204" pitchFamily="34" charset="0"/>
-              </a:rPr>
-              <a:t>)</a:t>
-            </a:r>
             <a:endParaRPr lang="en-US" sz="2800" dirty="0">
               <a:latin typeface="+mj-lt"/>
             </a:endParaRPr>
@@ -16240,45 +16019,40 @@
           </a:p>
         </p:txBody>
       </p:sp>
-      <p:sp>
-        <p:nvSpPr>
-          <p:cNvPr id="7" name="TextBox 6">
+      <p:pic>
+        <p:nvPicPr>
+          <p:cNvPr id="8" name="Picture 7">
             <a:extLst>
               <a:ext uri="{FF2B5EF4-FFF2-40B4-BE49-F238E27FC236}">
-                <a16:creationId xmlns:a16="http://schemas.microsoft.com/office/drawing/2014/main" id="{BE99B3ED-8A2D-072A-D0C6-F2B0A13FC3E4}"/>
+                <a16:creationId xmlns:a16="http://schemas.microsoft.com/office/drawing/2014/main" id="{05A5335E-742D-C27C-5313-BBDE2710ACA8}"/>
               </a:ext>
             </a:extLst>
           </p:cNvPr>
-          <p:cNvSpPr txBox="1"/>
+          <p:cNvPicPr>
+            <a:picLocks noChangeAspect="1"/>
+          </p:cNvPicPr>
           <p:nvPr/>
-        </p:nvSpPr>
+        </p:nvPicPr>
+        <p:blipFill>
+          <a:blip r:embed="rId2"/>
+          <a:stretch>
+            <a:fillRect/>
+          </a:stretch>
+        </p:blipFill>
         <p:spPr>
           <a:xfrm>
-            <a:off x="3792681" y="5424854"/>
-            <a:ext cx="5237019" cy="400110"/>
+            <a:off x="5457520" y="3604064"/>
+            <a:ext cx="3565253" cy="3117561"/>
           </a:xfrm>
           <a:prstGeom prst="rect">
             <a:avLst/>
           </a:prstGeom>
-          <a:noFill/>
         </p:spPr>
-        <p:txBody>
-          <a:bodyPr wrap="square" rtlCol="0">
-            <a:spAutoFit/>
-          </a:bodyPr>
-          <a:lstStyle/>
-          <a:p>
-            <a:r>
-              <a:rPr lang="en-US" sz="2000" i="1" dirty="0"/>
-              <a:t>Convert Bar graph from vertical to horizontal</a:t>
-            </a:r>
-          </a:p>
-        </p:txBody>
-      </p:sp>
+      </p:pic>
     </p:spTree>
     <p:extLst>
       <p:ext uri="{BB962C8B-B14F-4D97-AF65-F5344CB8AC3E}">
-        <p14:creationId xmlns:p14="http://schemas.microsoft.com/office/powerpoint/2010/main" val="1693230625"/>
+        <p14:creationId xmlns:p14="http://schemas.microsoft.com/office/powerpoint/2010/main" val="1181376207"/>
       </p:ext>
     </p:extLst>
   </p:cSld>
@@ -16328,7 +16102,7 @@
           <a:p>
             <a:r>
               <a:rPr lang="en-US" dirty="0"/>
-              <a:t>Scatter plot</a:t>
+              <a:t>Bar Graph</a:t>
             </a:r>
           </a:p>
         </p:txBody>
@@ -16351,7 +16125,7 @@
         </p:nvSpPr>
         <p:spPr>
           <a:xfrm>
-            <a:off x="303935" y="1165950"/>
+            <a:off x="259773" y="1298864"/>
             <a:ext cx="8229600" cy="4526100"/>
           </a:xfrm>
         </p:spPr>
@@ -16363,16 +16137,30 @@
               <a:buNone/>
             </a:pPr>
             <a:r>
+              <a:rPr lang="en-US" sz="2800" dirty="0" err="1">
+                <a:latin typeface="+mj-lt"/>
+              </a:rPr>
+              <a:t>barplot</a:t>
+            </a:r>
+            <a:r>
               <a:rPr lang="en-US" sz="2800" dirty="0">
                 <a:latin typeface="+mj-lt"/>
               </a:rPr>
-              <a:t>plot() function will display scatter plot if both the variables are numeric.</a:t>
+              <a:t>() function to display the bar graph for numeric &amp; categorical variable</a:t>
             </a:r>
           </a:p>
           <a:p>
             <a:pPr marL="114300" indent="0">
               <a:buNone/>
             </a:pPr>
+            <a:endParaRPr lang="en-US" sz="2800" dirty="0">
+              <a:latin typeface="+mj-lt"/>
+            </a:endParaRPr>
+          </a:p>
+          <a:p>
+            <a:pPr marL="114300" indent="0">
+              <a:buNone/>
+            </a:pPr>
             <a:r>
               <a:rPr lang="en-US" sz="2800" dirty="0">
                 <a:latin typeface="+mj-lt"/>
@@ -16392,7 +16180,7 @@
                 <a:latin typeface="+mj-lt"/>
                 <a:cs typeface="Calibri" panose="020F0502020204030204" pitchFamily="34" charset="0"/>
               </a:rPr>
-              <a:t># Display scatter plot for Spend vs Sales</a:t>
+              <a:t># Display Bar graph for Monthly Spend</a:t>
             </a:r>
           </a:p>
           <a:p>
@@ -16400,6 +16188,16 @@
               <a:buNone/>
             </a:pPr>
             <a:r>
+              <a:rPr lang="en-US" sz="2800" dirty="0" err="1">
+                <a:solidFill>
+                  <a:srgbClr val="0070C0"/>
+                </a:solidFill>
+                <a:latin typeface="+mj-lt"/>
+                <a:cs typeface="Calibri" panose="020F0502020204030204" pitchFamily="34" charset="0"/>
+              </a:rPr>
+              <a:t>barplot</a:t>
+            </a:r>
+            <a:r>
               <a:rPr lang="en-US" sz="2800" dirty="0">
                 <a:solidFill>
                   <a:srgbClr val="0070C0"/>
@@ -16407,7 +16205,7 @@
                 <a:latin typeface="+mj-lt"/>
                 <a:cs typeface="Calibri" panose="020F0502020204030204" pitchFamily="34" charset="0"/>
               </a:rPr>
-              <a:t>plot(</a:t>
+              <a:t>(</a:t>
             </a:r>
             <a:r>
               <a:rPr lang="en-US" sz="2800" dirty="0" err="1">
@@ -16442,7 +16240,7 @@
                 <a:latin typeface="+mj-lt"/>
                 <a:cs typeface="Calibri" panose="020F0502020204030204" pitchFamily="34" charset="0"/>
               </a:rPr>
-              <a:t>     </a:t>
+              <a:t>	    </a:t>
             </a:r>
             <a:r>
               <a:rPr lang="en-US" sz="2800" dirty="0" err="1">
@@ -16452,7 +16250,27 @@
                 <a:latin typeface="+mj-lt"/>
                 <a:cs typeface="Calibri" panose="020F0502020204030204" pitchFamily="34" charset="0"/>
               </a:rPr>
-              <a:t>data$Sales</a:t>
+              <a:t>names.arg</a:t>
+            </a:r>
+            <a:r>
+              <a:rPr lang="en-US" sz="2800" dirty="0">
+                <a:solidFill>
+                  <a:srgbClr val="0070C0"/>
+                </a:solidFill>
+                <a:latin typeface="+mj-lt"/>
+                <a:cs typeface="Calibri" panose="020F0502020204030204" pitchFamily="34" charset="0"/>
+              </a:rPr>
+              <a:t> = </a:t>
+            </a:r>
+            <a:r>
+              <a:rPr lang="en-US" sz="2800" dirty="0" err="1">
+                <a:solidFill>
+                  <a:srgbClr val="0070C0"/>
+                </a:solidFill>
+                <a:latin typeface="+mj-lt"/>
+                <a:cs typeface="Calibri" panose="020F0502020204030204" pitchFamily="34" charset="0"/>
+              </a:rPr>
+              <a:t>data$Month</a:t>
             </a:r>
             <a:r>
               <a:rPr lang="en-US" sz="2800" dirty="0">
@@ -16565,40 +16383,10 @@
           </a:p>
         </p:txBody>
       </p:sp>
-      <p:pic>
-        <p:nvPicPr>
-          <p:cNvPr id="9" name="Picture 8">
-            <a:extLst>
-              <a:ext uri="{FF2B5EF4-FFF2-40B4-BE49-F238E27FC236}">
-                <a16:creationId xmlns:a16="http://schemas.microsoft.com/office/drawing/2014/main" id="{54120B7A-4554-2A1B-A1BF-2836A768F404}"/>
-              </a:ext>
-            </a:extLst>
-          </p:cNvPr>
-          <p:cNvPicPr>
-            <a:picLocks noChangeAspect="1"/>
-          </p:cNvPicPr>
-          <p:nvPr/>
-        </p:nvPicPr>
-        <p:blipFill>
-          <a:blip r:embed="rId2"/>
-          <a:stretch>
-            <a:fillRect/>
-          </a:stretch>
-        </p:blipFill>
-        <p:spPr>
-          <a:xfrm>
-            <a:off x="3926034" y="3022843"/>
-            <a:ext cx="5140901" cy="3835157"/>
-          </a:xfrm>
-          <a:prstGeom prst="rect">
-            <a:avLst/>
-          </a:prstGeom>
-        </p:spPr>
-      </p:pic>
     </p:spTree>
     <p:extLst>
       <p:ext uri="{BB962C8B-B14F-4D97-AF65-F5344CB8AC3E}">
-        <p14:creationId xmlns:p14="http://schemas.microsoft.com/office/powerpoint/2010/main" val="1696941959"/>
+        <p14:creationId xmlns:p14="http://schemas.microsoft.com/office/powerpoint/2010/main" val="2978714383"/>
       </p:ext>
     </p:extLst>
   </p:cSld>
@@ -16648,7 +16436,7 @@
           <a:p>
             <a:r>
               <a:rPr lang="en-US" dirty="0"/>
-              <a:t>Line Chart</a:t>
+              <a:t>Bar Graph</a:t>
             </a:r>
           </a:p>
         </p:txBody>
@@ -16671,7 +16459,7 @@
         </p:nvSpPr>
         <p:spPr>
           <a:xfrm>
-            <a:off x="303935" y="1165950"/>
+            <a:off x="259773" y="1298864"/>
             <a:ext cx="8229600" cy="4526100"/>
           </a:xfrm>
         </p:spPr>
@@ -16683,17 +16471,23 @@
               <a:buNone/>
             </a:pPr>
             <a:r>
-              <a:rPr lang="en-US" sz="2800" dirty="0">
-                <a:latin typeface="+mj-lt"/>
-              </a:rPr>
-              <a:t>plot() function with additional parameters will display line chart.</a:t>
+              <a:rPr lang="en-US" sz="2000" dirty="0" err="1">
+                <a:latin typeface="+mj-lt"/>
+              </a:rPr>
+              <a:t>barplot</a:t>
+            </a:r>
+            <a:r>
+              <a:rPr lang="en-US" sz="2000" dirty="0">
+                <a:latin typeface="+mj-lt"/>
+              </a:rPr>
+              <a:t>() function to display the bar graph for numeric &amp; categorical variable</a:t>
             </a:r>
           </a:p>
           <a:p>
             <a:pPr marL="114300" indent="0">
               <a:buNone/>
             </a:pPr>
-            <a:endParaRPr lang="en-US" sz="2800" dirty="0">
+            <a:endParaRPr lang="en-US" sz="2000" dirty="0">
               <a:latin typeface="+mj-lt"/>
             </a:endParaRPr>
           </a:p>
@@ -16702,7 +16496,7 @@
               <a:buNone/>
             </a:pPr>
             <a:r>
-              <a:rPr lang="en-US" sz="2800" dirty="0">
+              <a:rPr lang="en-US" sz="2000" dirty="0">
                 <a:latin typeface="+mj-lt"/>
               </a:rPr>
               <a:t>Example: </a:t>
@@ -16713,14 +16507,14 @@
               <a:buNone/>
             </a:pPr>
             <a:r>
-              <a:rPr lang="en-US" sz="2800" dirty="0">
+              <a:rPr lang="en-US" sz="2000" dirty="0">
                 <a:solidFill>
                   <a:schemeClr val="tx1"/>
                 </a:solidFill>
                 <a:latin typeface="+mj-lt"/>
                 <a:cs typeface="Calibri" panose="020F0502020204030204" pitchFamily="34" charset="0"/>
               </a:rPr>
-              <a:t># Display Line Chart Month vs Spend</a:t>
+              <a:t># Display Bar graph for Monthly Spend</a:t>
             </a:r>
           </a:p>
           <a:p>
@@ -16728,109 +16522,101 @@
               <a:buNone/>
             </a:pPr>
             <a:r>
-              <a:rPr lang="en-US" sz="2800" dirty="0">
-                <a:solidFill>
-                  <a:srgbClr val="1E64B6"/>
+              <a:rPr lang="en-US" sz="2000" dirty="0" err="1">
+                <a:solidFill>
+                  <a:srgbClr val="0070C0"/>
                 </a:solidFill>
                 <a:latin typeface="+mj-lt"/>
                 <a:cs typeface="Calibri" panose="020F0502020204030204" pitchFamily="34" charset="0"/>
               </a:rPr>
-              <a:t>plot(</a:t>
-            </a:r>
-            <a:r>
-              <a:rPr lang="en-US" sz="2800" dirty="0" err="1">
-                <a:solidFill>
-                  <a:srgbClr val="1E64B6"/>
+              <a:t>barplot</a:t>
+            </a:r>
+            <a:r>
+              <a:rPr lang="en-US" sz="2000" dirty="0">
+                <a:solidFill>
+                  <a:srgbClr val="0070C0"/>
                 </a:solidFill>
                 <a:latin typeface="+mj-lt"/>
                 <a:cs typeface="Calibri" panose="020F0502020204030204" pitchFamily="34" charset="0"/>
               </a:rPr>
+              <a:t>(</a:t>
+            </a:r>
+            <a:r>
+              <a:rPr lang="en-US" sz="2000" dirty="0" err="1">
+                <a:solidFill>
+                  <a:srgbClr val="0070C0"/>
+                </a:solidFill>
+                <a:latin typeface="+mj-lt"/>
+                <a:cs typeface="Calibri" panose="020F0502020204030204" pitchFamily="34" charset="0"/>
+              </a:rPr>
+              <a:t>data$Spend</a:t>
+            </a:r>
+            <a:r>
+              <a:rPr lang="en-US" sz="2000" dirty="0">
+                <a:solidFill>
+                  <a:srgbClr val="0070C0"/>
+                </a:solidFill>
+                <a:latin typeface="+mj-lt"/>
+                <a:cs typeface="Calibri" panose="020F0502020204030204" pitchFamily="34" charset="0"/>
+              </a:rPr>
+              <a:t>,</a:t>
+            </a:r>
+          </a:p>
+          <a:p>
+            <a:pPr marL="114300" indent="0">
+              <a:buNone/>
+            </a:pPr>
+            <a:r>
+              <a:rPr lang="en-US" sz="2000" dirty="0">
+                <a:solidFill>
+                  <a:srgbClr val="0070C0"/>
+                </a:solidFill>
+                <a:latin typeface="+mj-lt"/>
+                <a:cs typeface="Calibri" panose="020F0502020204030204" pitchFamily="34" charset="0"/>
+              </a:rPr>
+              <a:t>	    </a:t>
+            </a:r>
+            <a:r>
+              <a:rPr lang="en-US" sz="2000" dirty="0" err="1">
+                <a:solidFill>
+                  <a:srgbClr val="0070C0"/>
+                </a:solidFill>
+                <a:latin typeface="+mj-lt"/>
+                <a:cs typeface="Calibri" panose="020F0502020204030204" pitchFamily="34" charset="0"/>
+              </a:rPr>
+              <a:t>names.arg</a:t>
+            </a:r>
+            <a:r>
+              <a:rPr lang="en-US" sz="2000" dirty="0">
+                <a:solidFill>
+                  <a:srgbClr val="0070C0"/>
+                </a:solidFill>
+                <a:latin typeface="+mj-lt"/>
+                <a:cs typeface="Calibri" panose="020F0502020204030204" pitchFamily="34" charset="0"/>
+              </a:rPr>
+              <a:t> = </a:t>
+            </a:r>
+            <a:r>
+              <a:rPr lang="en-US" sz="2000" dirty="0" err="1">
+                <a:solidFill>
+                  <a:srgbClr val="0070C0"/>
+                </a:solidFill>
+                <a:latin typeface="+mj-lt"/>
+                <a:cs typeface="Calibri" panose="020F0502020204030204" pitchFamily="34" charset="0"/>
+              </a:rPr>
               <a:t>data$Month</a:t>
             </a:r>
             <a:r>
-              <a:rPr lang="en-US" sz="2800" dirty="0">
-                <a:solidFill>
-                  <a:srgbClr val="1E64B6"/>
+              <a:rPr lang="en-US" sz="2000" dirty="0">
+                <a:solidFill>
+                  <a:srgbClr val="0070C0"/>
                 </a:solidFill>
                 <a:latin typeface="+mj-lt"/>
                 <a:cs typeface="Calibri" panose="020F0502020204030204" pitchFamily="34" charset="0"/>
               </a:rPr>
-              <a:t>,</a:t>
-            </a:r>
-          </a:p>
-          <a:p>
-            <a:pPr marL="114300" indent="0">
-              <a:buNone/>
-            </a:pPr>
-            <a:r>
-              <a:rPr lang="en-US" sz="2800" dirty="0">
-                <a:solidFill>
-                  <a:srgbClr val="1E64B6"/>
-                </a:solidFill>
-                <a:latin typeface="+mj-lt"/>
-                <a:cs typeface="Calibri" panose="020F0502020204030204" pitchFamily="34" charset="0"/>
-              </a:rPr>
-              <a:t>     </a:t>
-            </a:r>
-            <a:r>
-              <a:rPr lang="en-US" sz="2800" dirty="0" err="1">
-                <a:solidFill>
-                  <a:srgbClr val="1E64B6"/>
-                </a:solidFill>
-                <a:latin typeface="+mj-lt"/>
-                <a:cs typeface="Calibri" panose="020F0502020204030204" pitchFamily="34" charset="0"/>
-              </a:rPr>
-              <a:t>data$Spend</a:t>
-            </a:r>
-            <a:r>
-              <a:rPr lang="en-US" sz="2800" dirty="0">
-                <a:solidFill>
-                  <a:srgbClr val="1E64B6"/>
-                </a:solidFill>
-                <a:latin typeface="+mj-lt"/>
-                <a:cs typeface="Calibri" panose="020F0502020204030204" pitchFamily="34" charset="0"/>
-              </a:rPr>
-              <a:t>,</a:t>
-            </a:r>
-          </a:p>
-          <a:p>
-            <a:pPr marL="114300" indent="0">
-              <a:buNone/>
-            </a:pPr>
-            <a:r>
-              <a:rPr lang="en-US" sz="2800" dirty="0">
-                <a:solidFill>
-                  <a:srgbClr val="1E64B6"/>
-                </a:solidFill>
-                <a:latin typeface="+mj-lt"/>
-                <a:cs typeface="Calibri" panose="020F0502020204030204" pitchFamily="34" charset="0"/>
-              </a:rPr>
-              <a:t>     type='b') </a:t>
-            </a:r>
-            <a:r>
-              <a:rPr lang="en-US" sz="2800" dirty="0">
-                <a:solidFill>
-                  <a:srgbClr val="FF0000"/>
-                </a:solidFill>
-                <a:latin typeface="+mj-lt"/>
-                <a:cs typeface="Calibri" panose="020F0502020204030204" pitchFamily="34" charset="0"/>
-              </a:rPr>
-              <a:t># Type : p l b c o h s </a:t>
-            </a:r>
-            <a:r>
-              <a:rPr lang="en-US" sz="2800" dirty="0" err="1">
-                <a:solidFill>
-                  <a:srgbClr val="FF0000"/>
-                </a:solidFill>
-                <a:latin typeface="+mj-lt"/>
-                <a:cs typeface="Calibri" panose="020F0502020204030204" pitchFamily="34" charset="0"/>
-              </a:rPr>
-              <a:t>S</a:t>
-            </a:r>
-            <a:endParaRPr lang="en-US" sz="2800" dirty="0">
-              <a:solidFill>
-                <a:srgbClr val="FF0000"/>
-              </a:solidFill>
+              <a:t>)</a:t>
+            </a:r>
+            <a:endParaRPr lang="en-US" sz="2000" dirty="0">
               <a:latin typeface="+mj-lt"/>
             </a:endParaRPr>
           </a:p>
@@ -16931,10 +16717,40 @@
           </a:p>
         </p:txBody>
       </p:sp>
+      <p:pic>
+        <p:nvPicPr>
+          <p:cNvPr id="8" name="Picture 7">
+            <a:extLst>
+              <a:ext uri="{FF2B5EF4-FFF2-40B4-BE49-F238E27FC236}">
+                <a16:creationId xmlns:a16="http://schemas.microsoft.com/office/drawing/2014/main" id="{0B47660F-F97E-51BA-29CA-CABB854A8910}"/>
+              </a:ext>
+            </a:extLst>
+          </p:cNvPr>
+          <p:cNvPicPr>
+            <a:picLocks noChangeAspect="1"/>
+          </p:cNvPicPr>
+          <p:nvPr/>
+        </p:nvPicPr>
+        <p:blipFill>
+          <a:blip r:embed="rId2"/>
+          <a:stretch>
+            <a:fillRect/>
+          </a:stretch>
+        </p:blipFill>
+        <p:spPr>
+          <a:xfrm>
+            <a:off x="4745615" y="3041196"/>
+            <a:ext cx="4138612" cy="2909114"/>
+          </a:xfrm>
+          <a:prstGeom prst="rect">
+            <a:avLst/>
+          </a:prstGeom>
+        </p:spPr>
+      </p:pic>
     </p:spTree>
     <p:extLst>
       <p:ext uri="{BB962C8B-B14F-4D97-AF65-F5344CB8AC3E}">
-        <p14:creationId xmlns:p14="http://schemas.microsoft.com/office/powerpoint/2010/main" val="518492895"/>
+        <p14:creationId xmlns:p14="http://schemas.microsoft.com/office/powerpoint/2010/main" val="1355398739"/>
       </p:ext>
     </p:extLst>
   </p:cSld>
@@ -16984,7 +16800,421 @@
           <a:p>
             <a:r>
               <a:rPr lang="en-US" dirty="0"/>
-              <a:t>Line Chart</a:t>
+              <a:t>Bar Graph</a:t>
+            </a:r>
+          </a:p>
+        </p:txBody>
+      </p:sp>
+      <p:sp>
+        <p:nvSpPr>
+          <p:cNvPr id="3" name="Text Placeholder 2">
+            <a:extLst>
+              <a:ext uri="{FF2B5EF4-FFF2-40B4-BE49-F238E27FC236}">
+                <a16:creationId xmlns:a16="http://schemas.microsoft.com/office/drawing/2014/main" id="{0798A489-C8D3-4EAE-A768-C093F0704E25}"/>
+              </a:ext>
+            </a:extLst>
+          </p:cNvPr>
+          <p:cNvSpPr>
+            <a:spLocks noGrp="1"/>
+          </p:cNvSpPr>
+          <p:nvPr>
+            <p:ph type="body" idx="1"/>
+          </p:nvPr>
+        </p:nvSpPr>
+        <p:spPr>
+          <a:xfrm>
+            <a:off x="259773" y="1298864"/>
+            <a:ext cx="8229600" cy="4526100"/>
+          </a:xfrm>
+        </p:spPr>
+        <p:txBody>
+          <a:bodyPr/>
+          <a:lstStyle/>
+          <a:p>
+            <a:pPr marL="114300" indent="0">
+              <a:buNone/>
+            </a:pPr>
+            <a:r>
+              <a:rPr lang="en-US" sz="2800" dirty="0" err="1">
+                <a:latin typeface="+mj-lt"/>
+              </a:rPr>
+              <a:t>barplot</a:t>
+            </a:r>
+            <a:r>
+              <a:rPr lang="en-US" sz="2800" dirty="0">
+                <a:latin typeface="+mj-lt"/>
+              </a:rPr>
+              <a:t>() function to display the bar graph for numeric &amp; categorical variable</a:t>
+            </a:r>
+          </a:p>
+          <a:p>
+            <a:pPr marL="114300" indent="0">
+              <a:buNone/>
+            </a:pPr>
+            <a:endParaRPr lang="en-US" sz="2800" dirty="0">
+              <a:latin typeface="+mj-lt"/>
+            </a:endParaRPr>
+          </a:p>
+          <a:p>
+            <a:pPr marL="114300" indent="0">
+              <a:buNone/>
+            </a:pPr>
+            <a:r>
+              <a:rPr lang="en-US" sz="2800" dirty="0">
+                <a:latin typeface="+mj-lt"/>
+              </a:rPr>
+              <a:t>Example: </a:t>
+            </a:r>
+          </a:p>
+          <a:p>
+            <a:pPr marL="114300" indent="0">
+              <a:buNone/>
+            </a:pPr>
+            <a:r>
+              <a:rPr lang="en-US" sz="2800" dirty="0">
+                <a:solidFill>
+                  <a:schemeClr val="tx1"/>
+                </a:solidFill>
+                <a:latin typeface="+mj-lt"/>
+                <a:cs typeface="Calibri" panose="020F0502020204030204" pitchFamily="34" charset="0"/>
+              </a:rPr>
+              <a:t># Display Bar graph for Monthly Spend</a:t>
+            </a:r>
+          </a:p>
+          <a:p>
+            <a:pPr marL="114300" indent="0">
+              <a:buNone/>
+            </a:pPr>
+            <a:r>
+              <a:rPr lang="en-US" sz="2800" dirty="0" err="1">
+                <a:solidFill>
+                  <a:srgbClr val="0070C0"/>
+                </a:solidFill>
+                <a:latin typeface="+mj-lt"/>
+                <a:cs typeface="Calibri" panose="020F0502020204030204" pitchFamily="34" charset="0"/>
+              </a:rPr>
+              <a:t>barplot</a:t>
+            </a:r>
+            <a:r>
+              <a:rPr lang="en-US" sz="2800" dirty="0">
+                <a:solidFill>
+                  <a:srgbClr val="0070C0"/>
+                </a:solidFill>
+                <a:latin typeface="+mj-lt"/>
+                <a:cs typeface="Calibri" panose="020F0502020204030204" pitchFamily="34" charset="0"/>
+              </a:rPr>
+              <a:t>(</a:t>
+            </a:r>
+            <a:r>
+              <a:rPr lang="en-US" sz="2800" dirty="0" err="1">
+                <a:solidFill>
+                  <a:srgbClr val="0070C0"/>
+                </a:solidFill>
+                <a:latin typeface="+mj-lt"/>
+                <a:cs typeface="Calibri" panose="020F0502020204030204" pitchFamily="34" charset="0"/>
+              </a:rPr>
+              <a:t>data$Spend</a:t>
+            </a:r>
+            <a:r>
+              <a:rPr lang="en-US" sz="2800" dirty="0">
+                <a:solidFill>
+                  <a:srgbClr val="0070C0"/>
+                </a:solidFill>
+                <a:latin typeface="+mj-lt"/>
+                <a:cs typeface="Calibri" panose="020F0502020204030204" pitchFamily="34" charset="0"/>
+              </a:rPr>
+              <a:t>,</a:t>
+            </a:r>
+          </a:p>
+          <a:p>
+            <a:pPr marL="114300" indent="0">
+              <a:buNone/>
+            </a:pPr>
+            <a:r>
+              <a:rPr lang="en-US" sz="2800" dirty="0">
+                <a:solidFill>
+                  <a:srgbClr val="0070C0"/>
+                </a:solidFill>
+                <a:latin typeface="+mj-lt"/>
+                <a:cs typeface="Calibri" panose="020F0502020204030204" pitchFamily="34" charset="0"/>
+              </a:rPr>
+              <a:t>	    </a:t>
+            </a:r>
+            <a:r>
+              <a:rPr lang="en-US" sz="2800" dirty="0" err="1">
+                <a:solidFill>
+                  <a:srgbClr val="0070C0"/>
+                </a:solidFill>
+                <a:latin typeface="+mj-lt"/>
+                <a:cs typeface="Calibri" panose="020F0502020204030204" pitchFamily="34" charset="0"/>
+              </a:rPr>
+              <a:t>names.arg</a:t>
+            </a:r>
+            <a:r>
+              <a:rPr lang="en-US" sz="2800" dirty="0">
+                <a:solidFill>
+                  <a:srgbClr val="0070C0"/>
+                </a:solidFill>
+                <a:latin typeface="+mj-lt"/>
+                <a:cs typeface="Calibri" panose="020F0502020204030204" pitchFamily="34" charset="0"/>
+              </a:rPr>
+              <a:t> = </a:t>
+            </a:r>
+            <a:r>
+              <a:rPr lang="en-US" sz="2800" dirty="0" err="1">
+                <a:solidFill>
+                  <a:srgbClr val="0070C0"/>
+                </a:solidFill>
+                <a:latin typeface="+mj-lt"/>
+                <a:cs typeface="Calibri" panose="020F0502020204030204" pitchFamily="34" charset="0"/>
+              </a:rPr>
+              <a:t>data$Month</a:t>
+            </a:r>
+            <a:r>
+              <a:rPr lang="en-US" sz="2800" dirty="0">
+                <a:solidFill>
+                  <a:srgbClr val="0070C0"/>
+                </a:solidFill>
+                <a:latin typeface="+mj-lt"/>
+                <a:cs typeface="Calibri" panose="020F0502020204030204" pitchFamily="34" charset="0"/>
+              </a:rPr>
+              <a:t>,</a:t>
+            </a:r>
+          </a:p>
+          <a:p>
+            <a:pPr marL="114300" indent="0">
+              <a:buNone/>
+            </a:pPr>
+            <a:r>
+              <a:rPr lang="en-US" sz="2800" dirty="0">
+                <a:solidFill>
+                  <a:srgbClr val="0070C0"/>
+                </a:solidFill>
+                <a:latin typeface="+mj-lt"/>
+                <a:cs typeface="Calibri" panose="020F0502020204030204" pitchFamily="34" charset="0"/>
+              </a:rPr>
+              <a:t>	    </a:t>
+            </a:r>
+            <a:r>
+              <a:rPr lang="en-US" sz="2800" dirty="0" err="1">
+                <a:solidFill>
+                  <a:srgbClr val="FF0000"/>
+                </a:solidFill>
+                <a:latin typeface="+mj-lt"/>
+                <a:cs typeface="Calibri" panose="020F0502020204030204" pitchFamily="34" charset="0"/>
+              </a:rPr>
+              <a:t>horiz</a:t>
+            </a:r>
+            <a:r>
+              <a:rPr lang="en-US" sz="2800" dirty="0">
+                <a:solidFill>
+                  <a:srgbClr val="FF0000"/>
+                </a:solidFill>
+                <a:latin typeface="+mj-lt"/>
+                <a:cs typeface="Calibri" panose="020F0502020204030204" pitchFamily="34" charset="0"/>
+              </a:rPr>
+              <a:t>= TRUE</a:t>
+            </a:r>
+            <a:r>
+              <a:rPr lang="en-US" sz="2800" dirty="0">
+                <a:solidFill>
+                  <a:srgbClr val="0070C0"/>
+                </a:solidFill>
+                <a:latin typeface="+mj-lt"/>
+                <a:cs typeface="Calibri" panose="020F0502020204030204" pitchFamily="34" charset="0"/>
+              </a:rPr>
+              <a:t>)</a:t>
+            </a:r>
+            <a:endParaRPr lang="en-US" sz="2800" dirty="0">
+              <a:latin typeface="+mj-lt"/>
+            </a:endParaRPr>
+          </a:p>
+        </p:txBody>
+      </p:sp>
+      <p:sp>
+        <p:nvSpPr>
+          <p:cNvPr id="4" name="Date Placeholder 3">
+            <a:extLst>
+              <a:ext uri="{FF2B5EF4-FFF2-40B4-BE49-F238E27FC236}">
+                <a16:creationId xmlns:a16="http://schemas.microsoft.com/office/drawing/2014/main" id="{D08BB6D6-E9B1-AD31-838D-F5B6CD1EDA29}"/>
+              </a:ext>
+            </a:extLst>
+          </p:cNvPr>
+          <p:cNvSpPr>
+            <a:spLocks noGrp="1"/>
+          </p:cNvSpPr>
+          <p:nvPr>
+            <p:ph type="dt" idx="10"/>
+          </p:nvPr>
+        </p:nvSpPr>
+        <p:spPr/>
+        <p:txBody>
+          <a:bodyPr/>
+          <a:lstStyle/>
+          <a:p>
+            <a:fld id="{0C62BD34-D5E2-4C87-AA2A-F8D5808875C3}" type="datetime1">
+              <a:rPr lang="en-US" smtClean="0"/>
+              <a:t>9/6/2023</a:t>
+            </a:fld>
+            <a:endParaRPr lang="en-US"/>
+          </a:p>
+        </p:txBody>
+      </p:sp>
+      <p:sp>
+        <p:nvSpPr>
+          <p:cNvPr id="5" name="Footer Placeholder 4">
+            <a:extLst>
+              <a:ext uri="{FF2B5EF4-FFF2-40B4-BE49-F238E27FC236}">
+                <a16:creationId xmlns:a16="http://schemas.microsoft.com/office/drawing/2014/main" id="{7FCB193E-2B2E-0E22-23AE-9A481B5DD18E}"/>
+              </a:ext>
+            </a:extLst>
+          </p:cNvPr>
+          <p:cNvSpPr>
+            <a:spLocks noGrp="1"/>
+          </p:cNvSpPr>
+          <p:nvPr>
+            <p:ph type="ftr" idx="11"/>
+          </p:nvPr>
+        </p:nvSpPr>
+        <p:spPr/>
+        <p:txBody>
+          <a:bodyPr/>
+          <a:lstStyle/>
+          <a:p>
+            <a:r>
+              <a:rPr lang="en-US"/>
+              <a:t>Ankit Velani, MBA-SIT,Tumkur</a:t>
+            </a:r>
+          </a:p>
+        </p:txBody>
+      </p:sp>
+      <p:sp>
+        <p:nvSpPr>
+          <p:cNvPr id="6" name="Slide Number Placeholder 5">
+            <a:extLst>
+              <a:ext uri="{FF2B5EF4-FFF2-40B4-BE49-F238E27FC236}">
+                <a16:creationId xmlns:a16="http://schemas.microsoft.com/office/drawing/2014/main" id="{F94FD8B8-FE1A-F425-0317-77C970F193B7}"/>
+              </a:ext>
+            </a:extLst>
+          </p:cNvPr>
+          <p:cNvSpPr>
+            <a:spLocks noGrp="1"/>
+          </p:cNvSpPr>
+          <p:nvPr>
+            <p:ph type="sldNum" idx="12"/>
+          </p:nvPr>
+        </p:nvSpPr>
+        <p:spPr/>
+        <p:txBody>
+          <a:bodyPr/>
+          <a:lstStyle/>
+          <a:p>
+            <a:pPr marL="0" lvl="0" indent="0" algn="r" rtl="0">
+              <a:spcBef>
+                <a:spcPts val="0"/>
+              </a:spcBef>
+              <a:spcAft>
+                <a:spcPts val="0"/>
+              </a:spcAft>
+              <a:buNone/>
+            </a:pPr>
+            <a:fld id="{00000000-1234-1234-1234-123412341234}" type="slidenum">
+              <a:rPr lang="en-US" smtClean="0"/>
+              <a:t>16</a:t>
+            </a:fld>
+            <a:endParaRPr lang="en-US"/>
+          </a:p>
+        </p:txBody>
+      </p:sp>
+      <p:sp>
+        <p:nvSpPr>
+          <p:cNvPr id="7" name="TextBox 6">
+            <a:extLst>
+              <a:ext uri="{FF2B5EF4-FFF2-40B4-BE49-F238E27FC236}">
+                <a16:creationId xmlns:a16="http://schemas.microsoft.com/office/drawing/2014/main" id="{BE99B3ED-8A2D-072A-D0C6-F2B0A13FC3E4}"/>
+              </a:ext>
+            </a:extLst>
+          </p:cNvPr>
+          <p:cNvSpPr txBox="1"/>
+          <p:nvPr/>
+        </p:nvSpPr>
+        <p:spPr>
+          <a:xfrm>
+            <a:off x="3792681" y="5424854"/>
+            <a:ext cx="5237019" cy="400110"/>
+          </a:xfrm>
+          <a:prstGeom prst="rect">
+            <a:avLst/>
+          </a:prstGeom>
+          <a:noFill/>
+        </p:spPr>
+        <p:txBody>
+          <a:bodyPr wrap="square" rtlCol="0">
+            <a:spAutoFit/>
+          </a:bodyPr>
+          <a:lstStyle/>
+          <a:p>
+            <a:r>
+              <a:rPr lang="en-US" sz="2000" i="1" dirty="0"/>
+              <a:t>Convert Bar graph from vertical to horizontal</a:t>
+            </a:r>
+          </a:p>
+        </p:txBody>
+      </p:sp>
+    </p:spTree>
+    <p:extLst>
+      <p:ext uri="{BB962C8B-B14F-4D97-AF65-F5344CB8AC3E}">
+        <p14:creationId xmlns:p14="http://schemas.microsoft.com/office/powerpoint/2010/main" val="1693230625"/>
+      </p:ext>
+    </p:extLst>
+  </p:cSld>
+  <p:clrMapOvr>
+    <a:masterClrMapping/>
+  </p:clrMapOvr>
+</p:sld>
+</file>
+
+<file path=ppt/slides/slide17.xml><?xml version="1.0" encoding="utf-8"?>
+<p:sld xmlns:a="http://schemas.openxmlformats.org/drawingml/2006/main" xmlns:r="http://schemas.openxmlformats.org/officeDocument/2006/relationships" xmlns:p="http://schemas.openxmlformats.org/presentationml/2006/main">
+  <p:cSld>
+    <p:spTree>
+      <p:nvGrpSpPr>
+        <p:cNvPr id="1" name=""/>
+        <p:cNvGrpSpPr/>
+        <p:nvPr/>
+      </p:nvGrpSpPr>
+      <p:grpSpPr>
+        <a:xfrm>
+          <a:off x="0" y="0"/>
+          <a:ext cx="0" cy="0"/>
+          <a:chOff x="0" y="0"/>
+          <a:chExt cx="0" cy="0"/>
+        </a:xfrm>
+      </p:grpSpPr>
+      <p:sp>
+        <p:nvSpPr>
+          <p:cNvPr id="2" name="Title 1">
+            <a:extLst>
+              <a:ext uri="{FF2B5EF4-FFF2-40B4-BE49-F238E27FC236}">
+                <a16:creationId xmlns:a16="http://schemas.microsoft.com/office/drawing/2014/main" id="{94947B28-E8FA-8461-4C02-67CF7BEB9780}"/>
+              </a:ext>
+            </a:extLst>
+          </p:cNvPr>
+          <p:cNvSpPr>
+            <a:spLocks noGrp="1"/>
+          </p:cNvSpPr>
+          <p:nvPr>
+            <p:ph type="title"/>
+          </p:nvPr>
+        </p:nvSpPr>
+        <p:spPr/>
+        <p:txBody>
+          <a:bodyPr/>
+          <a:lstStyle/>
+          <a:p>
+            <a:r>
+              <a:rPr lang="en-US" dirty="0"/>
+              <a:t>Scatter plot</a:t>
             </a:r>
           </a:p>
         </p:txBody>
@@ -17019,29 +17249,36 @@
               <a:buNone/>
             </a:pPr>
             <a:r>
-              <a:rPr lang="en-US" sz="2000" dirty="0">
-                <a:latin typeface="+mj-lt"/>
-              </a:rPr>
-              <a:t>plot() function with additional parameters will display line chart.</a:t>
+              <a:rPr lang="en-US" sz="2800" dirty="0">
+                <a:latin typeface="+mj-lt"/>
+              </a:rPr>
+              <a:t>plot() function will display scatter plot if both the variables are numeric.</a:t>
             </a:r>
           </a:p>
           <a:p>
             <a:pPr marL="114300" indent="0">
               <a:buNone/>
             </a:pPr>
-            <a:endParaRPr lang="en-US" sz="2000" dirty="0">
-              <a:latin typeface="+mj-lt"/>
-            </a:endParaRPr>
+            <a:r>
+              <a:rPr lang="en-US" sz="2800" dirty="0">
+                <a:latin typeface="+mj-lt"/>
+              </a:rPr>
+              <a:t>Example: </a:t>
+            </a:r>
           </a:p>
           <a:p>
             <a:pPr marL="114300" indent="0">
               <a:buNone/>
             </a:pPr>
             <a:r>
-              <a:rPr lang="en-US" sz="2000" dirty="0">
-                <a:latin typeface="+mj-lt"/>
-              </a:rPr>
-              <a:t>Example: </a:t>
+              <a:rPr lang="en-US" sz="2800" dirty="0">
+                <a:solidFill>
+                  <a:schemeClr val="tx1"/>
+                </a:solidFill>
+                <a:latin typeface="+mj-lt"/>
+                <a:cs typeface="Calibri" panose="020F0502020204030204" pitchFamily="34" charset="0"/>
+              </a:rPr>
+              <a:t># Display scatter plot for Spend vs Sales</a:t>
             </a:r>
           </a:p>
           <a:p>
@@ -17049,14 +17286,34 @@
               <a:buNone/>
             </a:pPr>
             <a:r>
-              <a:rPr lang="en-US" sz="2000" dirty="0">
-                <a:solidFill>
-                  <a:schemeClr val="tx1"/>
+              <a:rPr lang="en-US" sz="2800" dirty="0">
+                <a:solidFill>
+                  <a:srgbClr val="0070C0"/>
                 </a:solidFill>
                 <a:latin typeface="+mj-lt"/>
                 <a:cs typeface="Calibri" panose="020F0502020204030204" pitchFamily="34" charset="0"/>
               </a:rPr>
-              <a:t># Display Line Chart Month vs Spend</a:t>
+              <a:t>plot(</a:t>
+            </a:r>
+            <a:r>
+              <a:rPr lang="en-US" sz="2800" dirty="0" err="1">
+                <a:solidFill>
+                  <a:srgbClr val="0070C0"/>
+                </a:solidFill>
+                <a:latin typeface="+mj-lt"/>
+                <a:cs typeface="Calibri" panose="020F0502020204030204" pitchFamily="34" charset="0"/>
+              </a:rPr>
+              <a:t>data$Spend</a:t>
+            </a:r>
+            <a:r>
+              <a:rPr lang="en-US" sz="2800" dirty="0">
+                <a:solidFill>
+                  <a:srgbClr val="0070C0"/>
+                </a:solidFill>
+                <a:latin typeface="+mj-lt"/>
+                <a:cs typeface="Calibri" panose="020F0502020204030204" pitchFamily="34" charset="0"/>
+              </a:rPr>
+              <a:t>,</a:t>
             </a:r>
           </a:p>
           <a:p>
@@ -17064,99 +17321,36 @@
               <a:buNone/>
             </a:pPr>
             <a:r>
-              <a:rPr lang="en-US" sz="2000" dirty="0">
-                <a:solidFill>
-                  <a:srgbClr val="1E64B6"/>
+              <a:rPr lang="en-US" sz="2800" dirty="0">
+                <a:solidFill>
+                  <a:srgbClr val="0070C0"/>
                 </a:solidFill>
                 <a:latin typeface="+mj-lt"/>
                 <a:cs typeface="Calibri" panose="020F0502020204030204" pitchFamily="34" charset="0"/>
               </a:rPr>
-              <a:t>plot(</a:t>
-            </a:r>
-            <a:r>
-              <a:rPr lang="en-US" sz="2000" dirty="0" err="1">
-                <a:solidFill>
-                  <a:srgbClr val="1E64B6"/>
+              <a:t>     </a:t>
+            </a:r>
+            <a:r>
+              <a:rPr lang="en-US" sz="2800" dirty="0" err="1">
+                <a:solidFill>
+                  <a:srgbClr val="0070C0"/>
                 </a:solidFill>
                 <a:latin typeface="+mj-lt"/>
                 <a:cs typeface="Calibri" panose="020F0502020204030204" pitchFamily="34" charset="0"/>
               </a:rPr>
-              <a:t>data$Month</a:t>
-            </a:r>
-            <a:r>
-              <a:rPr lang="en-US" sz="2000" dirty="0">
-                <a:solidFill>
-                  <a:srgbClr val="1E64B6"/>
+              <a:t>data$Sales</a:t>
+            </a:r>
+            <a:r>
+              <a:rPr lang="en-US" sz="2800" dirty="0">
+                <a:solidFill>
+                  <a:srgbClr val="0070C0"/>
                 </a:solidFill>
                 <a:latin typeface="+mj-lt"/>
                 <a:cs typeface="Calibri" panose="020F0502020204030204" pitchFamily="34" charset="0"/>
               </a:rPr>
-              <a:t>,</a:t>
-            </a:r>
-          </a:p>
-          <a:p>
-            <a:pPr marL="114300" indent="0">
-              <a:buNone/>
-            </a:pPr>
-            <a:r>
-              <a:rPr lang="en-US" sz="2000" dirty="0">
-                <a:solidFill>
-                  <a:srgbClr val="1E64B6"/>
-                </a:solidFill>
-                <a:latin typeface="+mj-lt"/>
-                <a:cs typeface="Calibri" panose="020F0502020204030204" pitchFamily="34" charset="0"/>
-              </a:rPr>
-              <a:t>     </a:t>
-            </a:r>
-            <a:r>
-              <a:rPr lang="en-US" sz="2000" dirty="0" err="1">
-                <a:solidFill>
-                  <a:srgbClr val="1E64B6"/>
-                </a:solidFill>
-                <a:latin typeface="+mj-lt"/>
-                <a:cs typeface="Calibri" panose="020F0502020204030204" pitchFamily="34" charset="0"/>
-              </a:rPr>
-              <a:t>data$Spend</a:t>
-            </a:r>
-            <a:r>
-              <a:rPr lang="en-US" sz="2000" dirty="0">
-                <a:solidFill>
-                  <a:srgbClr val="1E64B6"/>
-                </a:solidFill>
-                <a:latin typeface="+mj-lt"/>
-                <a:cs typeface="Calibri" panose="020F0502020204030204" pitchFamily="34" charset="0"/>
-              </a:rPr>
-              <a:t>,</a:t>
-            </a:r>
-          </a:p>
-          <a:p>
-            <a:pPr marL="114300" indent="0">
-              <a:buNone/>
-            </a:pPr>
-            <a:r>
-              <a:rPr lang="en-US" sz="2000" dirty="0">
-                <a:solidFill>
-                  <a:srgbClr val="1E64B6"/>
-                </a:solidFill>
-                <a:latin typeface="+mj-lt"/>
-                <a:cs typeface="Calibri" panose="020F0502020204030204" pitchFamily="34" charset="0"/>
-              </a:rPr>
-              <a:t>     type='b') # Type : p l b c o h s </a:t>
-            </a:r>
-            <a:r>
-              <a:rPr lang="en-US" sz="2000" dirty="0" err="1">
-                <a:solidFill>
-                  <a:srgbClr val="1E64B6"/>
-                </a:solidFill>
-                <a:latin typeface="+mj-lt"/>
-                <a:cs typeface="Calibri" panose="020F0502020204030204" pitchFamily="34" charset="0"/>
-              </a:rPr>
-              <a:t>S</a:t>
-            </a:r>
-            <a:endParaRPr lang="en-US" sz="2000" dirty="0">
-              <a:solidFill>
-                <a:srgbClr val="1E64B6"/>
-              </a:solidFill>
+              <a:t>)</a:t>
+            </a:r>
+            <a:endParaRPr lang="en-US" sz="2800" dirty="0">
               <a:latin typeface="+mj-lt"/>
             </a:endParaRPr>
           </a:p>
@@ -17251,7 +17445,699 @@
             </a:pPr>
             <a:fld id="{00000000-1234-1234-1234-123412341234}" type="slidenum">
               <a:rPr lang="en-US" smtClean="0"/>
-              <a:t>16</a:t>
+              <a:t>17</a:t>
+            </a:fld>
+            <a:endParaRPr lang="en-US"/>
+          </a:p>
+        </p:txBody>
+      </p:sp>
+      <p:pic>
+        <p:nvPicPr>
+          <p:cNvPr id="9" name="Picture 8">
+            <a:extLst>
+              <a:ext uri="{FF2B5EF4-FFF2-40B4-BE49-F238E27FC236}">
+                <a16:creationId xmlns:a16="http://schemas.microsoft.com/office/drawing/2014/main" id="{54120B7A-4554-2A1B-A1BF-2836A768F404}"/>
+              </a:ext>
+            </a:extLst>
+          </p:cNvPr>
+          <p:cNvPicPr>
+            <a:picLocks noChangeAspect="1"/>
+          </p:cNvPicPr>
+          <p:nvPr/>
+        </p:nvPicPr>
+        <p:blipFill>
+          <a:blip r:embed="rId2"/>
+          <a:stretch>
+            <a:fillRect/>
+          </a:stretch>
+        </p:blipFill>
+        <p:spPr>
+          <a:xfrm>
+            <a:off x="3926034" y="3022843"/>
+            <a:ext cx="5140901" cy="3835157"/>
+          </a:xfrm>
+          <a:prstGeom prst="rect">
+            <a:avLst/>
+          </a:prstGeom>
+        </p:spPr>
+      </p:pic>
+    </p:spTree>
+    <p:extLst>
+      <p:ext uri="{BB962C8B-B14F-4D97-AF65-F5344CB8AC3E}">
+        <p14:creationId xmlns:p14="http://schemas.microsoft.com/office/powerpoint/2010/main" val="1696941959"/>
+      </p:ext>
+    </p:extLst>
+  </p:cSld>
+  <p:clrMapOvr>
+    <a:masterClrMapping/>
+  </p:clrMapOvr>
+</p:sld>
+</file>
+
+<file path=ppt/slides/slide18.xml><?xml version="1.0" encoding="utf-8"?>
+<p:sld xmlns:a="http://schemas.openxmlformats.org/drawingml/2006/main" xmlns:r="http://schemas.openxmlformats.org/officeDocument/2006/relationships" xmlns:p="http://schemas.openxmlformats.org/presentationml/2006/main">
+  <p:cSld>
+    <p:spTree>
+      <p:nvGrpSpPr>
+        <p:cNvPr id="1" name=""/>
+        <p:cNvGrpSpPr/>
+        <p:nvPr/>
+      </p:nvGrpSpPr>
+      <p:grpSpPr>
+        <a:xfrm>
+          <a:off x="0" y="0"/>
+          <a:ext cx="0" cy="0"/>
+          <a:chOff x="0" y="0"/>
+          <a:chExt cx="0" cy="0"/>
+        </a:xfrm>
+      </p:grpSpPr>
+      <p:sp>
+        <p:nvSpPr>
+          <p:cNvPr id="2" name="Title 1">
+            <a:extLst>
+              <a:ext uri="{FF2B5EF4-FFF2-40B4-BE49-F238E27FC236}">
+                <a16:creationId xmlns:a16="http://schemas.microsoft.com/office/drawing/2014/main" id="{94947B28-E8FA-8461-4C02-67CF7BEB9780}"/>
+              </a:ext>
+            </a:extLst>
+          </p:cNvPr>
+          <p:cNvSpPr>
+            <a:spLocks noGrp="1"/>
+          </p:cNvSpPr>
+          <p:nvPr>
+            <p:ph type="title"/>
+          </p:nvPr>
+        </p:nvSpPr>
+        <p:spPr/>
+        <p:txBody>
+          <a:bodyPr/>
+          <a:lstStyle/>
+          <a:p>
+            <a:r>
+              <a:rPr lang="en-US" dirty="0"/>
+              <a:t>Line Chart</a:t>
+            </a:r>
+          </a:p>
+        </p:txBody>
+      </p:sp>
+      <p:sp>
+        <p:nvSpPr>
+          <p:cNvPr id="3" name="Text Placeholder 2">
+            <a:extLst>
+              <a:ext uri="{FF2B5EF4-FFF2-40B4-BE49-F238E27FC236}">
+                <a16:creationId xmlns:a16="http://schemas.microsoft.com/office/drawing/2014/main" id="{0798A489-C8D3-4EAE-A768-C093F0704E25}"/>
+              </a:ext>
+            </a:extLst>
+          </p:cNvPr>
+          <p:cNvSpPr>
+            <a:spLocks noGrp="1"/>
+          </p:cNvSpPr>
+          <p:nvPr>
+            <p:ph type="body" idx="1"/>
+          </p:nvPr>
+        </p:nvSpPr>
+        <p:spPr>
+          <a:xfrm>
+            <a:off x="303935" y="1165950"/>
+            <a:ext cx="8229600" cy="4526100"/>
+          </a:xfrm>
+        </p:spPr>
+        <p:txBody>
+          <a:bodyPr/>
+          <a:lstStyle/>
+          <a:p>
+            <a:pPr marL="114300" indent="0">
+              <a:buNone/>
+            </a:pPr>
+            <a:r>
+              <a:rPr lang="en-US" sz="2800" dirty="0">
+                <a:latin typeface="+mj-lt"/>
+              </a:rPr>
+              <a:t>plot() function with additional parameters will display line chart.</a:t>
+            </a:r>
+          </a:p>
+          <a:p>
+            <a:pPr marL="114300" indent="0">
+              <a:buNone/>
+            </a:pPr>
+            <a:endParaRPr lang="en-US" sz="2800" dirty="0">
+              <a:latin typeface="+mj-lt"/>
+            </a:endParaRPr>
+          </a:p>
+          <a:p>
+            <a:pPr marL="114300" indent="0">
+              <a:buNone/>
+            </a:pPr>
+            <a:r>
+              <a:rPr lang="en-US" sz="2800" dirty="0">
+                <a:latin typeface="+mj-lt"/>
+              </a:rPr>
+              <a:t>Example: </a:t>
+            </a:r>
+          </a:p>
+          <a:p>
+            <a:pPr marL="114300" indent="0">
+              <a:buNone/>
+            </a:pPr>
+            <a:r>
+              <a:rPr lang="en-US" sz="2800" dirty="0">
+                <a:solidFill>
+                  <a:schemeClr val="tx1"/>
+                </a:solidFill>
+                <a:latin typeface="+mj-lt"/>
+                <a:cs typeface="Calibri" panose="020F0502020204030204" pitchFamily="34" charset="0"/>
+              </a:rPr>
+              <a:t># Display Line Chart Month vs Spend</a:t>
+            </a:r>
+          </a:p>
+          <a:p>
+            <a:pPr marL="114300" indent="0">
+              <a:buNone/>
+            </a:pPr>
+            <a:r>
+              <a:rPr lang="en-US" sz="2800" dirty="0">
+                <a:solidFill>
+                  <a:srgbClr val="1E64B6"/>
+                </a:solidFill>
+                <a:latin typeface="+mj-lt"/>
+                <a:cs typeface="Calibri" panose="020F0502020204030204" pitchFamily="34" charset="0"/>
+              </a:rPr>
+              <a:t>plot(</a:t>
+            </a:r>
+            <a:r>
+              <a:rPr lang="en-US" sz="2800" dirty="0" err="1">
+                <a:solidFill>
+                  <a:srgbClr val="1E64B6"/>
+                </a:solidFill>
+                <a:latin typeface="+mj-lt"/>
+                <a:cs typeface="Calibri" panose="020F0502020204030204" pitchFamily="34" charset="0"/>
+              </a:rPr>
+              <a:t>data$Month</a:t>
+            </a:r>
+            <a:r>
+              <a:rPr lang="en-US" sz="2800" dirty="0">
+                <a:solidFill>
+                  <a:srgbClr val="1E64B6"/>
+                </a:solidFill>
+                <a:latin typeface="+mj-lt"/>
+                <a:cs typeface="Calibri" panose="020F0502020204030204" pitchFamily="34" charset="0"/>
+              </a:rPr>
+              <a:t>,</a:t>
+            </a:r>
+          </a:p>
+          <a:p>
+            <a:pPr marL="114300" indent="0">
+              <a:buNone/>
+            </a:pPr>
+            <a:r>
+              <a:rPr lang="en-US" sz="2800" dirty="0">
+                <a:solidFill>
+                  <a:srgbClr val="1E64B6"/>
+                </a:solidFill>
+                <a:latin typeface="+mj-lt"/>
+                <a:cs typeface="Calibri" panose="020F0502020204030204" pitchFamily="34" charset="0"/>
+              </a:rPr>
+              <a:t>     </a:t>
+            </a:r>
+            <a:r>
+              <a:rPr lang="en-US" sz="2800" dirty="0" err="1">
+                <a:solidFill>
+                  <a:srgbClr val="1E64B6"/>
+                </a:solidFill>
+                <a:latin typeface="+mj-lt"/>
+                <a:cs typeface="Calibri" panose="020F0502020204030204" pitchFamily="34" charset="0"/>
+              </a:rPr>
+              <a:t>data$Spend</a:t>
+            </a:r>
+            <a:r>
+              <a:rPr lang="en-US" sz="2800" dirty="0">
+                <a:solidFill>
+                  <a:srgbClr val="1E64B6"/>
+                </a:solidFill>
+                <a:latin typeface="+mj-lt"/>
+                <a:cs typeface="Calibri" panose="020F0502020204030204" pitchFamily="34" charset="0"/>
+              </a:rPr>
+              <a:t>,</a:t>
+            </a:r>
+          </a:p>
+          <a:p>
+            <a:pPr marL="114300" indent="0">
+              <a:buNone/>
+            </a:pPr>
+            <a:r>
+              <a:rPr lang="en-US" sz="2800" dirty="0">
+                <a:solidFill>
+                  <a:srgbClr val="1E64B6"/>
+                </a:solidFill>
+                <a:latin typeface="+mj-lt"/>
+                <a:cs typeface="Calibri" panose="020F0502020204030204" pitchFamily="34" charset="0"/>
+              </a:rPr>
+              <a:t>     type='b') </a:t>
+            </a:r>
+            <a:r>
+              <a:rPr lang="en-US" sz="2800" dirty="0">
+                <a:solidFill>
+                  <a:srgbClr val="FF0000"/>
+                </a:solidFill>
+                <a:latin typeface="+mj-lt"/>
+                <a:cs typeface="Calibri" panose="020F0502020204030204" pitchFamily="34" charset="0"/>
+              </a:rPr>
+              <a:t># Type : p l b c o h s </a:t>
+            </a:r>
+            <a:r>
+              <a:rPr lang="en-US" sz="2800" dirty="0" err="1">
+                <a:solidFill>
+                  <a:srgbClr val="FF0000"/>
+                </a:solidFill>
+                <a:latin typeface="+mj-lt"/>
+                <a:cs typeface="Calibri" panose="020F0502020204030204" pitchFamily="34" charset="0"/>
+              </a:rPr>
+              <a:t>S</a:t>
+            </a:r>
+            <a:endParaRPr lang="en-US" sz="2800" dirty="0">
+              <a:solidFill>
+                <a:srgbClr val="FF0000"/>
+              </a:solidFill>
+              <a:latin typeface="+mj-lt"/>
+            </a:endParaRPr>
+          </a:p>
+        </p:txBody>
+      </p:sp>
+      <p:sp>
+        <p:nvSpPr>
+          <p:cNvPr id="4" name="Date Placeholder 3">
+            <a:extLst>
+              <a:ext uri="{FF2B5EF4-FFF2-40B4-BE49-F238E27FC236}">
+                <a16:creationId xmlns:a16="http://schemas.microsoft.com/office/drawing/2014/main" id="{D08BB6D6-E9B1-AD31-838D-F5B6CD1EDA29}"/>
+              </a:ext>
+            </a:extLst>
+          </p:cNvPr>
+          <p:cNvSpPr>
+            <a:spLocks noGrp="1"/>
+          </p:cNvSpPr>
+          <p:nvPr>
+            <p:ph type="dt" idx="10"/>
+          </p:nvPr>
+        </p:nvSpPr>
+        <p:spPr/>
+        <p:txBody>
+          <a:bodyPr/>
+          <a:lstStyle/>
+          <a:p>
+            <a:fld id="{0C62BD34-D5E2-4C87-AA2A-F8D5808875C3}" type="datetime1">
+              <a:rPr lang="en-US" smtClean="0"/>
+              <a:t>9/6/2023</a:t>
+            </a:fld>
+            <a:endParaRPr lang="en-US"/>
+          </a:p>
+        </p:txBody>
+      </p:sp>
+      <p:sp>
+        <p:nvSpPr>
+          <p:cNvPr id="5" name="Footer Placeholder 4">
+            <a:extLst>
+              <a:ext uri="{FF2B5EF4-FFF2-40B4-BE49-F238E27FC236}">
+                <a16:creationId xmlns:a16="http://schemas.microsoft.com/office/drawing/2014/main" id="{7FCB193E-2B2E-0E22-23AE-9A481B5DD18E}"/>
+              </a:ext>
+            </a:extLst>
+          </p:cNvPr>
+          <p:cNvSpPr>
+            <a:spLocks noGrp="1"/>
+          </p:cNvSpPr>
+          <p:nvPr>
+            <p:ph type="ftr" idx="11"/>
+          </p:nvPr>
+        </p:nvSpPr>
+        <p:spPr/>
+        <p:txBody>
+          <a:bodyPr/>
+          <a:lstStyle/>
+          <a:p>
+            <a:r>
+              <a:rPr lang="en-US"/>
+              <a:t>Ankit Velani, MBA-SIT,Tumkur</a:t>
+            </a:r>
+          </a:p>
+        </p:txBody>
+      </p:sp>
+      <p:sp>
+        <p:nvSpPr>
+          <p:cNvPr id="6" name="Slide Number Placeholder 5">
+            <a:extLst>
+              <a:ext uri="{FF2B5EF4-FFF2-40B4-BE49-F238E27FC236}">
+                <a16:creationId xmlns:a16="http://schemas.microsoft.com/office/drawing/2014/main" id="{F94FD8B8-FE1A-F425-0317-77C970F193B7}"/>
+              </a:ext>
+            </a:extLst>
+          </p:cNvPr>
+          <p:cNvSpPr>
+            <a:spLocks noGrp="1"/>
+          </p:cNvSpPr>
+          <p:nvPr>
+            <p:ph type="sldNum" idx="12"/>
+          </p:nvPr>
+        </p:nvSpPr>
+        <p:spPr/>
+        <p:txBody>
+          <a:bodyPr/>
+          <a:lstStyle/>
+          <a:p>
+            <a:pPr marL="0" lvl="0" indent="0" algn="r" rtl="0">
+              <a:spcBef>
+                <a:spcPts val="0"/>
+              </a:spcBef>
+              <a:spcAft>
+                <a:spcPts val="0"/>
+              </a:spcAft>
+              <a:buNone/>
+            </a:pPr>
+            <a:fld id="{00000000-1234-1234-1234-123412341234}" type="slidenum">
+              <a:rPr lang="en-US" smtClean="0"/>
+              <a:t>18</a:t>
+            </a:fld>
+            <a:endParaRPr lang="en-US"/>
+          </a:p>
+        </p:txBody>
+      </p:sp>
+    </p:spTree>
+    <p:extLst>
+      <p:ext uri="{BB962C8B-B14F-4D97-AF65-F5344CB8AC3E}">
+        <p14:creationId xmlns:p14="http://schemas.microsoft.com/office/powerpoint/2010/main" val="518492895"/>
+      </p:ext>
+    </p:extLst>
+  </p:cSld>
+  <p:clrMapOvr>
+    <a:masterClrMapping/>
+  </p:clrMapOvr>
+</p:sld>
+</file>
+
+<file path=ppt/slides/slide19.xml><?xml version="1.0" encoding="utf-8"?>
+<p:sld xmlns:a="http://schemas.openxmlformats.org/drawingml/2006/main" xmlns:r="http://schemas.openxmlformats.org/officeDocument/2006/relationships" xmlns:p="http://schemas.openxmlformats.org/presentationml/2006/main">
+  <p:cSld>
+    <p:spTree>
+      <p:nvGrpSpPr>
+        <p:cNvPr id="1" name=""/>
+        <p:cNvGrpSpPr/>
+        <p:nvPr/>
+      </p:nvGrpSpPr>
+      <p:grpSpPr>
+        <a:xfrm>
+          <a:off x="0" y="0"/>
+          <a:ext cx="0" cy="0"/>
+          <a:chOff x="0" y="0"/>
+          <a:chExt cx="0" cy="0"/>
+        </a:xfrm>
+      </p:grpSpPr>
+      <p:sp>
+        <p:nvSpPr>
+          <p:cNvPr id="2" name="Title 1">
+            <a:extLst>
+              <a:ext uri="{FF2B5EF4-FFF2-40B4-BE49-F238E27FC236}">
+                <a16:creationId xmlns:a16="http://schemas.microsoft.com/office/drawing/2014/main" id="{94947B28-E8FA-8461-4C02-67CF7BEB9780}"/>
+              </a:ext>
+            </a:extLst>
+          </p:cNvPr>
+          <p:cNvSpPr>
+            <a:spLocks noGrp="1"/>
+          </p:cNvSpPr>
+          <p:nvPr>
+            <p:ph type="title"/>
+          </p:nvPr>
+        </p:nvSpPr>
+        <p:spPr/>
+        <p:txBody>
+          <a:bodyPr/>
+          <a:lstStyle/>
+          <a:p>
+            <a:r>
+              <a:rPr lang="en-US" dirty="0"/>
+              <a:t>Line Chart</a:t>
+            </a:r>
+          </a:p>
+        </p:txBody>
+      </p:sp>
+      <p:sp>
+        <p:nvSpPr>
+          <p:cNvPr id="3" name="Text Placeholder 2">
+            <a:extLst>
+              <a:ext uri="{FF2B5EF4-FFF2-40B4-BE49-F238E27FC236}">
+                <a16:creationId xmlns:a16="http://schemas.microsoft.com/office/drawing/2014/main" id="{0798A489-C8D3-4EAE-A768-C093F0704E25}"/>
+              </a:ext>
+            </a:extLst>
+          </p:cNvPr>
+          <p:cNvSpPr>
+            <a:spLocks noGrp="1"/>
+          </p:cNvSpPr>
+          <p:nvPr>
+            <p:ph type="body" idx="1"/>
+          </p:nvPr>
+        </p:nvSpPr>
+        <p:spPr>
+          <a:xfrm>
+            <a:off x="303935" y="1165950"/>
+            <a:ext cx="8229600" cy="4526100"/>
+          </a:xfrm>
+        </p:spPr>
+        <p:txBody>
+          <a:bodyPr/>
+          <a:lstStyle/>
+          <a:p>
+            <a:pPr marL="114300" indent="0">
+              <a:buNone/>
+            </a:pPr>
+            <a:r>
+              <a:rPr lang="en-US" sz="2000" dirty="0">
+                <a:latin typeface="+mj-lt"/>
+              </a:rPr>
+              <a:t>plot() function with additional parameters will display line chart.</a:t>
+            </a:r>
+          </a:p>
+          <a:p>
+            <a:pPr marL="114300" indent="0">
+              <a:buNone/>
+            </a:pPr>
+            <a:endParaRPr lang="en-US" sz="2000" dirty="0">
+              <a:latin typeface="+mj-lt"/>
+            </a:endParaRPr>
+          </a:p>
+          <a:p>
+            <a:pPr marL="114300" indent="0">
+              <a:buNone/>
+            </a:pPr>
+            <a:r>
+              <a:rPr lang="en-US" sz="2000" dirty="0">
+                <a:latin typeface="+mj-lt"/>
+              </a:rPr>
+              <a:t>Example: </a:t>
+            </a:r>
+          </a:p>
+          <a:p>
+            <a:pPr marL="114300" indent="0">
+              <a:buNone/>
+            </a:pPr>
+            <a:r>
+              <a:rPr lang="en-US" sz="2000" dirty="0">
+                <a:solidFill>
+                  <a:schemeClr val="tx1"/>
+                </a:solidFill>
+                <a:latin typeface="+mj-lt"/>
+                <a:cs typeface="Calibri" panose="020F0502020204030204" pitchFamily="34" charset="0"/>
+              </a:rPr>
+              <a:t># Display Line Chart Month vs Spend</a:t>
+            </a:r>
+          </a:p>
+          <a:p>
+            <a:pPr marL="114300" indent="0">
+              <a:buNone/>
+            </a:pPr>
+            <a:r>
+              <a:rPr lang="en-US" sz="2000" dirty="0">
+                <a:solidFill>
+                  <a:srgbClr val="1E64B6"/>
+                </a:solidFill>
+                <a:latin typeface="+mj-lt"/>
+                <a:cs typeface="Calibri" panose="020F0502020204030204" pitchFamily="34" charset="0"/>
+              </a:rPr>
+              <a:t>plot(</a:t>
+            </a:r>
+            <a:r>
+              <a:rPr lang="en-US" sz="2000" dirty="0" err="1">
+                <a:solidFill>
+                  <a:srgbClr val="1E64B6"/>
+                </a:solidFill>
+                <a:latin typeface="+mj-lt"/>
+                <a:cs typeface="Calibri" panose="020F0502020204030204" pitchFamily="34" charset="0"/>
+              </a:rPr>
+              <a:t>data$Month</a:t>
+            </a:r>
+            <a:r>
+              <a:rPr lang="en-US" sz="2000" dirty="0">
+                <a:solidFill>
+                  <a:srgbClr val="1E64B6"/>
+                </a:solidFill>
+                <a:latin typeface="+mj-lt"/>
+                <a:cs typeface="Calibri" panose="020F0502020204030204" pitchFamily="34" charset="0"/>
+              </a:rPr>
+              <a:t>,</a:t>
+            </a:r>
+          </a:p>
+          <a:p>
+            <a:pPr marL="114300" indent="0">
+              <a:buNone/>
+            </a:pPr>
+            <a:r>
+              <a:rPr lang="en-US" sz="2000" dirty="0">
+                <a:solidFill>
+                  <a:srgbClr val="1E64B6"/>
+                </a:solidFill>
+                <a:latin typeface="+mj-lt"/>
+                <a:cs typeface="Calibri" panose="020F0502020204030204" pitchFamily="34" charset="0"/>
+              </a:rPr>
+              <a:t>     </a:t>
+            </a:r>
+            <a:r>
+              <a:rPr lang="en-US" sz="2000" dirty="0" err="1">
+                <a:solidFill>
+                  <a:srgbClr val="1E64B6"/>
+                </a:solidFill>
+                <a:latin typeface="+mj-lt"/>
+                <a:cs typeface="Calibri" panose="020F0502020204030204" pitchFamily="34" charset="0"/>
+              </a:rPr>
+              <a:t>data$Spend</a:t>
+            </a:r>
+            <a:r>
+              <a:rPr lang="en-US" sz="2000" dirty="0">
+                <a:solidFill>
+                  <a:srgbClr val="1E64B6"/>
+                </a:solidFill>
+                <a:latin typeface="+mj-lt"/>
+                <a:cs typeface="Calibri" panose="020F0502020204030204" pitchFamily="34" charset="0"/>
+              </a:rPr>
+              <a:t>,</a:t>
+            </a:r>
+          </a:p>
+          <a:p>
+            <a:pPr marL="114300" indent="0">
+              <a:buNone/>
+            </a:pPr>
+            <a:r>
+              <a:rPr lang="en-US" sz="2000" dirty="0">
+                <a:solidFill>
+                  <a:srgbClr val="1E64B6"/>
+                </a:solidFill>
+                <a:latin typeface="+mj-lt"/>
+                <a:cs typeface="Calibri" panose="020F0502020204030204" pitchFamily="34" charset="0"/>
+              </a:rPr>
+              <a:t>     type='b') # Type : p l b c o h s </a:t>
+            </a:r>
+            <a:r>
+              <a:rPr lang="en-US" sz="2000" dirty="0" err="1">
+                <a:solidFill>
+                  <a:srgbClr val="1E64B6"/>
+                </a:solidFill>
+                <a:latin typeface="+mj-lt"/>
+                <a:cs typeface="Calibri" panose="020F0502020204030204" pitchFamily="34" charset="0"/>
+              </a:rPr>
+              <a:t>S</a:t>
+            </a:r>
+            <a:endParaRPr lang="en-US" sz="2000" dirty="0">
+              <a:solidFill>
+                <a:srgbClr val="1E64B6"/>
+              </a:solidFill>
+              <a:latin typeface="+mj-lt"/>
+            </a:endParaRPr>
+          </a:p>
+        </p:txBody>
+      </p:sp>
+      <p:sp>
+        <p:nvSpPr>
+          <p:cNvPr id="4" name="Date Placeholder 3">
+            <a:extLst>
+              <a:ext uri="{FF2B5EF4-FFF2-40B4-BE49-F238E27FC236}">
+                <a16:creationId xmlns:a16="http://schemas.microsoft.com/office/drawing/2014/main" id="{D08BB6D6-E9B1-AD31-838D-F5B6CD1EDA29}"/>
+              </a:ext>
+            </a:extLst>
+          </p:cNvPr>
+          <p:cNvSpPr>
+            <a:spLocks noGrp="1"/>
+          </p:cNvSpPr>
+          <p:nvPr>
+            <p:ph type="dt" idx="10"/>
+          </p:nvPr>
+        </p:nvSpPr>
+        <p:spPr/>
+        <p:txBody>
+          <a:bodyPr/>
+          <a:lstStyle/>
+          <a:p>
+            <a:fld id="{0C62BD34-D5E2-4C87-AA2A-F8D5808875C3}" type="datetime1">
+              <a:rPr lang="en-US" smtClean="0"/>
+              <a:t>9/6/2023</a:t>
+            </a:fld>
+            <a:endParaRPr lang="en-US"/>
+          </a:p>
+        </p:txBody>
+      </p:sp>
+      <p:sp>
+        <p:nvSpPr>
+          <p:cNvPr id="5" name="Footer Placeholder 4">
+            <a:extLst>
+              <a:ext uri="{FF2B5EF4-FFF2-40B4-BE49-F238E27FC236}">
+                <a16:creationId xmlns:a16="http://schemas.microsoft.com/office/drawing/2014/main" id="{7FCB193E-2B2E-0E22-23AE-9A481B5DD18E}"/>
+              </a:ext>
+            </a:extLst>
+          </p:cNvPr>
+          <p:cNvSpPr>
+            <a:spLocks noGrp="1"/>
+          </p:cNvSpPr>
+          <p:nvPr>
+            <p:ph type="ftr" idx="11"/>
+          </p:nvPr>
+        </p:nvSpPr>
+        <p:spPr/>
+        <p:txBody>
+          <a:bodyPr/>
+          <a:lstStyle/>
+          <a:p>
+            <a:r>
+              <a:rPr lang="en-US"/>
+              <a:t>Ankit Velani, MBA-SIT,Tumkur</a:t>
+            </a:r>
+          </a:p>
+        </p:txBody>
+      </p:sp>
+      <p:sp>
+        <p:nvSpPr>
+          <p:cNvPr id="6" name="Slide Number Placeholder 5">
+            <a:extLst>
+              <a:ext uri="{FF2B5EF4-FFF2-40B4-BE49-F238E27FC236}">
+                <a16:creationId xmlns:a16="http://schemas.microsoft.com/office/drawing/2014/main" id="{F94FD8B8-FE1A-F425-0317-77C970F193B7}"/>
+              </a:ext>
+            </a:extLst>
+          </p:cNvPr>
+          <p:cNvSpPr>
+            <a:spLocks noGrp="1"/>
+          </p:cNvSpPr>
+          <p:nvPr>
+            <p:ph type="sldNum" idx="12"/>
+          </p:nvPr>
+        </p:nvSpPr>
+        <p:spPr/>
+        <p:txBody>
+          <a:bodyPr/>
+          <a:lstStyle/>
+          <a:p>
+            <a:pPr marL="0" lvl="0" indent="0" algn="r" rtl="0">
+              <a:spcBef>
+                <a:spcPts val="0"/>
+              </a:spcBef>
+              <a:spcAft>
+                <a:spcPts val="0"/>
+              </a:spcAft>
+              <a:buNone/>
+            </a:pPr>
+            <a:fld id="{00000000-1234-1234-1234-123412341234}" type="slidenum">
+              <a:rPr lang="en-US" smtClean="0"/>
+              <a:t>19</a:t>
             </a:fld>
             <a:endParaRPr lang="en-US"/>
           </a:p>
@@ -17291,1216 +18177,6 @@
     <p:extLst>
       <p:ext uri="{BB962C8B-B14F-4D97-AF65-F5344CB8AC3E}">
         <p14:creationId xmlns:p14="http://schemas.microsoft.com/office/powerpoint/2010/main" val="3096643774"/>
-      </p:ext>
-    </p:extLst>
-  </p:cSld>
-  <p:clrMapOvr>
-    <a:masterClrMapping/>
-  </p:clrMapOvr>
-</p:sld>
-</file>
-
-<file path=ppt/slides/slide17.xml><?xml version="1.0" encoding="utf-8"?>
-<p:sld xmlns:a="http://schemas.openxmlformats.org/drawingml/2006/main" xmlns:r="http://schemas.openxmlformats.org/officeDocument/2006/relationships" xmlns:p="http://schemas.openxmlformats.org/presentationml/2006/main">
-  <p:cSld>
-    <p:spTree>
-      <p:nvGrpSpPr>
-        <p:cNvPr id="1" name=""/>
-        <p:cNvGrpSpPr/>
-        <p:nvPr/>
-      </p:nvGrpSpPr>
-      <p:grpSpPr>
-        <a:xfrm>
-          <a:off x="0" y="0"/>
-          <a:ext cx="0" cy="0"/>
-          <a:chOff x="0" y="0"/>
-          <a:chExt cx="0" cy="0"/>
-        </a:xfrm>
-      </p:grpSpPr>
-      <p:sp>
-        <p:nvSpPr>
-          <p:cNvPr id="2" name="Title 1">
-            <a:extLst>
-              <a:ext uri="{FF2B5EF4-FFF2-40B4-BE49-F238E27FC236}">
-                <a16:creationId xmlns:a16="http://schemas.microsoft.com/office/drawing/2014/main" id="{AC46C292-3C25-D38E-F222-EC08D427D067}"/>
-              </a:ext>
-            </a:extLst>
-          </p:cNvPr>
-          <p:cNvSpPr>
-            <a:spLocks noGrp="1"/>
-          </p:cNvSpPr>
-          <p:nvPr>
-            <p:ph type="title"/>
-          </p:nvPr>
-        </p:nvSpPr>
-        <p:spPr/>
-        <p:txBody>
-          <a:bodyPr/>
-          <a:lstStyle/>
-          <a:p>
-            <a:r>
-              <a:rPr lang="en-US" dirty="0"/>
-              <a:t>Regression</a:t>
-            </a:r>
-          </a:p>
-        </p:txBody>
-      </p:sp>
-      <p:sp>
-        <p:nvSpPr>
-          <p:cNvPr id="3" name="Text Placeholder 2">
-            <a:extLst>
-              <a:ext uri="{FF2B5EF4-FFF2-40B4-BE49-F238E27FC236}">
-                <a16:creationId xmlns:a16="http://schemas.microsoft.com/office/drawing/2014/main" id="{0E8F2FE9-F587-25F9-97DB-3127585672E8}"/>
-              </a:ext>
-            </a:extLst>
-          </p:cNvPr>
-          <p:cNvSpPr>
-            <a:spLocks noGrp="1"/>
-          </p:cNvSpPr>
-          <p:nvPr>
-            <p:ph type="body" idx="1"/>
-          </p:nvPr>
-        </p:nvSpPr>
-        <p:spPr>
-          <a:xfrm>
-            <a:off x="457200" y="1267688"/>
-            <a:ext cx="8229600" cy="4526100"/>
-          </a:xfrm>
-        </p:spPr>
-        <p:txBody>
-          <a:bodyPr/>
-          <a:lstStyle/>
-          <a:p>
-            <a:pPr algn="l"/>
-            <a:endParaRPr lang="en-US" sz="2400" b="0" i="0" u="none" strike="noStrike" baseline="0" dirty="0">
-              <a:solidFill>
-                <a:srgbClr val="000000"/>
-              </a:solidFill>
-              <a:latin typeface="+mj-lt"/>
-            </a:endParaRPr>
-          </a:p>
-          <a:p>
-            <a:pPr marL="114300" indent="0">
-              <a:buNone/>
-            </a:pPr>
-            <a:r>
-              <a:rPr lang="en-US" sz="2400" b="1" dirty="0" err="1">
-                <a:solidFill>
-                  <a:srgbClr val="000000"/>
-                </a:solidFill>
-                <a:latin typeface="+mj-lt"/>
-              </a:rPr>
-              <a:t>lm</a:t>
-            </a:r>
-            <a:r>
-              <a:rPr lang="en-US" sz="2400" b="1" dirty="0">
-                <a:solidFill>
-                  <a:srgbClr val="000000"/>
-                </a:solidFill>
-                <a:latin typeface="+mj-lt"/>
-              </a:rPr>
-              <a:t>() </a:t>
-            </a:r>
-            <a:r>
-              <a:rPr lang="en-US" sz="2400" dirty="0">
-                <a:solidFill>
-                  <a:srgbClr val="000000"/>
-                </a:solidFill>
-                <a:latin typeface="+mj-lt"/>
-              </a:rPr>
-              <a:t>function helps us to create regression model in R with given formula in the form of </a:t>
-            </a:r>
-            <a:r>
-              <a:rPr lang="en-US" sz="2400" b="1" dirty="0">
-                <a:solidFill>
-                  <a:srgbClr val="000000"/>
-                </a:solidFill>
-                <a:latin typeface="+mj-lt"/>
-              </a:rPr>
-              <a:t>Y ~ X+X2+X3+X4…etc</a:t>
-            </a:r>
-          </a:p>
-          <a:p>
-            <a:pPr marL="114300" indent="0">
-              <a:buNone/>
-            </a:pPr>
-            <a:endParaRPr lang="en-US" sz="2400" b="1" dirty="0">
-              <a:solidFill>
-                <a:srgbClr val="000000"/>
-              </a:solidFill>
-              <a:latin typeface="+mj-lt"/>
-            </a:endParaRPr>
-          </a:p>
-          <a:p>
-            <a:pPr marL="114300" indent="0">
-              <a:buNone/>
-            </a:pPr>
-            <a:r>
-              <a:rPr lang="en-US" sz="2400" b="1" i="0" u="none" strike="noStrike" baseline="0" dirty="0">
-                <a:solidFill>
-                  <a:srgbClr val="000000"/>
-                </a:solidFill>
-                <a:latin typeface="+mj-lt"/>
-              </a:rPr>
-              <a:t>summary()</a:t>
-            </a:r>
-            <a:r>
-              <a:rPr lang="en-US" sz="2400" b="0" i="0" u="none" strike="noStrike" baseline="0" dirty="0">
-                <a:solidFill>
-                  <a:srgbClr val="000000"/>
-                </a:solidFill>
-                <a:latin typeface="+mj-lt"/>
-              </a:rPr>
-              <a:t> functions to look the model and it's parameters such as formula, </a:t>
-            </a:r>
-            <a:r>
-              <a:rPr lang="en-US" sz="2400" b="0" i="0" u="none" strike="noStrike" baseline="0" dirty="0" err="1">
-                <a:solidFill>
-                  <a:srgbClr val="000000"/>
-                </a:solidFill>
-                <a:latin typeface="+mj-lt"/>
-              </a:rPr>
-              <a:t>coefficients,standard</a:t>
-            </a:r>
-            <a:r>
-              <a:rPr lang="en-US" sz="2400" b="0" i="0" u="none" strike="noStrike" baseline="0" dirty="0">
-                <a:solidFill>
-                  <a:srgbClr val="000000"/>
-                </a:solidFill>
-                <a:latin typeface="+mj-lt"/>
-              </a:rPr>
-              <a:t> error, residual, multiple/adjusted R-</a:t>
-            </a:r>
-            <a:r>
-              <a:rPr lang="en-US" sz="2400" b="0" i="0" u="none" strike="noStrike" baseline="0" dirty="0" err="1">
-                <a:solidFill>
-                  <a:srgbClr val="000000"/>
-                </a:solidFill>
-                <a:latin typeface="+mj-lt"/>
-              </a:rPr>
-              <a:t>Square..etc</a:t>
-            </a:r>
-            <a:r>
-              <a:rPr lang="en-US" sz="2400" b="0" i="0" u="none" strike="noStrike" baseline="0" dirty="0">
-                <a:solidFill>
-                  <a:srgbClr val="000000"/>
-                </a:solidFill>
-                <a:latin typeface="+mj-lt"/>
-              </a:rPr>
-              <a:t> to analyze regression model</a:t>
-            </a:r>
-          </a:p>
-          <a:p>
-            <a:pPr marL="114300" indent="0">
-              <a:buNone/>
-            </a:pPr>
-            <a:endParaRPr lang="en-US" sz="2400" b="1" dirty="0">
-              <a:solidFill>
-                <a:srgbClr val="000000"/>
-              </a:solidFill>
-              <a:latin typeface="+mj-lt"/>
-            </a:endParaRPr>
-          </a:p>
-          <a:p>
-            <a:pPr marL="114300" indent="0">
-              <a:buNone/>
-            </a:pPr>
-            <a:r>
-              <a:rPr lang="en-US" sz="2400" b="1" i="0" u="none" strike="noStrike" baseline="0" dirty="0">
-                <a:solidFill>
-                  <a:srgbClr val="000000"/>
-                </a:solidFill>
-                <a:latin typeface="+mj-lt"/>
-              </a:rPr>
-              <a:t>predict()</a:t>
-            </a:r>
-            <a:r>
-              <a:rPr lang="en-US" sz="2400" b="0" i="0" u="none" strike="noStrike" baseline="0" dirty="0">
-                <a:solidFill>
-                  <a:srgbClr val="000000"/>
-                </a:solidFill>
-                <a:latin typeface="+mj-lt"/>
-              </a:rPr>
-              <a:t> function used to make a prediction on new data, and we can </a:t>
-            </a:r>
-            <a:r>
-              <a:rPr lang="en-US" sz="2400" b="0" i="0" u="none" strike="noStrike" baseline="0" dirty="0" err="1">
-                <a:solidFill>
-                  <a:srgbClr val="000000"/>
-                </a:solidFill>
-                <a:latin typeface="+mj-lt"/>
-              </a:rPr>
-              <a:t>dervided</a:t>
-            </a:r>
-            <a:r>
-              <a:rPr lang="en-US" sz="2400" b="0" i="0" u="none" strike="noStrike" baseline="0" dirty="0">
-                <a:solidFill>
-                  <a:srgbClr val="000000"/>
-                </a:solidFill>
-                <a:latin typeface="+mj-lt"/>
-              </a:rPr>
-              <a:t> formula </a:t>
-            </a:r>
-            <a:r>
-              <a:rPr lang="en-US" sz="2400" b="0" i="0" u="none" strike="noStrike" baseline="0" dirty="0" err="1">
-                <a:solidFill>
-                  <a:srgbClr val="000000"/>
-                </a:solidFill>
-                <a:latin typeface="+mj-lt"/>
-              </a:rPr>
-              <a:t>forprediction</a:t>
-            </a:r>
-            <a:r>
-              <a:rPr lang="en-US" sz="2400" b="0" i="0" u="none" strike="noStrike" baseline="0" dirty="0">
-                <a:solidFill>
-                  <a:srgbClr val="000000"/>
-                </a:solidFill>
-                <a:latin typeface="+mj-lt"/>
-              </a:rPr>
-              <a:t> y = b0 + b1</a:t>
-            </a:r>
-            <a:r>
-              <a:rPr lang="en-US" sz="2400" b="0" i="1" u="none" strike="noStrike" baseline="0" dirty="0">
-                <a:solidFill>
-                  <a:srgbClr val="000000"/>
-                </a:solidFill>
-                <a:latin typeface="+mj-lt"/>
-              </a:rPr>
-              <a:t>x1 + b2</a:t>
-            </a:r>
-            <a:r>
-              <a:rPr lang="en-US" sz="2400" b="0" i="0" u="none" strike="noStrike" baseline="0" dirty="0">
-                <a:solidFill>
-                  <a:srgbClr val="000000"/>
-                </a:solidFill>
-                <a:latin typeface="+mj-lt"/>
-              </a:rPr>
-              <a:t>x2 + b3*x3..etc</a:t>
-            </a:r>
-          </a:p>
-          <a:p>
-            <a:pPr marL="114300" indent="0">
-              <a:buNone/>
-            </a:pPr>
-            <a:endParaRPr lang="en-US" sz="2400" b="1" dirty="0">
-              <a:solidFill>
-                <a:srgbClr val="000000"/>
-              </a:solidFill>
-              <a:latin typeface="+mj-lt"/>
-            </a:endParaRPr>
-          </a:p>
-        </p:txBody>
-      </p:sp>
-      <p:sp>
-        <p:nvSpPr>
-          <p:cNvPr id="4" name="Date Placeholder 3">
-            <a:extLst>
-              <a:ext uri="{FF2B5EF4-FFF2-40B4-BE49-F238E27FC236}">
-                <a16:creationId xmlns:a16="http://schemas.microsoft.com/office/drawing/2014/main" id="{7ACD0887-C061-8E09-A79A-27B7166859DB}"/>
-              </a:ext>
-            </a:extLst>
-          </p:cNvPr>
-          <p:cNvSpPr>
-            <a:spLocks noGrp="1"/>
-          </p:cNvSpPr>
-          <p:nvPr>
-            <p:ph type="dt" idx="10"/>
-          </p:nvPr>
-        </p:nvSpPr>
-        <p:spPr/>
-        <p:txBody>
-          <a:bodyPr/>
-          <a:lstStyle/>
-          <a:p>
-            <a:fld id="{0C62BD34-D5E2-4C87-AA2A-F8D5808875C3}" type="datetime1">
-              <a:rPr lang="en-US" smtClean="0"/>
-              <a:t>9/6/2023</a:t>
-            </a:fld>
-            <a:endParaRPr lang="en-US"/>
-          </a:p>
-        </p:txBody>
-      </p:sp>
-      <p:sp>
-        <p:nvSpPr>
-          <p:cNvPr id="5" name="Footer Placeholder 4">
-            <a:extLst>
-              <a:ext uri="{FF2B5EF4-FFF2-40B4-BE49-F238E27FC236}">
-                <a16:creationId xmlns:a16="http://schemas.microsoft.com/office/drawing/2014/main" id="{AD52405D-3AB2-8452-DFCC-CCFCB161C99B}"/>
-              </a:ext>
-            </a:extLst>
-          </p:cNvPr>
-          <p:cNvSpPr>
-            <a:spLocks noGrp="1"/>
-          </p:cNvSpPr>
-          <p:nvPr>
-            <p:ph type="ftr" idx="11"/>
-          </p:nvPr>
-        </p:nvSpPr>
-        <p:spPr/>
-        <p:txBody>
-          <a:bodyPr/>
-          <a:lstStyle/>
-          <a:p>
-            <a:r>
-              <a:rPr lang="en-US"/>
-              <a:t>Ankit Velani, MBA-SIT,Tumkur</a:t>
-            </a:r>
-          </a:p>
-        </p:txBody>
-      </p:sp>
-      <p:sp>
-        <p:nvSpPr>
-          <p:cNvPr id="6" name="Slide Number Placeholder 5">
-            <a:extLst>
-              <a:ext uri="{FF2B5EF4-FFF2-40B4-BE49-F238E27FC236}">
-                <a16:creationId xmlns:a16="http://schemas.microsoft.com/office/drawing/2014/main" id="{6E636D37-48AF-5E43-C0DB-07B77B2ABC1C}"/>
-              </a:ext>
-            </a:extLst>
-          </p:cNvPr>
-          <p:cNvSpPr>
-            <a:spLocks noGrp="1"/>
-          </p:cNvSpPr>
-          <p:nvPr>
-            <p:ph type="sldNum" idx="12"/>
-          </p:nvPr>
-        </p:nvSpPr>
-        <p:spPr/>
-        <p:txBody>
-          <a:bodyPr/>
-          <a:lstStyle/>
-          <a:p>
-            <a:pPr marL="0" lvl="0" indent="0" algn="r" rtl="0">
-              <a:spcBef>
-                <a:spcPts val="0"/>
-              </a:spcBef>
-              <a:spcAft>
-                <a:spcPts val="0"/>
-              </a:spcAft>
-              <a:buNone/>
-            </a:pPr>
-            <a:fld id="{00000000-1234-1234-1234-123412341234}" type="slidenum">
-              <a:rPr lang="en-US" smtClean="0"/>
-              <a:t>17</a:t>
-            </a:fld>
-            <a:endParaRPr lang="en-US"/>
-          </a:p>
-        </p:txBody>
-      </p:sp>
-    </p:spTree>
-    <p:extLst>
-      <p:ext uri="{BB962C8B-B14F-4D97-AF65-F5344CB8AC3E}">
-        <p14:creationId xmlns:p14="http://schemas.microsoft.com/office/powerpoint/2010/main" val="2056495620"/>
-      </p:ext>
-    </p:extLst>
-  </p:cSld>
-  <p:clrMapOvr>
-    <a:masterClrMapping/>
-  </p:clrMapOvr>
-</p:sld>
-</file>
-
-<file path=ppt/slides/slide18.xml><?xml version="1.0" encoding="utf-8"?>
-<p:sld xmlns:a="http://schemas.openxmlformats.org/drawingml/2006/main" xmlns:r="http://schemas.openxmlformats.org/officeDocument/2006/relationships" xmlns:p="http://schemas.openxmlformats.org/presentationml/2006/main">
-  <p:cSld>
-    <p:spTree>
-      <p:nvGrpSpPr>
-        <p:cNvPr id="1" name=""/>
-        <p:cNvGrpSpPr/>
-        <p:nvPr/>
-      </p:nvGrpSpPr>
-      <p:grpSpPr>
-        <a:xfrm>
-          <a:off x="0" y="0"/>
-          <a:ext cx="0" cy="0"/>
-          <a:chOff x="0" y="0"/>
-          <a:chExt cx="0" cy="0"/>
-        </a:xfrm>
-      </p:grpSpPr>
-      <p:sp>
-        <p:nvSpPr>
-          <p:cNvPr id="2" name="Title 1">
-            <a:extLst>
-              <a:ext uri="{FF2B5EF4-FFF2-40B4-BE49-F238E27FC236}">
-                <a16:creationId xmlns:a16="http://schemas.microsoft.com/office/drawing/2014/main" id="{D09426F3-D353-6EF0-FA35-9C66186D796A}"/>
-              </a:ext>
-            </a:extLst>
-          </p:cNvPr>
-          <p:cNvSpPr>
-            <a:spLocks noGrp="1"/>
-          </p:cNvSpPr>
-          <p:nvPr>
-            <p:ph type="title"/>
-          </p:nvPr>
-        </p:nvSpPr>
-        <p:spPr/>
-        <p:txBody>
-          <a:bodyPr/>
-          <a:lstStyle/>
-          <a:p>
-            <a:r>
-              <a:rPr lang="en-US" dirty="0"/>
-              <a:t>Correlation</a:t>
-            </a:r>
-          </a:p>
-        </p:txBody>
-      </p:sp>
-      <p:sp>
-        <p:nvSpPr>
-          <p:cNvPr id="3" name="Text Placeholder 2">
-            <a:extLst>
-              <a:ext uri="{FF2B5EF4-FFF2-40B4-BE49-F238E27FC236}">
-                <a16:creationId xmlns:a16="http://schemas.microsoft.com/office/drawing/2014/main" id="{C66D2071-6CF5-998C-C7DD-AE59EDF83863}"/>
-              </a:ext>
-            </a:extLst>
-          </p:cNvPr>
-          <p:cNvSpPr>
-            <a:spLocks noGrp="1"/>
-          </p:cNvSpPr>
-          <p:nvPr>
-            <p:ph type="body" idx="1"/>
-          </p:nvPr>
-        </p:nvSpPr>
-        <p:spPr/>
-        <p:txBody>
-          <a:bodyPr/>
-          <a:lstStyle/>
-          <a:p>
-            <a:pPr marL="114300" indent="0">
-              <a:buNone/>
-            </a:pPr>
-            <a:r>
-              <a:rPr lang="en-US" sz="3200" b="1" dirty="0" err="1">
-                <a:solidFill>
-                  <a:srgbClr val="000000"/>
-                </a:solidFill>
-                <a:latin typeface="+mj-lt"/>
-              </a:rPr>
-              <a:t>cor</a:t>
-            </a:r>
-            <a:r>
-              <a:rPr lang="en-US" sz="3200" b="1" dirty="0">
-                <a:solidFill>
-                  <a:srgbClr val="000000"/>
-                </a:solidFill>
-                <a:latin typeface="+mj-lt"/>
-              </a:rPr>
-              <a:t>() </a:t>
-            </a:r>
-            <a:r>
-              <a:rPr lang="en-US" sz="3200" dirty="0">
-                <a:solidFill>
-                  <a:srgbClr val="000000"/>
-                </a:solidFill>
-                <a:latin typeface="+mj-lt"/>
-              </a:rPr>
-              <a:t>function helps us to get the correlation for the variables.</a:t>
-            </a:r>
-          </a:p>
-          <a:p>
-            <a:pPr marL="114300" indent="0">
-              <a:buNone/>
-            </a:pPr>
-            <a:endParaRPr lang="en-US" dirty="0">
-              <a:solidFill>
-                <a:srgbClr val="000000"/>
-              </a:solidFill>
-              <a:latin typeface="+mj-lt"/>
-            </a:endParaRPr>
-          </a:p>
-          <a:p>
-            <a:pPr marL="114300" indent="0">
-              <a:buNone/>
-            </a:pPr>
-            <a:r>
-              <a:rPr lang="en-US" dirty="0">
-                <a:solidFill>
-                  <a:srgbClr val="000000"/>
-                </a:solidFill>
-                <a:latin typeface="+mj-lt"/>
-              </a:rPr>
-              <a:t>Example:</a:t>
-            </a:r>
-            <a:endParaRPr lang="en-US" sz="3200" dirty="0">
-              <a:solidFill>
-                <a:srgbClr val="000000"/>
-              </a:solidFill>
-              <a:latin typeface="+mj-lt"/>
-            </a:endParaRPr>
-          </a:p>
-          <a:p>
-            <a:pPr marL="114300" indent="0">
-              <a:buNone/>
-            </a:pPr>
-            <a:r>
-              <a:rPr lang="en-US" sz="2800" b="0" i="0" u="none" strike="noStrike" baseline="0" dirty="0" err="1">
-                <a:solidFill>
-                  <a:srgbClr val="1E64B6"/>
-                </a:solidFill>
-                <a:latin typeface="+mj-lt"/>
-              </a:rPr>
-              <a:t>cor</a:t>
-            </a:r>
-            <a:r>
-              <a:rPr lang="en-US" sz="2800" b="0" i="0" u="none" strike="noStrike" baseline="0" dirty="0">
-                <a:solidFill>
-                  <a:srgbClr val="1E64B6"/>
-                </a:solidFill>
-                <a:latin typeface="+mj-lt"/>
-              </a:rPr>
-              <a:t>(</a:t>
-            </a:r>
-            <a:r>
-              <a:rPr lang="en-US" sz="2800" b="0" i="0" u="none" strike="noStrike" baseline="0" dirty="0" err="1">
-                <a:solidFill>
-                  <a:srgbClr val="1E64B6"/>
-                </a:solidFill>
-                <a:latin typeface="+mj-lt"/>
-              </a:rPr>
-              <a:t>data</a:t>
-            </a:r>
-            <a:r>
-              <a:rPr lang="en-US" sz="2800" b="1" i="0" u="none" strike="noStrike" baseline="0" dirty="0" err="1">
-                <a:solidFill>
-                  <a:srgbClr val="1E64B6"/>
-                </a:solidFill>
-                <a:latin typeface="+mj-lt"/>
-              </a:rPr>
-              <a:t>$</a:t>
-            </a:r>
-            <a:r>
-              <a:rPr lang="en-US" sz="2800" b="0" i="0" u="none" strike="noStrike" baseline="0" dirty="0" err="1">
-                <a:solidFill>
-                  <a:srgbClr val="1E64B6"/>
-                </a:solidFill>
-                <a:latin typeface="+mj-lt"/>
-              </a:rPr>
-              <a:t>Spend,data</a:t>
-            </a:r>
-            <a:r>
-              <a:rPr lang="en-US" sz="2800" b="1" i="0" u="none" strike="noStrike" baseline="0" dirty="0" err="1">
-                <a:solidFill>
-                  <a:srgbClr val="1E64B6"/>
-                </a:solidFill>
-                <a:latin typeface="+mj-lt"/>
-              </a:rPr>
-              <a:t>$</a:t>
-            </a:r>
-            <a:r>
-              <a:rPr lang="en-US" sz="2800" b="0" i="0" u="none" strike="noStrike" baseline="0" dirty="0" err="1">
-                <a:solidFill>
-                  <a:srgbClr val="1E64B6"/>
-                </a:solidFill>
-                <a:latin typeface="+mj-lt"/>
-              </a:rPr>
-              <a:t>Sales</a:t>
-            </a:r>
-            <a:r>
-              <a:rPr lang="en-US" sz="2800" b="0" i="0" u="none" strike="noStrike" baseline="0" dirty="0">
-                <a:solidFill>
-                  <a:srgbClr val="1E64B6"/>
-                </a:solidFill>
-                <a:latin typeface="+mj-lt"/>
-              </a:rPr>
-              <a:t>)</a:t>
-            </a:r>
-          </a:p>
-          <a:p>
-            <a:pPr marL="114300" indent="0">
-              <a:buNone/>
-            </a:pPr>
-            <a:endParaRPr lang="en-US" sz="2800" dirty="0">
-              <a:solidFill>
-                <a:srgbClr val="1E64B6"/>
-              </a:solidFill>
-              <a:latin typeface="+mj-lt"/>
-            </a:endParaRPr>
-          </a:p>
-          <a:p>
-            <a:pPr marL="114300" indent="0">
-              <a:buNone/>
-            </a:pPr>
-            <a:r>
-              <a:rPr lang="en-US" sz="2800" b="0" i="1" u="none" strike="noStrike" baseline="0" dirty="0">
-                <a:solidFill>
-                  <a:srgbClr val="1E64B6"/>
-                </a:solidFill>
-                <a:latin typeface="+mj-lt"/>
-              </a:rPr>
-              <a:t>#Default method is </a:t>
-            </a:r>
-            <a:r>
-              <a:rPr lang="en-US" sz="2800" b="0" i="1" u="none" strike="noStrike" baseline="0" dirty="0" err="1">
-                <a:solidFill>
-                  <a:srgbClr val="1E64B6"/>
-                </a:solidFill>
-                <a:latin typeface="+mj-lt"/>
-              </a:rPr>
-              <a:t>pearson</a:t>
-            </a:r>
-            <a:r>
-              <a:rPr lang="en-US" sz="2800" b="0" i="1" u="none" strike="noStrike" baseline="0" dirty="0">
-                <a:solidFill>
-                  <a:srgbClr val="1E64B6"/>
-                </a:solidFill>
-                <a:latin typeface="+mj-lt"/>
-              </a:rPr>
-              <a:t> correlation</a:t>
-            </a:r>
-            <a:endParaRPr lang="en-US" sz="4400" b="1" dirty="0">
-              <a:solidFill>
-                <a:srgbClr val="1E64B6"/>
-              </a:solidFill>
-              <a:latin typeface="+mj-lt"/>
-            </a:endParaRPr>
-          </a:p>
-          <a:p>
-            <a:pPr marL="114300" indent="0">
-              <a:buNone/>
-            </a:pPr>
-            <a:endParaRPr lang="en-US" dirty="0"/>
-          </a:p>
-        </p:txBody>
-      </p:sp>
-      <p:sp>
-        <p:nvSpPr>
-          <p:cNvPr id="4" name="Date Placeholder 3">
-            <a:extLst>
-              <a:ext uri="{FF2B5EF4-FFF2-40B4-BE49-F238E27FC236}">
-                <a16:creationId xmlns:a16="http://schemas.microsoft.com/office/drawing/2014/main" id="{5405C0DF-5AC5-247D-56C0-C6C376F40D5F}"/>
-              </a:ext>
-            </a:extLst>
-          </p:cNvPr>
-          <p:cNvSpPr>
-            <a:spLocks noGrp="1"/>
-          </p:cNvSpPr>
-          <p:nvPr>
-            <p:ph type="dt" idx="10"/>
-          </p:nvPr>
-        </p:nvSpPr>
-        <p:spPr/>
-        <p:txBody>
-          <a:bodyPr/>
-          <a:lstStyle/>
-          <a:p>
-            <a:fld id="{0C62BD34-D5E2-4C87-AA2A-F8D5808875C3}" type="datetime1">
-              <a:rPr lang="en-US" smtClean="0"/>
-              <a:t>9/6/2023</a:t>
-            </a:fld>
-            <a:endParaRPr lang="en-US"/>
-          </a:p>
-        </p:txBody>
-      </p:sp>
-      <p:sp>
-        <p:nvSpPr>
-          <p:cNvPr id="5" name="Footer Placeholder 4">
-            <a:extLst>
-              <a:ext uri="{FF2B5EF4-FFF2-40B4-BE49-F238E27FC236}">
-                <a16:creationId xmlns:a16="http://schemas.microsoft.com/office/drawing/2014/main" id="{9132D66E-4D61-1CAD-6E96-445F1F26FF3D}"/>
-              </a:ext>
-            </a:extLst>
-          </p:cNvPr>
-          <p:cNvSpPr>
-            <a:spLocks noGrp="1"/>
-          </p:cNvSpPr>
-          <p:nvPr>
-            <p:ph type="ftr" idx="11"/>
-          </p:nvPr>
-        </p:nvSpPr>
-        <p:spPr/>
-        <p:txBody>
-          <a:bodyPr/>
-          <a:lstStyle/>
-          <a:p>
-            <a:r>
-              <a:rPr lang="en-US"/>
-              <a:t>Ankit Velani, MBA-SIT,Tumkur</a:t>
-            </a:r>
-          </a:p>
-        </p:txBody>
-      </p:sp>
-      <p:sp>
-        <p:nvSpPr>
-          <p:cNvPr id="6" name="Slide Number Placeholder 5">
-            <a:extLst>
-              <a:ext uri="{FF2B5EF4-FFF2-40B4-BE49-F238E27FC236}">
-                <a16:creationId xmlns:a16="http://schemas.microsoft.com/office/drawing/2014/main" id="{B4B45D89-FF56-E0D8-BADF-A6C9642E7668}"/>
-              </a:ext>
-            </a:extLst>
-          </p:cNvPr>
-          <p:cNvSpPr>
-            <a:spLocks noGrp="1"/>
-          </p:cNvSpPr>
-          <p:nvPr>
-            <p:ph type="sldNum" idx="12"/>
-          </p:nvPr>
-        </p:nvSpPr>
-        <p:spPr/>
-        <p:txBody>
-          <a:bodyPr/>
-          <a:lstStyle/>
-          <a:p>
-            <a:pPr marL="0" lvl="0" indent="0" algn="r" rtl="0">
-              <a:spcBef>
-                <a:spcPts val="0"/>
-              </a:spcBef>
-              <a:spcAft>
-                <a:spcPts val="0"/>
-              </a:spcAft>
-              <a:buNone/>
-            </a:pPr>
-            <a:fld id="{00000000-1234-1234-1234-123412341234}" type="slidenum">
-              <a:rPr lang="en-US" smtClean="0"/>
-              <a:t>18</a:t>
-            </a:fld>
-            <a:endParaRPr lang="en-US"/>
-          </a:p>
-        </p:txBody>
-      </p:sp>
-    </p:spTree>
-    <p:extLst>
-      <p:ext uri="{BB962C8B-B14F-4D97-AF65-F5344CB8AC3E}">
-        <p14:creationId xmlns:p14="http://schemas.microsoft.com/office/powerpoint/2010/main" val="2180311140"/>
-      </p:ext>
-    </p:extLst>
-  </p:cSld>
-  <p:clrMapOvr>
-    <a:masterClrMapping/>
-  </p:clrMapOvr>
-</p:sld>
-</file>
-
-<file path=ppt/slides/slide19.xml><?xml version="1.0" encoding="utf-8"?>
-<p:sld xmlns:a="http://schemas.openxmlformats.org/drawingml/2006/main" xmlns:r="http://schemas.openxmlformats.org/officeDocument/2006/relationships" xmlns:p="http://schemas.openxmlformats.org/presentationml/2006/main">
-  <p:cSld>
-    <p:spTree>
-      <p:nvGrpSpPr>
-        <p:cNvPr id="1" name=""/>
-        <p:cNvGrpSpPr/>
-        <p:nvPr/>
-      </p:nvGrpSpPr>
-      <p:grpSpPr>
-        <a:xfrm>
-          <a:off x="0" y="0"/>
-          <a:ext cx="0" cy="0"/>
-          <a:chOff x="0" y="0"/>
-          <a:chExt cx="0" cy="0"/>
-        </a:xfrm>
-      </p:grpSpPr>
-      <p:sp>
-        <p:nvSpPr>
-          <p:cNvPr id="2" name="Title 1">
-            <a:extLst>
-              <a:ext uri="{FF2B5EF4-FFF2-40B4-BE49-F238E27FC236}">
-                <a16:creationId xmlns:a16="http://schemas.microsoft.com/office/drawing/2014/main" id="{D09426F3-D353-6EF0-FA35-9C66186D796A}"/>
-              </a:ext>
-            </a:extLst>
-          </p:cNvPr>
-          <p:cNvSpPr>
-            <a:spLocks noGrp="1"/>
-          </p:cNvSpPr>
-          <p:nvPr>
-            <p:ph type="title"/>
-          </p:nvPr>
-        </p:nvSpPr>
-        <p:spPr/>
-        <p:txBody>
-          <a:bodyPr/>
-          <a:lstStyle/>
-          <a:p>
-            <a:r>
-              <a:rPr lang="en-US" dirty="0"/>
-              <a:t>Correlation</a:t>
-            </a:r>
-          </a:p>
-        </p:txBody>
-      </p:sp>
-      <p:sp>
-        <p:nvSpPr>
-          <p:cNvPr id="3" name="Text Placeholder 2">
-            <a:extLst>
-              <a:ext uri="{FF2B5EF4-FFF2-40B4-BE49-F238E27FC236}">
-                <a16:creationId xmlns:a16="http://schemas.microsoft.com/office/drawing/2014/main" id="{C66D2071-6CF5-998C-C7DD-AE59EDF83863}"/>
-              </a:ext>
-            </a:extLst>
-          </p:cNvPr>
-          <p:cNvSpPr>
-            <a:spLocks noGrp="1"/>
-          </p:cNvSpPr>
-          <p:nvPr>
-            <p:ph type="body" idx="1"/>
-          </p:nvPr>
-        </p:nvSpPr>
-        <p:spPr>
-          <a:xfrm>
-            <a:off x="162791" y="1568381"/>
-            <a:ext cx="8977745" cy="4526100"/>
-          </a:xfrm>
-        </p:spPr>
-        <p:txBody>
-          <a:bodyPr/>
-          <a:lstStyle/>
-          <a:p>
-            <a:pPr marL="114300" indent="0">
-              <a:buNone/>
-            </a:pPr>
-            <a:r>
-              <a:rPr lang="en-US" sz="3200" b="1" dirty="0" err="1">
-                <a:solidFill>
-                  <a:srgbClr val="000000"/>
-                </a:solidFill>
-                <a:latin typeface="+mj-lt"/>
-              </a:rPr>
-              <a:t>cor</a:t>
-            </a:r>
-            <a:r>
-              <a:rPr lang="en-US" sz="3200" b="1" dirty="0">
-                <a:solidFill>
-                  <a:srgbClr val="000000"/>
-                </a:solidFill>
-                <a:latin typeface="+mj-lt"/>
-              </a:rPr>
-              <a:t>() </a:t>
-            </a:r>
-            <a:r>
-              <a:rPr lang="en-US" sz="3200" dirty="0">
-                <a:solidFill>
-                  <a:srgbClr val="000000"/>
-                </a:solidFill>
-                <a:latin typeface="+mj-lt"/>
-              </a:rPr>
-              <a:t>function helps us to get the correlation for the variables.</a:t>
-            </a:r>
-          </a:p>
-          <a:p>
-            <a:pPr marL="114300" indent="0">
-              <a:buNone/>
-            </a:pPr>
-            <a:endParaRPr lang="en-US" dirty="0">
-              <a:solidFill>
-                <a:srgbClr val="000000"/>
-              </a:solidFill>
-              <a:latin typeface="+mj-lt"/>
-            </a:endParaRPr>
-          </a:p>
-          <a:p>
-            <a:pPr marL="114300" indent="0">
-              <a:buNone/>
-            </a:pPr>
-            <a:r>
-              <a:rPr lang="en-US" dirty="0">
-                <a:solidFill>
-                  <a:srgbClr val="000000"/>
-                </a:solidFill>
-                <a:latin typeface="+mj-lt"/>
-              </a:rPr>
-              <a:t>Example:</a:t>
-            </a:r>
-            <a:endParaRPr lang="en-US" sz="3200" dirty="0">
-              <a:solidFill>
-                <a:srgbClr val="000000"/>
-              </a:solidFill>
-              <a:latin typeface="+mj-lt"/>
-            </a:endParaRPr>
-          </a:p>
-          <a:p>
-            <a:pPr marL="114300" indent="0">
-              <a:buNone/>
-            </a:pPr>
-            <a:r>
-              <a:rPr lang="en-US" sz="2800" b="0" i="0" u="none" strike="noStrike" baseline="0" dirty="0" err="1">
-                <a:solidFill>
-                  <a:srgbClr val="1E64B6"/>
-                </a:solidFill>
-                <a:latin typeface="+mj-lt"/>
-              </a:rPr>
-              <a:t>cor</a:t>
-            </a:r>
-            <a:r>
-              <a:rPr lang="en-US" sz="2800" b="0" i="0" u="none" strike="noStrike" baseline="0" dirty="0">
-                <a:solidFill>
-                  <a:srgbClr val="1E64B6"/>
-                </a:solidFill>
-                <a:latin typeface="+mj-lt"/>
-              </a:rPr>
-              <a:t>(</a:t>
-            </a:r>
-            <a:r>
-              <a:rPr lang="en-US" sz="2800" b="0" i="0" u="none" strike="noStrike" baseline="0" dirty="0" err="1">
-                <a:solidFill>
-                  <a:srgbClr val="1E64B6"/>
-                </a:solidFill>
-                <a:latin typeface="+mj-lt"/>
-              </a:rPr>
-              <a:t>data</a:t>
-            </a:r>
-            <a:r>
-              <a:rPr lang="en-US" sz="2800" b="1" i="0" u="none" strike="noStrike" baseline="0" dirty="0" err="1">
-                <a:solidFill>
-                  <a:srgbClr val="1E64B6"/>
-                </a:solidFill>
-                <a:latin typeface="+mj-lt"/>
-              </a:rPr>
-              <a:t>$</a:t>
-            </a:r>
-            <a:r>
-              <a:rPr lang="en-US" sz="2800" b="0" i="0" u="none" strike="noStrike" baseline="0" dirty="0" err="1">
-                <a:solidFill>
-                  <a:srgbClr val="1E64B6"/>
-                </a:solidFill>
-                <a:latin typeface="+mj-lt"/>
-              </a:rPr>
-              <a:t>Spend,data</a:t>
-            </a:r>
-            <a:r>
-              <a:rPr lang="en-US" sz="2800" b="1" i="0" u="none" strike="noStrike" baseline="0" dirty="0" err="1">
-                <a:solidFill>
-                  <a:srgbClr val="1E64B6"/>
-                </a:solidFill>
-                <a:latin typeface="+mj-lt"/>
-              </a:rPr>
-              <a:t>$</a:t>
-            </a:r>
-            <a:r>
-              <a:rPr lang="en-US" sz="2800" b="0" i="0" u="none" strike="noStrike" baseline="0" dirty="0" err="1">
-                <a:solidFill>
-                  <a:srgbClr val="1E64B6"/>
-                </a:solidFill>
-                <a:latin typeface="+mj-lt"/>
-              </a:rPr>
-              <a:t>Sales</a:t>
-            </a:r>
-            <a:r>
-              <a:rPr lang="en-US" sz="2800" b="0" i="0" u="none" strike="noStrike" baseline="0" dirty="0">
-                <a:solidFill>
-                  <a:srgbClr val="1E64B6"/>
-                </a:solidFill>
-                <a:latin typeface="+mj-lt"/>
-              </a:rPr>
-              <a:t>)</a:t>
-            </a:r>
-          </a:p>
-          <a:p>
-            <a:pPr marL="114300" indent="0">
-              <a:buNone/>
-            </a:pPr>
-            <a:endParaRPr lang="en-US" sz="2800" dirty="0">
-              <a:solidFill>
-                <a:srgbClr val="1E64B6"/>
-              </a:solidFill>
-              <a:latin typeface="+mj-lt"/>
-            </a:endParaRPr>
-          </a:p>
-          <a:p>
-            <a:pPr marL="114300" indent="0">
-              <a:buNone/>
-            </a:pPr>
-            <a:r>
-              <a:rPr lang="en-US" sz="2800" dirty="0">
-                <a:solidFill>
-                  <a:schemeClr val="tx1"/>
-                </a:solidFill>
-                <a:latin typeface="+mj-lt"/>
-              </a:rPr>
-              <a:t># Methods: "</a:t>
-            </a:r>
-            <a:r>
-              <a:rPr lang="en-US" sz="2800" dirty="0" err="1">
-                <a:solidFill>
-                  <a:schemeClr val="tx1"/>
-                </a:solidFill>
-                <a:latin typeface="+mj-lt"/>
-              </a:rPr>
-              <a:t>pearson</a:t>
-            </a:r>
-            <a:r>
-              <a:rPr lang="en-US" sz="2800" dirty="0">
-                <a:solidFill>
-                  <a:schemeClr val="tx1"/>
-                </a:solidFill>
-                <a:latin typeface="+mj-lt"/>
-              </a:rPr>
-              <a:t>", "</a:t>
-            </a:r>
-            <a:r>
-              <a:rPr lang="en-US" sz="2800" dirty="0" err="1">
-                <a:solidFill>
-                  <a:schemeClr val="tx1"/>
-                </a:solidFill>
-                <a:latin typeface="+mj-lt"/>
-              </a:rPr>
-              <a:t>kendall</a:t>
-            </a:r>
-            <a:r>
-              <a:rPr lang="en-US" sz="2800" dirty="0">
-                <a:solidFill>
-                  <a:schemeClr val="tx1"/>
-                </a:solidFill>
-                <a:latin typeface="+mj-lt"/>
-              </a:rPr>
-              <a:t>", "spearman"</a:t>
-            </a:r>
-          </a:p>
-          <a:p>
-            <a:pPr marL="114300" indent="0">
-              <a:buNone/>
-            </a:pPr>
-            <a:r>
-              <a:rPr lang="en-US" sz="2800" dirty="0" err="1">
-                <a:solidFill>
-                  <a:srgbClr val="1E64B6"/>
-                </a:solidFill>
-                <a:latin typeface="+mj-lt"/>
-              </a:rPr>
-              <a:t>cor</a:t>
-            </a:r>
-            <a:r>
-              <a:rPr lang="en-US" sz="2800" dirty="0">
-                <a:solidFill>
-                  <a:srgbClr val="1E64B6"/>
-                </a:solidFill>
-                <a:latin typeface="+mj-lt"/>
-              </a:rPr>
-              <a:t>(</a:t>
-            </a:r>
-            <a:r>
-              <a:rPr lang="en-US" sz="2800" dirty="0" err="1">
-                <a:solidFill>
-                  <a:srgbClr val="1E64B6"/>
-                </a:solidFill>
-                <a:latin typeface="+mj-lt"/>
-              </a:rPr>
-              <a:t>data$Spend,data$Sales</a:t>
-            </a:r>
-            <a:r>
-              <a:rPr lang="en-US" sz="2800" dirty="0">
-                <a:solidFill>
-                  <a:srgbClr val="1E64B6"/>
-                </a:solidFill>
-                <a:latin typeface="+mj-lt"/>
-              </a:rPr>
-              <a:t>, </a:t>
-            </a:r>
-            <a:r>
-              <a:rPr lang="en-US" sz="2800" dirty="0">
-                <a:solidFill>
-                  <a:srgbClr val="FF0000"/>
-                </a:solidFill>
-                <a:latin typeface="+mj-lt"/>
-              </a:rPr>
-              <a:t>method = "spearman"</a:t>
-            </a:r>
-            <a:r>
-              <a:rPr lang="en-US" sz="2800" dirty="0">
-                <a:solidFill>
-                  <a:srgbClr val="1E64B6"/>
-                </a:solidFill>
-                <a:latin typeface="+mj-lt"/>
-              </a:rPr>
-              <a:t>)</a:t>
-            </a:r>
-            <a:endParaRPr lang="en-US" dirty="0"/>
-          </a:p>
-        </p:txBody>
-      </p:sp>
-      <p:sp>
-        <p:nvSpPr>
-          <p:cNvPr id="4" name="Date Placeholder 3">
-            <a:extLst>
-              <a:ext uri="{FF2B5EF4-FFF2-40B4-BE49-F238E27FC236}">
-                <a16:creationId xmlns:a16="http://schemas.microsoft.com/office/drawing/2014/main" id="{5405C0DF-5AC5-247D-56C0-C6C376F40D5F}"/>
-              </a:ext>
-            </a:extLst>
-          </p:cNvPr>
-          <p:cNvSpPr>
-            <a:spLocks noGrp="1"/>
-          </p:cNvSpPr>
-          <p:nvPr>
-            <p:ph type="dt" idx="10"/>
-          </p:nvPr>
-        </p:nvSpPr>
-        <p:spPr/>
-        <p:txBody>
-          <a:bodyPr/>
-          <a:lstStyle/>
-          <a:p>
-            <a:fld id="{0C62BD34-D5E2-4C87-AA2A-F8D5808875C3}" type="datetime1">
-              <a:rPr lang="en-US" smtClean="0"/>
-              <a:t>9/6/2023</a:t>
-            </a:fld>
-            <a:endParaRPr lang="en-US"/>
-          </a:p>
-        </p:txBody>
-      </p:sp>
-      <p:sp>
-        <p:nvSpPr>
-          <p:cNvPr id="5" name="Footer Placeholder 4">
-            <a:extLst>
-              <a:ext uri="{FF2B5EF4-FFF2-40B4-BE49-F238E27FC236}">
-                <a16:creationId xmlns:a16="http://schemas.microsoft.com/office/drawing/2014/main" id="{9132D66E-4D61-1CAD-6E96-445F1F26FF3D}"/>
-              </a:ext>
-            </a:extLst>
-          </p:cNvPr>
-          <p:cNvSpPr>
-            <a:spLocks noGrp="1"/>
-          </p:cNvSpPr>
-          <p:nvPr>
-            <p:ph type="ftr" idx="11"/>
-          </p:nvPr>
-        </p:nvSpPr>
-        <p:spPr/>
-        <p:txBody>
-          <a:bodyPr/>
-          <a:lstStyle/>
-          <a:p>
-            <a:r>
-              <a:rPr lang="en-US"/>
-              <a:t>Ankit Velani, MBA-SIT,Tumkur</a:t>
-            </a:r>
-          </a:p>
-        </p:txBody>
-      </p:sp>
-      <p:sp>
-        <p:nvSpPr>
-          <p:cNvPr id="6" name="Slide Number Placeholder 5">
-            <a:extLst>
-              <a:ext uri="{FF2B5EF4-FFF2-40B4-BE49-F238E27FC236}">
-                <a16:creationId xmlns:a16="http://schemas.microsoft.com/office/drawing/2014/main" id="{B4B45D89-FF56-E0D8-BADF-A6C9642E7668}"/>
-              </a:ext>
-            </a:extLst>
-          </p:cNvPr>
-          <p:cNvSpPr>
-            <a:spLocks noGrp="1"/>
-          </p:cNvSpPr>
-          <p:nvPr>
-            <p:ph type="sldNum" idx="12"/>
-          </p:nvPr>
-        </p:nvSpPr>
-        <p:spPr/>
-        <p:txBody>
-          <a:bodyPr/>
-          <a:lstStyle/>
-          <a:p>
-            <a:pPr marL="0" lvl="0" indent="0" algn="r" rtl="0">
-              <a:spcBef>
-                <a:spcPts val="0"/>
-              </a:spcBef>
-              <a:spcAft>
-                <a:spcPts val="0"/>
-              </a:spcAft>
-              <a:buNone/>
-            </a:pPr>
-            <a:fld id="{00000000-1234-1234-1234-123412341234}" type="slidenum">
-              <a:rPr lang="en-US" smtClean="0"/>
-              <a:t>19</a:t>
-            </a:fld>
-            <a:endParaRPr lang="en-US"/>
-          </a:p>
-        </p:txBody>
-      </p:sp>
-    </p:spTree>
-    <p:extLst>
-      <p:ext uri="{BB962C8B-B14F-4D97-AF65-F5344CB8AC3E}">
-        <p14:creationId xmlns:p14="http://schemas.microsoft.com/office/powerpoint/2010/main" val="2871520381"/>
       </p:ext>
     </p:extLst>
   </p:cSld>
@@ -18705,7 +18381,7 @@
             </a:pPr>
             <a:r>
               <a:rPr lang="en-US" dirty="0"/>
-              <a:t>Session-3 : R data types</a:t>
+              <a:t>Session-3 : Basic Graphs</a:t>
             </a:r>
             <a:endParaRPr dirty="0"/>
           </a:p>
@@ -18760,6 +18436,26 @@
                 </a:solidFill>
               </a:rPr>
               <a:t>Basic Graphs in R</a:t>
+            </a:r>
+          </a:p>
+          <a:p>
+            <a:pPr marL="800100" lvl="1">
+              <a:spcBef>
+                <a:spcPts val="560"/>
+              </a:spcBef>
+              <a:buClr>
+                <a:schemeClr val="accent2"/>
+              </a:buClr>
+              <a:buSzPts val="2800"/>
+              <a:buChar char="•"/>
+            </a:pPr>
+            <a:r>
+              <a:rPr lang="en-US" sz="2000" dirty="0">
+                <a:solidFill>
+                  <a:schemeClr val="accent2"/>
+                </a:solidFill>
+              </a:rPr>
+              <a:t>Table</a:t>
             </a:r>
           </a:p>
           <a:p>
@@ -18919,7 +18615,7 @@
           <p:cNvPr id="2" name="Title 1">
             <a:extLst>
               <a:ext uri="{FF2B5EF4-FFF2-40B4-BE49-F238E27FC236}">
-                <a16:creationId xmlns:a16="http://schemas.microsoft.com/office/drawing/2014/main" id="{D09426F3-D353-6EF0-FA35-9C66186D796A}"/>
+                <a16:creationId xmlns:a16="http://schemas.microsoft.com/office/drawing/2014/main" id="{AC46C292-3C25-D38E-F222-EC08D427D067}"/>
               </a:ext>
             </a:extLst>
           </p:cNvPr>
@@ -18947,7 +18643,7 @@
           <p:cNvPr id="3" name="Text Placeholder 2">
             <a:extLst>
               <a:ext uri="{FF2B5EF4-FFF2-40B4-BE49-F238E27FC236}">
-                <a16:creationId xmlns:a16="http://schemas.microsoft.com/office/drawing/2014/main" id="{C66D2071-6CF5-998C-C7DD-AE59EDF83863}"/>
+                <a16:creationId xmlns:a16="http://schemas.microsoft.com/office/drawing/2014/main" id="{0E8F2FE9-F587-25F9-97DB-3127585672E8}"/>
               </a:ext>
             </a:extLst>
           </p:cNvPr>
@@ -18960,92 +18656,16 @@
         </p:nvSpPr>
         <p:spPr>
           <a:xfrm>
-            <a:off x="162791" y="1568381"/>
-            <a:ext cx="8977745" cy="4526100"/>
+            <a:off x="457200" y="1267688"/>
+            <a:ext cx="8229600" cy="4526100"/>
           </a:xfrm>
         </p:spPr>
         <p:txBody>
           <a:bodyPr/>
           <a:lstStyle/>
           <a:p>
-            <a:pPr marL="114300" indent="0">
-              <a:buNone/>
-            </a:pPr>
-            <a:r>
-              <a:rPr lang="en-US" sz="2400" b="0" u="none" strike="noStrike" baseline="0" dirty="0">
-                <a:solidFill>
-                  <a:srgbClr val="000000"/>
-                </a:solidFill>
-                <a:latin typeface="+mj-lt"/>
-              </a:rPr>
-              <a:t>Parameters for </a:t>
-            </a:r>
-            <a:r>
-              <a:rPr lang="en-US" sz="2400" b="0" u="none" strike="noStrike" baseline="0" dirty="0" err="1">
-                <a:solidFill>
-                  <a:srgbClr val="000000"/>
-                </a:solidFill>
-                <a:latin typeface="+mj-lt"/>
-              </a:rPr>
-              <a:t>lm</a:t>
-            </a:r>
-            <a:r>
-              <a:rPr lang="en-US" sz="2400" b="0" u="none" strike="noStrike" baseline="0" dirty="0">
-                <a:solidFill>
-                  <a:srgbClr val="000000"/>
-                </a:solidFill>
-                <a:latin typeface="+mj-lt"/>
-              </a:rPr>
-              <a:t>() function</a:t>
-            </a:r>
-          </a:p>
-          <a:p>
-            <a:r>
-              <a:rPr lang="en-US" sz="2400" dirty="0">
-                <a:solidFill>
-                  <a:srgbClr val="00B050"/>
-                </a:solidFill>
-                <a:latin typeface="+mj-lt"/>
-              </a:rPr>
-              <a:t>Dependent variable</a:t>
-            </a:r>
-          </a:p>
-          <a:p>
-            <a:r>
-              <a:rPr lang="en-US" sz="2400" dirty="0" err="1">
-                <a:solidFill>
-                  <a:srgbClr val="7030A0"/>
-                </a:solidFill>
-                <a:latin typeface="+mj-lt"/>
-              </a:rPr>
-              <a:t>Indepedent</a:t>
-            </a:r>
-            <a:r>
-              <a:rPr lang="en-US" sz="2400" dirty="0">
-                <a:solidFill>
-                  <a:srgbClr val="7030A0"/>
-                </a:solidFill>
-                <a:latin typeface="+mj-lt"/>
-              </a:rPr>
-              <a:t> Variable</a:t>
-            </a:r>
-          </a:p>
-          <a:p>
-            <a:r>
-              <a:rPr lang="en-US" sz="2400" b="0" u="none" strike="noStrike" baseline="0" dirty="0">
-                <a:solidFill>
-                  <a:srgbClr val="000000"/>
-                </a:solidFill>
-                <a:latin typeface="+mj-lt"/>
-              </a:rPr>
-              <a:t>Data Source</a:t>
-            </a:r>
-          </a:p>
-          <a:p>
-            <a:pPr marL="114300" indent="0">
-              <a:buNone/>
-            </a:pPr>
-            <a:endParaRPr lang="en-US" sz="2400" dirty="0">
+            <a:pPr algn="l"/>
+            <a:endParaRPr lang="en-US" sz="2400" b="0" i="0" u="none" strike="noStrike" baseline="0" dirty="0">
               <a:solidFill>
                 <a:srgbClr val="000000"/>
               </a:solidFill>
@@ -19057,126 +18677,49 @@
               <a:buNone/>
             </a:pPr>
             <a:r>
-              <a:rPr lang="en-US" sz="2400" b="0" i="0" u="none" strike="noStrike" baseline="0" dirty="0">
+              <a:rPr lang="en-US" sz="2400" b="1" dirty="0" err="1">
                 <a:solidFill>
                   <a:srgbClr val="000000"/>
                 </a:solidFill>
                 <a:latin typeface="+mj-lt"/>
               </a:rPr>
-              <a:t>Example:</a:t>
+              <a:t>lm</a:t>
+            </a:r>
+            <a:r>
+              <a:rPr lang="en-US" sz="2400" b="1" dirty="0">
+                <a:solidFill>
+                  <a:srgbClr val="000000"/>
+                </a:solidFill>
+                <a:latin typeface="+mj-lt"/>
+              </a:rPr>
+              <a:t>() </a:t>
+            </a:r>
+            <a:r>
+              <a:rPr lang="en-US" sz="2400" dirty="0">
+                <a:solidFill>
+                  <a:srgbClr val="000000"/>
+                </a:solidFill>
+                <a:latin typeface="+mj-lt"/>
+              </a:rPr>
+              <a:t>function helps us to create regression model in R with given formula in the form of </a:t>
+            </a:r>
+            <a:r>
+              <a:rPr lang="en-US" sz="2400" b="1" dirty="0">
+                <a:solidFill>
+                  <a:srgbClr val="000000"/>
+                </a:solidFill>
+                <a:latin typeface="+mj-lt"/>
+              </a:rPr>
+              <a:t>Y ~ X+X2+X3+X4…etc</a:t>
             </a:r>
           </a:p>
           <a:p>
             <a:pPr marL="114300" indent="0">
               <a:buNone/>
             </a:pPr>
-            <a:r>
-              <a:rPr lang="en-US" sz="2400" b="0" i="0" u="none" strike="noStrike" baseline="0" dirty="0">
-                <a:solidFill>
-                  <a:srgbClr val="0070C0"/>
-                </a:solidFill>
-                <a:latin typeface="+mj-lt"/>
-              </a:rPr>
-              <a:t>model_1 </a:t>
-            </a:r>
-            <a:r>
-              <a:rPr lang="en-US" sz="2400" b="1" i="0" u="none" strike="noStrike" baseline="0" dirty="0">
-                <a:solidFill>
-                  <a:srgbClr val="0070C0"/>
-                </a:solidFill>
-                <a:latin typeface="+mj-lt"/>
-              </a:rPr>
-              <a:t>&lt;- </a:t>
-            </a:r>
-            <a:r>
-              <a:rPr lang="en-US" sz="2400" b="0" i="0" u="none" strike="noStrike" baseline="0" dirty="0" err="1">
-                <a:solidFill>
-                  <a:srgbClr val="0070C0"/>
-                </a:solidFill>
-                <a:latin typeface="+mj-lt"/>
-              </a:rPr>
-              <a:t>lm</a:t>
-            </a:r>
-            <a:r>
-              <a:rPr lang="en-US" sz="2400" b="0" i="0" u="none" strike="noStrike" baseline="0" dirty="0">
-                <a:solidFill>
-                  <a:srgbClr val="0070C0"/>
-                </a:solidFill>
-                <a:latin typeface="+mj-lt"/>
-              </a:rPr>
-              <a:t>(</a:t>
-            </a:r>
-            <a:r>
-              <a:rPr lang="en-US" sz="2400" b="0" i="0" u="none" strike="noStrike" baseline="0" dirty="0" err="1">
-                <a:solidFill>
-                  <a:srgbClr val="00B050"/>
-                </a:solidFill>
-                <a:latin typeface="+mj-lt"/>
-              </a:rPr>
-              <a:t>Sales</a:t>
-            </a:r>
-            <a:r>
-              <a:rPr lang="en-US" sz="2400" b="1" i="0" u="none" strike="noStrike" baseline="0" dirty="0" err="1">
-                <a:solidFill>
-                  <a:srgbClr val="FF0000"/>
-                </a:solidFill>
-                <a:latin typeface="+mj-lt"/>
-              </a:rPr>
-              <a:t>~</a:t>
-            </a:r>
-            <a:r>
-              <a:rPr lang="en-US" sz="2400" b="0" i="0" u="none" strike="noStrike" baseline="0" dirty="0" err="1">
-                <a:solidFill>
-                  <a:srgbClr val="7030A0"/>
-                </a:solidFill>
-                <a:latin typeface="+mj-lt"/>
-              </a:rPr>
-              <a:t>Spend</a:t>
-            </a:r>
-            <a:r>
-              <a:rPr lang="en-US" sz="2400" b="0" i="0" u="none" strike="noStrike" baseline="0" dirty="0">
-                <a:solidFill>
-                  <a:srgbClr val="0070C0"/>
-                </a:solidFill>
-                <a:latin typeface="+mj-lt"/>
-              </a:rPr>
-              <a:t>, </a:t>
-            </a:r>
-            <a:r>
-              <a:rPr lang="en-US" sz="2400" b="0" i="0" u="none" strike="noStrike" baseline="0" dirty="0">
-                <a:solidFill>
-                  <a:schemeClr val="tx1"/>
-                </a:solidFill>
-                <a:latin typeface="+mj-lt"/>
-              </a:rPr>
-              <a:t>data</a:t>
-            </a:r>
-            <a:r>
-              <a:rPr lang="en-US" sz="2400" b="0" i="0" u="none" strike="noStrike" baseline="0" dirty="0">
-                <a:solidFill>
-                  <a:srgbClr val="0070C0"/>
-                </a:solidFill>
-                <a:latin typeface="+mj-lt"/>
-              </a:rPr>
-              <a:t>)  </a:t>
-            </a:r>
-            <a:r>
-              <a:rPr lang="en-US" sz="1800" dirty="0">
-                <a:solidFill>
-                  <a:schemeClr val="bg2"/>
-                </a:solidFill>
-                <a:latin typeface="+mj-lt"/>
-              </a:rPr>
-              <a:t>#Simple Linear Regression</a:t>
-            </a:r>
-          </a:p>
-          <a:p>
-            <a:pPr marL="114300" indent="0">
-              <a:buNone/>
-            </a:pPr>
-            <a:endParaRPr lang="en-US" sz="2400" b="0" i="0" u="none" strike="noStrike" baseline="0" dirty="0">
+            <a:endParaRPr lang="en-US" sz="2400" b="1" dirty="0">
               <a:solidFill>
-                <a:srgbClr val="0070C0"/>
+                <a:srgbClr val="000000"/>
               </a:solidFill>
               <a:latin typeface="+mj-lt"/>
             </a:endParaRPr>
@@ -19186,107 +18729,67 @@
               <a:buNone/>
             </a:pPr>
             <a:r>
+              <a:rPr lang="en-US" sz="2400" b="1" i="0" u="none" strike="noStrike" baseline="0" dirty="0">
+                <a:solidFill>
+                  <a:srgbClr val="000000"/>
+                </a:solidFill>
+                <a:latin typeface="+mj-lt"/>
+              </a:rPr>
+              <a:t>summary()</a:t>
+            </a:r>
+            <a:r>
               <a:rPr lang="en-US" sz="2400" b="0" i="0" u="none" strike="noStrike" baseline="0" dirty="0">
                 <a:solidFill>
-                  <a:srgbClr val="0070C0"/>
-                </a:solidFill>
-                <a:latin typeface="+mj-lt"/>
-              </a:rPr>
-              <a:t>model_2 </a:t>
-            </a:r>
-            <a:r>
-              <a:rPr lang="en-US" sz="2400" b="1" i="0" u="none" strike="noStrike" baseline="0" dirty="0">
-                <a:solidFill>
-                  <a:srgbClr val="0070C0"/>
-                </a:solidFill>
-                <a:latin typeface="+mj-lt"/>
-              </a:rPr>
-              <a:t>&lt;- </a:t>
+                  <a:srgbClr val="000000"/>
+                </a:solidFill>
+                <a:latin typeface="+mj-lt"/>
+              </a:rPr>
+              <a:t> functions to look the model and it's parameters such as formula, </a:t>
             </a:r>
             <a:r>
               <a:rPr lang="en-US" sz="2400" b="0" i="0" u="none" strike="noStrike" baseline="0" dirty="0" err="1">
                 <a:solidFill>
-                  <a:srgbClr val="0070C0"/>
-                </a:solidFill>
-                <a:latin typeface="+mj-lt"/>
-              </a:rPr>
-              <a:t>lm</a:t>
+                  <a:srgbClr val="000000"/>
+                </a:solidFill>
+                <a:latin typeface="+mj-lt"/>
+              </a:rPr>
+              <a:t>coefficients,standard</a:t>
             </a:r>
             <a:r>
               <a:rPr lang="en-US" sz="2400" b="0" i="0" u="none" strike="noStrike" baseline="0" dirty="0">
                 <a:solidFill>
-                  <a:srgbClr val="0070C0"/>
-                </a:solidFill>
-                <a:latin typeface="+mj-lt"/>
-              </a:rPr>
-              <a:t>(</a:t>
-            </a:r>
-            <a:r>
-              <a:rPr lang="en-US" sz="2400" dirty="0" err="1">
-                <a:solidFill>
-                  <a:srgbClr val="00B050"/>
-                </a:solidFill>
-                <a:latin typeface="+mj-lt"/>
-              </a:rPr>
-              <a:t>Sales</a:t>
-            </a:r>
-            <a:r>
-              <a:rPr lang="en-US" sz="2400" b="1" i="0" u="none" strike="noStrike" baseline="0" dirty="0" err="1">
-                <a:solidFill>
-                  <a:srgbClr val="FF0000"/>
-                </a:solidFill>
-                <a:latin typeface="+mj-lt"/>
-              </a:rPr>
-              <a:t>~</a:t>
-            </a:r>
-            <a:r>
-              <a:rPr lang="en-US" sz="2400" dirty="0" err="1">
-                <a:solidFill>
-                  <a:srgbClr val="7030A0"/>
-                </a:solidFill>
-                <a:latin typeface="+mj-lt"/>
-              </a:rPr>
-              <a:t>Spend+Month</a:t>
+                  <a:srgbClr val="000000"/>
+                </a:solidFill>
+                <a:latin typeface="+mj-lt"/>
+              </a:rPr>
+              <a:t> error, residual, multiple/adjusted R-</a:t>
+            </a:r>
+            <a:r>
+              <a:rPr lang="en-US" sz="2400" b="0" i="0" u="none" strike="noStrike" baseline="0" dirty="0" err="1">
+                <a:solidFill>
+                  <a:srgbClr val="000000"/>
+                </a:solidFill>
+                <a:latin typeface="+mj-lt"/>
+              </a:rPr>
+              <a:t>Square..etc</a:t>
             </a:r>
             <a:r>
               <a:rPr lang="en-US" sz="2400" b="0" i="0" u="none" strike="noStrike" baseline="0" dirty="0">
                 <a:solidFill>
-                  <a:srgbClr val="0070C0"/>
-                </a:solidFill>
-                <a:latin typeface="+mj-lt"/>
-              </a:rPr>
-              <a:t>, </a:t>
-            </a:r>
-            <a:r>
-              <a:rPr lang="en-US" sz="2400" dirty="0">
-                <a:solidFill>
-                  <a:schemeClr val="tx1"/>
-                </a:solidFill>
-                <a:latin typeface="+mj-lt"/>
-              </a:rPr>
-              <a:t>data</a:t>
-            </a:r>
-            <a:r>
-              <a:rPr lang="en-US" sz="2400" b="0" i="0" u="none" strike="noStrike" baseline="0" dirty="0">
-                <a:solidFill>
-                  <a:srgbClr val="0070C0"/>
-                </a:solidFill>
-                <a:latin typeface="+mj-lt"/>
-              </a:rPr>
-              <a:t>) </a:t>
-            </a:r>
-            <a:r>
-              <a:rPr lang="en-US" sz="1800" b="0" i="0" u="none" strike="noStrike" baseline="0" dirty="0">
-                <a:solidFill>
-                  <a:schemeClr val="bg2"/>
-                </a:solidFill>
-                <a:latin typeface="+mj-lt"/>
-              </a:rPr>
-              <a:t>#Multiple Linear Regression</a:t>
-            </a:r>
-            <a:endParaRPr lang="en-US" sz="2400" b="0" u="none" strike="noStrike" baseline="0" dirty="0">
+                  <a:srgbClr val="000000"/>
+                </a:solidFill>
+                <a:latin typeface="+mj-lt"/>
+              </a:rPr>
+              <a:t> to analyze regression model</a:t>
+            </a:r>
+          </a:p>
+          <a:p>
+            <a:pPr marL="114300" indent="0">
+              <a:buNone/>
+            </a:pPr>
+            <a:endParaRPr lang="en-US" sz="2400" b="1" dirty="0">
               <a:solidFill>
-                <a:schemeClr val="bg2"/>
+                <a:srgbClr val="000000"/>
               </a:solidFill>
               <a:latin typeface="+mj-lt"/>
             </a:endParaRPr>
@@ -19295,7 +18798,84 @@
             <a:pPr marL="114300" indent="0">
               <a:buNone/>
             </a:pPr>
-            <a:endParaRPr lang="en-US" sz="2400" b="0" u="none" strike="noStrike" baseline="0" dirty="0">
+            <a:r>
+              <a:rPr lang="en-US" sz="2400" b="1" i="0" u="none" strike="noStrike" baseline="0" dirty="0">
+                <a:solidFill>
+                  <a:srgbClr val="000000"/>
+                </a:solidFill>
+                <a:latin typeface="+mj-lt"/>
+              </a:rPr>
+              <a:t>predict()</a:t>
+            </a:r>
+            <a:r>
+              <a:rPr lang="en-US" sz="2400" b="0" i="0" u="none" strike="noStrike" baseline="0" dirty="0">
+                <a:solidFill>
+                  <a:srgbClr val="000000"/>
+                </a:solidFill>
+                <a:latin typeface="+mj-lt"/>
+              </a:rPr>
+              <a:t> function used to make a prediction on new data, and we can </a:t>
+            </a:r>
+            <a:r>
+              <a:rPr lang="en-US" sz="2400" b="0" i="0" u="none" strike="noStrike" baseline="0" dirty="0" err="1">
+                <a:solidFill>
+                  <a:srgbClr val="000000"/>
+                </a:solidFill>
+                <a:latin typeface="+mj-lt"/>
+              </a:rPr>
+              <a:t>dervided</a:t>
+            </a:r>
+            <a:r>
+              <a:rPr lang="en-US" sz="2400" b="0" i="0" u="none" strike="noStrike" baseline="0" dirty="0">
+                <a:solidFill>
+                  <a:srgbClr val="000000"/>
+                </a:solidFill>
+                <a:latin typeface="+mj-lt"/>
+              </a:rPr>
+              <a:t> formula </a:t>
+            </a:r>
+            <a:r>
+              <a:rPr lang="en-US" sz="2400" b="0" i="0" u="none" strike="noStrike" baseline="0" dirty="0" err="1">
+                <a:solidFill>
+                  <a:srgbClr val="000000"/>
+                </a:solidFill>
+                <a:latin typeface="+mj-lt"/>
+              </a:rPr>
+              <a:t>forprediction</a:t>
+            </a:r>
+            <a:r>
+              <a:rPr lang="en-US" sz="2400" b="0" i="0" u="none" strike="noStrike" baseline="0" dirty="0">
+                <a:solidFill>
+                  <a:srgbClr val="000000"/>
+                </a:solidFill>
+                <a:latin typeface="+mj-lt"/>
+              </a:rPr>
+              <a:t> y = b0 + b1</a:t>
+            </a:r>
+            <a:r>
+              <a:rPr lang="en-US" sz="2400" b="0" i="1" u="none" strike="noStrike" baseline="0" dirty="0">
+                <a:solidFill>
+                  <a:srgbClr val="000000"/>
+                </a:solidFill>
+                <a:latin typeface="+mj-lt"/>
+              </a:rPr>
+              <a:t>x1 + b2</a:t>
+            </a:r>
+            <a:r>
+              <a:rPr lang="en-US" sz="2400" b="0" i="0" u="none" strike="noStrike" baseline="0" dirty="0">
+                <a:solidFill>
+                  <a:srgbClr val="000000"/>
+                </a:solidFill>
+                <a:latin typeface="+mj-lt"/>
+              </a:rPr>
+              <a:t>x2 + b3*x3..etc</a:t>
+            </a:r>
+          </a:p>
+          <a:p>
+            <a:pPr marL="114300" indent="0">
+              <a:buNone/>
+            </a:pPr>
+            <a:endParaRPr lang="en-US" sz="2400" b="1" dirty="0">
               <a:solidFill>
                 <a:srgbClr val="000000"/>
               </a:solidFill>
@@ -19309,7 +18889,7 @@
           <p:cNvPr id="4" name="Date Placeholder 3">
             <a:extLst>
               <a:ext uri="{FF2B5EF4-FFF2-40B4-BE49-F238E27FC236}">
-                <a16:creationId xmlns:a16="http://schemas.microsoft.com/office/drawing/2014/main" id="{5405C0DF-5AC5-247D-56C0-C6C376F40D5F}"/>
+                <a16:creationId xmlns:a16="http://schemas.microsoft.com/office/drawing/2014/main" id="{7ACD0887-C061-8E09-A79A-27B7166859DB}"/>
               </a:ext>
             </a:extLst>
           </p:cNvPr>
@@ -19338,7 +18918,7 @@
           <p:cNvPr id="5" name="Footer Placeholder 4">
             <a:extLst>
               <a:ext uri="{FF2B5EF4-FFF2-40B4-BE49-F238E27FC236}">
-                <a16:creationId xmlns:a16="http://schemas.microsoft.com/office/drawing/2014/main" id="{9132D66E-4D61-1CAD-6E96-445F1F26FF3D}"/>
+                <a16:creationId xmlns:a16="http://schemas.microsoft.com/office/drawing/2014/main" id="{AD52405D-3AB2-8452-DFCC-CCFCB161C99B}"/>
               </a:ext>
             </a:extLst>
           </p:cNvPr>
@@ -19366,7 +18946,7 @@
           <p:cNvPr id="6" name="Slide Number Placeholder 5">
             <a:extLst>
               <a:ext uri="{FF2B5EF4-FFF2-40B4-BE49-F238E27FC236}">
-                <a16:creationId xmlns:a16="http://schemas.microsoft.com/office/drawing/2014/main" id="{B4B45D89-FF56-E0D8-BADF-A6C9642E7668}"/>
+                <a16:creationId xmlns:a16="http://schemas.microsoft.com/office/drawing/2014/main" id="{6E636D37-48AF-5E43-C0DB-07B77B2ABC1C}"/>
               </a:ext>
             </a:extLst>
           </p:cNvPr>
@@ -19402,7 +18982,7 @@
     </p:spTree>
     <p:extLst>
       <p:ext uri="{BB962C8B-B14F-4D97-AF65-F5344CB8AC3E}">
-        <p14:creationId xmlns:p14="http://schemas.microsoft.com/office/powerpoint/2010/main" val="788561243"/>
+        <p14:creationId xmlns:p14="http://schemas.microsoft.com/office/powerpoint/2010/main" val="2056495620"/>
       </p:ext>
     </p:extLst>
   </p:cSld>
@@ -19452,7 +19032,7 @@
           <a:p>
             <a:r>
               <a:rPr lang="en-US" dirty="0"/>
-              <a:t>Regression</a:t>
+              <a:t>Correlation</a:t>
             </a:r>
           </a:p>
         </p:txBody>
@@ -19473,12 +19053,7 @@
             <p:ph type="body" idx="1"/>
           </p:nvPr>
         </p:nvSpPr>
-        <p:spPr>
-          <a:xfrm>
-            <a:off x="162791" y="1568381"/>
-            <a:ext cx="8977745" cy="4526100"/>
-          </a:xfrm>
-        </p:spPr>
+        <p:spPr/>
         <p:txBody>
           <a:bodyPr/>
           <a:lstStyle/>
@@ -19487,80 +19062,38 @@
               <a:buNone/>
             </a:pPr>
             <a:r>
-              <a:rPr lang="en-US" sz="2400" b="0" u="none" strike="noStrike" baseline="0" dirty="0">
+              <a:rPr lang="en-US" sz="3200" b="1" dirty="0" err="1">
                 <a:solidFill>
                   <a:srgbClr val="000000"/>
                 </a:solidFill>
                 <a:latin typeface="+mj-lt"/>
               </a:rPr>
-              <a:t>Parameters for </a:t>
-            </a:r>
-            <a:r>
-              <a:rPr lang="en-US" sz="2400" b="0" u="none" strike="noStrike" baseline="0" dirty="0" err="1">
+              <a:t>cor</a:t>
+            </a:r>
+            <a:r>
+              <a:rPr lang="en-US" sz="3200" b="1" dirty="0">
                 <a:solidFill>
                   <a:srgbClr val="000000"/>
                 </a:solidFill>
                 <a:latin typeface="+mj-lt"/>
               </a:rPr>
-              <a:t>lm</a:t>
-            </a:r>
-            <a:r>
-              <a:rPr lang="en-US" sz="2400" b="0" u="none" strike="noStrike" baseline="0" dirty="0">
+              <a:t>() </a:t>
+            </a:r>
+            <a:r>
+              <a:rPr lang="en-US" sz="3200" dirty="0">
                 <a:solidFill>
                   <a:srgbClr val="000000"/>
                 </a:solidFill>
                 <a:latin typeface="+mj-lt"/>
               </a:rPr>
-              <a:t>() function</a:t>
-            </a:r>
-          </a:p>
-          <a:p>
-            <a:r>
-              <a:rPr lang="en-US" sz="2400" dirty="0">
-                <a:solidFill>
-                  <a:srgbClr val="00B050"/>
-                </a:solidFill>
-                <a:latin typeface="+mj-lt"/>
-              </a:rPr>
-              <a:t>Dependent variable</a:t>
-            </a:r>
-          </a:p>
-          <a:p>
-            <a:r>
-              <a:rPr lang="en-US" sz="2400" dirty="0" err="1">
-                <a:solidFill>
-                  <a:srgbClr val="7030A0"/>
-                </a:solidFill>
-                <a:latin typeface="+mj-lt"/>
-              </a:rPr>
-              <a:t>Indepedent</a:t>
-            </a:r>
-            <a:r>
-              <a:rPr lang="en-US" sz="2400" dirty="0">
-                <a:solidFill>
-                  <a:srgbClr val="7030A0"/>
-                </a:solidFill>
-                <a:latin typeface="+mj-lt"/>
-              </a:rPr>
-              <a:t> Variable</a:t>
-            </a:r>
-          </a:p>
-          <a:p>
-            <a:r>
-              <a:rPr lang="en-US" sz="2400" b="0" u="none" strike="noStrike" baseline="0" dirty="0">
-                <a:solidFill>
-                  <a:srgbClr val="000000"/>
-                </a:solidFill>
-                <a:latin typeface="+mj-lt"/>
-              </a:rPr>
-              <a:t>Data Source</a:t>
+              <a:t>function helps us to get the correlation for the variables.</a:t>
             </a:r>
           </a:p>
           <a:p>
             <a:pPr marL="114300" indent="0">
               <a:buNone/>
             </a:pPr>
-            <a:endParaRPr lang="en-US" sz="2400" dirty="0">
+            <a:endParaRPr lang="en-US" dirty="0">
               <a:solidFill>
                 <a:srgbClr val="000000"/>
               </a:solidFill>
@@ -19572,7 +19105,7 @@
               <a:buNone/>
             </a:pPr>
             <a:r>
-              <a:rPr lang="en-US" sz="2400" b="0" i="0" u="none" strike="noStrike" baseline="0" dirty="0">
+              <a:rPr lang="en-US" dirty="0">
                 <a:solidFill>
                   <a:srgbClr val="000000"/>
                 </a:solidFill>
@@ -19580,242 +19113,144 @@
               </a:rPr>
               <a:t>Example:</a:t>
             </a:r>
-          </a:p>
-          <a:p>
-            <a:pPr marL="114300" indent="0">
-              <a:buNone/>
-            </a:pPr>
-            <a:r>
-              <a:rPr lang="en-US" sz="2400" b="0" i="0" u="none" strike="noStrike" baseline="0" dirty="0">
-                <a:solidFill>
-                  <a:srgbClr val="0070C0"/>
-                </a:solidFill>
-                <a:latin typeface="+mj-lt"/>
-              </a:rPr>
-              <a:t>model_1 </a:t>
-            </a:r>
-            <a:r>
-              <a:rPr lang="en-US" sz="2400" b="1" i="0" u="none" strike="noStrike" baseline="0" dirty="0">
-                <a:solidFill>
-                  <a:srgbClr val="0070C0"/>
-                </a:solidFill>
-                <a:latin typeface="+mj-lt"/>
-              </a:rPr>
-              <a:t>&lt;- </a:t>
-            </a:r>
-            <a:r>
-              <a:rPr lang="en-US" sz="2400" b="0" i="0" u="none" strike="noStrike" baseline="0" dirty="0" err="1">
-                <a:solidFill>
-                  <a:srgbClr val="0070C0"/>
-                </a:solidFill>
-                <a:latin typeface="+mj-lt"/>
-              </a:rPr>
-              <a:t>lm</a:t>
-            </a:r>
-            <a:r>
-              <a:rPr lang="en-US" sz="2400" b="0" i="0" u="none" strike="noStrike" baseline="0" dirty="0">
-                <a:solidFill>
-                  <a:srgbClr val="0070C0"/>
-                </a:solidFill>
-                <a:latin typeface="+mj-lt"/>
-              </a:rPr>
-              <a:t>(</a:t>
-            </a:r>
-            <a:r>
-              <a:rPr lang="en-US" sz="2400" b="0" i="0" u="none" strike="noStrike" baseline="0" dirty="0" err="1">
-                <a:solidFill>
-                  <a:srgbClr val="00B050"/>
-                </a:solidFill>
-                <a:latin typeface="+mj-lt"/>
-              </a:rPr>
-              <a:t>Sales</a:t>
-            </a:r>
-            <a:r>
-              <a:rPr lang="en-US" sz="2400" b="1" i="0" u="none" strike="noStrike" baseline="0" dirty="0" err="1">
-                <a:solidFill>
-                  <a:srgbClr val="FF0000"/>
-                </a:solidFill>
-                <a:latin typeface="+mj-lt"/>
-              </a:rPr>
-              <a:t>~</a:t>
-            </a:r>
-            <a:r>
-              <a:rPr lang="en-US" sz="2400" b="0" i="0" u="none" strike="noStrike" baseline="0" dirty="0" err="1">
-                <a:solidFill>
-                  <a:srgbClr val="7030A0"/>
-                </a:solidFill>
-                <a:latin typeface="+mj-lt"/>
-              </a:rPr>
-              <a:t>Spend</a:t>
-            </a:r>
-            <a:r>
-              <a:rPr lang="en-US" sz="2400" b="0" i="0" u="none" strike="noStrike" baseline="0" dirty="0">
-                <a:solidFill>
-                  <a:srgbClr val="0070C0"/>
-                </a:solidFill>
-                <a:latin typeface="+mj-lt"/>
-              </a:rPr>
-              <a:t>, </a:t>
-            </a:r>
-            <a:r>
-              <a:rPr lang="en-US" sz="2400" b="0" i="0" u="none" strike="noStrike" baseline="0" dirty="0">
-                <a:solidFill>
-                  <a:schemeClr val="tx1"/>
-                </a:solidFill>
-                <a:latin typeface="+mj-lt"/>
-              </a:rPr>
-              <a:t>data</a:t>
-            </a:r>
-            <a:r>
-              <a:rPr lang="en-US" sz="2400" b="0" i="0" u="none" strike="noStrike" baseline="0" dirty="0">
-                <a:solidFill>
-                  <a:srgbClr val="0070C0"/>
-                </a:solidFill>
-                <a:latin typeface="+mj-lt"/>
-              </a:rPr>
-              <a:t>)  </a:t>
-            </a:r>
-            <a:r>
-              <a:rPr lang="en-US" sz="1800" dirty="0">
-                <a:solidFill>
-                  <a:schemeClr val="bg2"/>
-                </a:solidFill>
-                <a:latin typeface="+mj-lt"/>
-              </a:rPr>
-              <a:t>#Simple Linear Regression</a:t>
-            </a:r>
-          </a:p>
-          <a:p>
-            <a:pPr marL="114300" indent="0">
-              <a:buNone/>
-            </a:pPr>
-            <a:endParaRPr lang="en-US" sz="2400" b="0" i="0" u="none" strike="noStrike" baseline="0" dirty="0">
-              <a:solidFill>
-                <a:srgbClr val="0070C0"/>
-              </a:solidFill>
-              <a:latin typeface="+mj-lt"/>
-            </a:endParaRPr>
-          </a:p>
-          <a:p>
-            <a:pPr marL="114300" indent="0">
-              <a:buNone/>
-            </a:pPr>
-            <a:r>
-              <a:rPr lang="en-US" sz="2400" b="0" i="0" u="none" strike="noStrike" baseline="0" dirty="0">
-                <a:solidFill>
-                  <a:srgbClr val="0070C0"/>
-                </a:solidFill>
-                <a:latin typeface="+mj-lt"/>
-              </a:rPr>
-              <a:t>model_2 </a:t>
-            </a:r>
-            <a:r>
-              <a:rPr lang="en-US" sz="2400" b="1" i="0" u="none" strike="noStrike" baseline="0" dirty="0">
-                <a:solidFill>
-                  <a:srgbClr val="0070C0"/>
-                </a:solidFill>
-                <a:latin typeface="+mj-lt"/>
-              </a:rPr>
-              <a:t>&lt;- </a:t>
-            </a:r>
-            <a:r>
-              <a:rPr lang="en-US" sz="2400" b="0" i="0" u="none" strike="noStrike" baseline="0" dirty="0" err="1">
-                <a:solidFill>
-                  <a:srgbClr val="0070C0"/>
-                </a:solidFill>
-                <a:latin typeface="+mj-lt"/>
-              </a:rPr>
-              <a:t>lm</a:t>
-            </a:r>
-            <a:r>
-              <a:rPr lang="en-US" sz="2400" b="0" i="0" u="none" strike="noStrike" baseline="0" dirty="0">
-                <a:solidFill>
-                  <a:srgbClr val="0070C0"/>
-                </a:solidFill>
-                <a:latin typeface="+mj-lt"/>
-              </a:rPr>
-              <a:t>(</a:t>
-            </a:r>
-            <a:r>
-              <a:rPr lang="en-US" sz="2400" dirty="0" err="1">
-                <a:solidFill>
-                  <a:srgbClr val="00B050"/>
-                </a:solidFill>
-                <a:latin typeface="+mj-lt"/>
-              </a:rPr>
-              <a:t>Sales</a:t>
-            </a:r>
-            <a:r>
-              <a:rPr lang="en-US" sz="2400" b="1" i="0" u="none" strike="noStrike" baseline="0" dirty="0" err="1">
-                <a:solidFill>
-                  <a:srgbClr val="FF0000"/>
-                </a:solidFill>
-                <a:latin typeface="+mj-lt"/>
-              </a:rPr>
-              <a:t>~</a:t>
-            </a:r>
-            <a:r>
-              <a:rPr lang="en-US" sz="2400" dirty="0" err="1">
-                <a:solidFill>
-                  <a:srgbClr val="7030A0"/>
-                </a:solidFill>
-                <a:latin typeface="+mj-lt"/>
-              </a:rPr>
-              <a:t>Spend+Month</a:t>
-            </a:r>
-            <a:r>
-              <a:rPr lang="en-US" sz="2400" b="0" i="0" u="none" strike="noStrike" baseline="0" dirty="0">
-                <a:solidFill>
-                  <a:srgbClr val="0070C0"/>
-                </a:solidFill>
-                <a:latin typeface="+mj-lt"/>
-              </a:rPr>
-              <a:t>, </a:t>
-            </a:r>
-            <a:r>
-              <a:rPr lang="en-US" sz="2400" dirty="0">
-                <a:solidFill>
-                  <a:schemeClr val="tx1"/>
-                </a:solidFill>
-                <a:latin typeface="+mj-lt"/>
-              </a:rPr>
-              <a:t>data</a:t>
-            </a:r>
-            <a:r>
-              <a:rPr lang="en-US" sz="2400" b="0" i="0" u="none" strike="noStrike" baseline="0" dirty="0">
-                <a:solidFill>
-                  <a:srgbClr val="0070C0"/>
-                </a:solidFill>
-                <a:latin typeface="+mj-lt"/>
-              </a:rPr>
-              <a:t>) </a:t>
-            </a:r>
-            <a:r>
-              <a:rPr lang="en-US" sz="1800" b="0" i="0" u="none" strike="noStrike" baseline="0" dirty="0">
-                <a:solidFill>
-                  <a:schemeClr val="bg2"/>
-                </a:solidFill>
-                <a:latin typeface="+mj-lt"/>
-              </a:rPr>
-              <a:t>#Multiple Linear Regression</a:t>
-            </a:r>
-            <a:endParaRPr lang="en-US" sz="2400" b="0" u="none" strike="noStrike" baseline="0" dirty="0">
-              <a:solidFill>
-                <a:schemeClr val="bg2"/>
-              </a:solidFill>
-              <a:latin typeface="+mj-lt"/>
-            </a:endParaRPr>
-          </a:p>
-          <a:p>
-            <a:pPr marL="114300" indent="0">
-              <a:buNone/>
-            </a:pPr>
-            <a:endParaRPr lang="en-US" sz="2400" b="0" u="none" strike="noStrike" baseline="0" dirty="0">
+            <a:endParaRPr lang="en-US" sz="3200" dirty="0">
               <a:solidFill>
                 <a:srgbClr val="000000"/>
               </a:solidFill>
               <a:latin typeface="+mj-lt"/>
             </a:endParaRPr>
+          </a:p>
+          <a:p>
+            <a:pPr marL="114300" indent="0">
+              <a:buNone/>
+            </a:pPr>
+            <a:r>
+              <a:rPr lang="en-US" sz="2800" b="0" i="0" u="none" strike="noStrike" baseline="0" dirty="0" err="1">
+                <a:solidFill>
+                  <a:srgbClr val="1E64B6"/>
+                </a:solidFill>
+                <a:latin typeface="+mj-lt"/>
+              </a:rPr>
+              <a:t>cor</a:t>
+            </a:r>
+            <a:r>
+              <a:rPr lang="en-US" sz="2800" b="0" i="0" u="none" strike="noStrike" baseline="0" dirty="0">
+                <a:solidFill>
+                  <a:srgbClr val="1E64B6"/>
+                </a:solidFill>
+                <a:latin typeface="+mj-lt"/>
+              </a:rPr>
+              <a:t>(</a:t>
+            </a:r>
+            <a:r>
+              <a:rPr lang="en-US" sz="2800" b="0" i="0" u="none" strike="noStrike" baseline="0" dirty="0" err="1">
+                <a:solidFill>
+                  <a:srgbClr val="1E64B6"/>
+                </a:solidFill>
+                <a:latin typeface="+mj-lt"/>
+              </a:rPr>
+              <a:t>data</a:t>
+            </a:r>
+            <a:r>
+              <a:rPr lang="en-US" sz="2800" b="1" i="0" u="none" strike="noStrike" baseline="0" dirty="0" err="1">
+                <a:solidFill>
+                  <a:srgbClr val="1E64B6"/>
+                </a:solidFill>
+                <a:latin typeface="+mj-lt"/>
+              </a:rPr>
+              <a:t>$</a:t>
+            </a:r>
+            <a:r>
+              <a:rPr lang="en-US" sz="2800" b="0" i="0" u="none" strike="noStrike" baseline="0" dirty="0" err="1">
+                <a:solidFill>
+                  <a:srgbClr val="1E64B6"/>
+                </a:solidFill>
+                <a:latin typeface="+mj-lt"/>
+              </a:rPr>
+              <a:t>Spend,data</a:t>
+            </a:r>
+            <a:r>
+              <a:rPr lang="en-US" sz="2800" b="1" i="0" u="none" strike="noStrike" baseline="0" dirty="0" err="1">
+                <a:solidFill>
+                  <a:srgbClr val="1E64B6"/>
+                </a:solidFill>
+                <a:latin typeface="+mj-lt"/>
+              </a:rPr>
+              <a:t>$</a:t>
+            </a:r>
+            <a:r>
+              <a:rPr lang="en-US" sz="2800" b="0" i="0" u="none" strike="noStrike" baseline="0" dirty="0" err="1">
+                <a:solidFill>
+                  <a:srgbClr val="1E64B6"/>
+                </a:solidFill>
+                <a:latin typeface="+mj-lt"/>
+              </a:rPr>
+              <a:t>Sales</a:t>
+            </a:r>
+            <a:r>
+              <a:rPr lang="en-US" sz="2800" b="0" i="0" u="none" strike="noStrike" baseline="0" dirty="0">
+                <a:solidFill>
+                  <a:srgbClr val="1E64B6"/>
+                </a:solidFill>
+                <a:latin typeface="+mj-lt"/>
+              </a:rPr>
+              <a:t>)</a:t>
+            </a:r>
+          </a:p>
+          <a:p>
+            <a:pPr marL="114300" indent="0">
+              <a:buNone/>
+            </a:pPr>
+            <a:endParaRPr lang="en-US" sz="2800" dirty="0">
+              <a:solidFill>
+                <a:srgbClr val="1E64B6"/>
+              </a:solidFill>
+              <a:latin typeface="+mj-lt"/>
+            </a:endParaRPr>
+          </a:p>
+          <a:p>
+            <a:pPr marL="114300" indent="0">
+              <a:buNone/>
+            </a:pPr>
+            <a:r>
+              <a:rPr lang="en-US" sz="2800" b="0" i="1" u="none" strike="noStrike" baseline="0" dirty="0">
+                <a:solidFill>
+                  <a:srgbClr val="1E64B6"/>
+                </a:solidFill>
+                <a:latin typeface="+mj-lt"/>
+              </a:rPr>
+              <a:t>#Default method is </a:t>
+            </a:r>
+            <a:r>
+              <a:rPr lang="en-US" sz="2800" b="0" i="1" u="none" strike="noStrike" baseline="0" dirty="0" err="1">
+                <a:solidFill>
+                  <a:srgbClr val="1E64B6"/>
+                </a:solidFill>
+                <a:latin typeface="+mj-lt"/>
+              </a:rPr>
+              <a:t>pearson</a:t>
+            </a:r>
+            <a:r>
+              <a:rPr lang="en-US" sz="2800" b="0" i="1" u="none" strike="noStrike" baseline="0" dirty="0">
+                <a:solidFill>
+                  <a:srgbClr val="1E64B6"/>
+                </a:solidFill>
+                <a:latin typeface="+mj-lt"/>
+              </a:rPr>
+              <a:t> correlation</a:t>
+            </a:r>
+            <a:endParaRPr lang="en-US" sz="4400" b="1" dirty="0">
+              <a:solidFill>
+                <a:srgbClr val="1E64B6"/>
+              </a:solidFill>
+              <a:latin typeface="+mj-lt"/>
+            </a:endParaRPr>
+          </a:p>
+          <a:p>
+            <a:pPr marL="114300" indent="0">
+              <a:buNone/>
+            </a:pPr>
+            <a:endParaRPr lang="en-US" dirty="0"/>
           </a:p>
         </p:txBody>
       </p:sp>
@@ -19917,7 +19352,7 @@
     </p:spTree>
     <p:extLst>
       <p:ext uri="{BB962C8B-B14F-4D97-AF65-F5344CB8AC3E}">
-        <p14:creationId xmlns:p14="http://schemas.microsoft.com/office/powerpoint/2010/main" val="3616244146"/>
+        <p14:creationId xmlns:p14="http://schemas.microsoft.com/office/powerpoint/2010/main" val="2180311140"/>
       </p:ext>
     </p:extLst>
   </p:cSld>
@@ -19967,7 +19402,7 @@
           <a:p>
             <a:r>
               <a:rPr lang="en-US" dirty="0"/>
-              <a:t>Regression - Summary</a:t>
+              <a:t>Correlation</a:t>
             </a:r>
           </a:p>
         </p:txBody>
@@ -20002,126 +19437,40 @@
               <a:buNone/>
             </a:pPr>
             <a:r>
-              <a:rPr lang="en-US" sz="2400" b="0" i="0" u="none" strike="noStrike" baseline="0" dirty="0">
+              <a:rPr lang="en-US" sz="3200" b="1" dirty="0" err="1">
                 <a:solidFill>
                   <a:srgbClr val="000000"/>
                 </a:solidFill>
                 <a:latin typeface="+mj-lt"/>
               </a:rPr>
-              <a:t>Example:</a:t>
+              <a:t>cor</a:t>
+            </a:r>
+            <a:r>
+              <a:rPr lang="en-US" sz="3200" b="1" dirty="0">
+                <a:solidFill>
+                  <a:srgbClr val="000000"/>
+                </a:solidFill>
+                <a:latin typeface="+mj-lt"/>
+              </a:rPr>
+              <a:t>() </a:t>
+            </a:r>
+            <a:r>
+              <a:rPr lang="en-US" sz="3200" dirty="0">
+                <a:solidFill>
+                  <a:srgbClr val="000000"/>
+                </a:solidFill>
+                <a:latin typeface="+mj-lt"/>
+              </a:rPr>
+              <a:t>function helps us to get the correlation for the variables.</a:t>
             </a:r>
           </a:p>
           <a:p>
             <a:pPr marL="114300" indent="0">
               <a:buNone/>
             </a:pPr>
-            <a:r>
-              <a:rPr lang="en-US" sz="2400" b="0" i="0" u="none" strike="noStrike" baseline="0" dirty="0">
-                <a:solidFill>
-                  <a:srgbClr val="0070C0"/>
-                </a:solidFill>
-                <a:latin typeface="+mj-lt"/>
-              </a:rPr>
-              <a:t>model_1 </a:t>
-            </a:r>
-            <a:r>
-              <a:rPr lang="en-US" sz="2400" b="1" i="0" u="none" strike="noStrike" baseline="0" dirty="0">
-                <a:solidFill>
-                  <a:srgbClr val="0070C0"/>
-                </a:solidFill>
-                <a:latin typeface="+mj-lt"/>
-              </a:rPr>
-              <a:t>&lt;- </a:t>
-            </a:r>
-            <a:r>
-              <a:rPr lang="en-US" sz="2400" b="0" i="0" u="none" strike="noStrike" baseline="0" dirty="0" err="1">
-                <a:solidFill>
-                  <a:srgbClr val="0070C0"/>
-                </a:solidFill>
-                <a:latin typeface="+mj-lt"/>
-              </a:rPr>
-              <a:t>lm</a:t>
-            </a:r>
-            <a:r>
-              <a:rPr lang="en-US" sz="2400" b="0" i="0" u="none" strike="noStrike" baseline="0" dirty="0">
-                <a:solidFill>
-                  <a:srgbClr val="0070C0"/>
-                </a:solidFill>
-                <a:latin typeface="+mj-lt"/>
-              </a:rPr>
-              <a:t>(</a:t>
-            </a:r>
-            <a:r>
-              <a:rPr lang="en-US" sz="2400" b="0" i="0" u="none" strike="noStrike" baseline="0" dirty="0" err="1">
-                <a:solidFill>
-                  <a:srgbClr val="00B050"/>
-                </a:solidFill>
-                <a:latin typeface="+mj-lt"/>
-              </a:rPr>
-              <a:t>Sales</a:t>
-            </a:r>
-            <a:r>
-              <a:rPr lang="en-US" sz="2400" b="1" i="0" u="none" strike="noStrike" baseline="0" dirty="0" err="1">
-                <a:solidFill>
-                  <a:srgbClr val="FF0000"/>
-                </a:solidFill>
-                <a:latin typeface="+mj-lt"/>
-              </a:rPr>
-              <a:t>~</a:t>
-            </a:r>
-            <a:r>
-              <a:rPr lang="en-US" sz="2400" b="0" i="0" u="none" strike="noStrike" baseline="0" dirty="0" err="1">
-                <a:solidFill>
-                  <a:srgbClr val="7030A0"/>
-                </a:solidFill>
-                <a:latin typeface="+mj-lt"/>
-              </a:rPr>
-              <a:t>Spend</a:t>
-            </a:r>
-            <a:r>
-              <a:rPr lang="en-US" sz="2400" b="0" i="0" u="none" strike="noStrike" baseline="0" dirty="0">
-                <a:solidFill>
-                  <a:srgbClr val="0070C0"/>
-                </a:solidFill>
-                <a:latin typeface="+mj-lt"/>
-              </a:rPr>
-              <a:t>, </a:t>
-            </a:r>
-            <a:r>
-              <a:rPr lang="en-US" sz="2400" b="0" i="0" u="none" strike="noStrike" baseline="0" dirty="0">
-                <a:solidFill>
-                  <a:schemeClr val="tx1"/>
-                </a:solidFill>
-                <a:latin typeface="+mj-lt"/>
-              </a:rPr>
-              <a:t>data</a:t>
-            </a:r>
-            <a:r>
-              <a:rPr lang="en-US" sz="2400" b="0" i="0" u="none" strike="noStrike" baseline="0" dirty="0">
-                <a:solidFill>
-                  <a:srgbClr val="0070C0"/>
-                </a:solidFill>
-                <a:latin typeface="+mj-lt"/>
-              </a:rPr>
-              <a:t>)  </a:t>
-            </a:r>
-            <a:r>
-              <a:rPr lang="en-US" sz="1800" dirty="0">
-                <a:solidFill>
-                  <a:schemeClr val="bg2"/>
-                </a:solidFill>
-                <a:latin typeface="+mj-lt"/>
-              </a:rPr>
-              <a:t>#Simple Linear Regression</a:t>
-            </a:r>
-          </a:p>
-          <a:p>
-            <a:pPr marL="114300" indent="0">
-              <a:buNone/>
-            </a:pPr>
-            <a:endParaRPr lang="en-US" sz="2400" b="0" i="0" u="none" strike="noStrike" baseline="0" dirty="0">
+            <a:endParaRPr lang="en-US" dirty="0">
               <a:solidFill>
-                <a:srgbClr val="0070C0"/>
+                <a:srgbClr val="000000"/>
               </a:solidFill>
               <a:latin typeface="+mj-lt"/>
             </a:endParaRPr>
@@ -20131,14 +19480,218 @@
               <a:buNone/>
             </a:pPr>
             <a:r>
-              <a:rPr lang="en-US" sz="2400" dirty="0">
-                <a:solidFill>
-                  <a:srgbClr val="0070C0"/>
-                </a:solidFill>
-                <a:latin typeface="+mj-lt"/>
-              </a:rPr>
-              <a:t>summary(model_1)</a:t>
-            </a:r>
+              <a:rPr lang="en-US" dirty="0">
+                <a:solidFill>
+                  <a:srgbClr val="000000"/>
+                </a:solidFill>
+                <a:latin typeface="+mj-lt"/>
+              </a:rPr>
+              <a:t>Example:</a:t>
+            </a:r>
+            <a:endParaRPr lang="en-US" sz="3200" dirty="0">
+              <a:solidFill>
+                <a:srgbClr val="000000"/>
+              </a:solidFill>
+              <a:latin typeface="+mj-lt"/>
+            </a:endParaRPr>
+          </a:p>
+          <a:p>
+            <a:pPr marL="114300" indent="0">
+              <a:buNone/>
+            </a:pPr>
+            <a:r>
+              <a:rPr lang="en-US" sz="2800" b="0" i="0" u="none" strike="noStrike" baseline="0" dirty="0" err="1">
+                <a:solidFill>
+                  <a:srgbClr val="1E64B6"/>
+                </a:solidFill>
+                <a:latin typeface="+mj-lt"/>
+              </a:rPr>
+              <a:t>cor</a:t>
+            </a:r>
+            <a:r>
+              <a:rPr lang="en-US" sz="2800" b="0" i="0" u="none" strike="noStrike" baseline="0" dirty="0">
+                <a:solidFill>
+                  <a:srgbClr val="1E64B6"/>
+                </a:solidFill>
+                <a:latin typeface="+mj-lt"/>
+              </a:rPr>
+              <a:t>(</a:t>
+            </a:r>
+            <a:r>
+              <a:rPr lang="en-US" sz="2800" b="0" i="0" u="none" strike="noStrike" baseline="0" dirty="0" err="1">
+                <a:solidFill>
+                  <a:srgbClr val="1E64B6"/>
+                </a:solidFill>
+                <a:latin typeface="+mj-lt"/>
+              </a:rPr>
+              <a:t>data</a:t>
+            </a:r>
+            <a:r>
+              <a:rPr lang="en-US" sz="2800" b="1" i="0" u="none" strike="noStrike" baseline="0" dirty="0" err="1">
+                <a:solidFill>
+                  <a:srgbClr val="1E64B6"/>
+                </a:solidFill>
+                <a:latin typeface="+mj-lt"/>
+              </a:rPr>
+              <a:t>$</a:t>
+            </a:r>
+            <a:r>
+              <a:rPr lang="en-US" sz="2800" b="0" i="0" u="none" strike="noStrike" baseline="0" dirty="0" err="1">
+                <a:solidFill>
+                  <a:srgbClr val="1E64B6"/>
+                </a:solidFill>
+                <a:latin typeface="+mj-lt"/>
+              </a:rPr>
+              <a:t>Spend,data</a:t>
+            </a:r>
+            <a:r>
+              <a:rPr lang="en-US" sz="2800" b="1" i="0" u="none" strike="noStrike" baseline="0" dirty="0" err="1">
+                <a:solidFill>
+                  <a:srgbClr val="1E64B6"/>
+                </a:solidFill>
+                <a:latin typeface="+mj-lt"/>
+              </a:rPr>
+              <a:t>$</a:t>
+            </a:r>
+            <a:r>
+              <a:rPr lang="en-US" sz="2800" b="0" i="0" u="none" strike="noStrike" baseline="0" dirty="0" err="1">
+                <a:solidFill>
+                  <a:srgbClr val="1E64B6"/>
+                </a:solidFill>
+                <a:latin typeface="+mj-lt"/>
+              </a:rPr>
+              <a:t>Sales</a:t>
+            </a:r>
+            <a:r>
+              <a:rPr lang="en-US" sz="2800" b="0" i="0" u="none" strike="noStrike" baseline="0" dirty="0">
+                <a:solidFill>
+                  <a:srgbClr val="1E64B6"/>
+                </a:solidFill>
+                <a:latin typeface="+mj-lt"/>
+              </a:rPr>
+              <a:t>)</a:t>
+            </a:r>
+          </a:p>
+          <a:p>
+            <a:pPr marL="114300" indent="0">
+              <a:buNone/>
+            </a:pPr>
+            <a:endParaRPr lang="en-US" sz="2800" dirty="0">
+              <a:solidFill>
+                <a:srgbClr val="1E64B6"/>
+              </a:solidFill>
+              <a:latin typeface="+mj-lt"/>
+            </a:endParaRPr>
+          </a:p>
+          <a:p>
+            <a:pPr marL="114300" indent="0">
+              <a:buNone/>
+            </a:pPr>
+            <a:r>
+              <a:rPr lang="en-US" sz="2800" dirty="0">
+                <a:solidFill>
+                  <a:schemeClr val="tx1"/>
+                </a:solidFill>
+                <a:latin typeface="+mj-lt"/>
+              </a:rPr>
+              <a:t># Methods: "</a:t>
+            </a:r>
+            <a:r>
+              <a:rPr lang="en-US" sz="2800" dirty="0" err="1">
+                <a:solidFill>
+                  <a:schemeClr val="tx1"/>
+                </a:solidFill>
+                <a:latin typeface="+mj-lt"/>
+              </a:rPr>
+              <a:t>pearson</a:t>
+            </a:r>
+            <a:r>
+              <a:rPr lang="en-US" sz="2800" dirty="0">
+                <a:solidFill>
+                  <a:schemeClr val="tx1"/>
+                </a:solidFill>
+                <a:latin typeface="+mj-lt"/>
+              </a:rPr>
+              <a:t>", "</a:t>
+            </a:r>
+            <a:r>
+              <a:rPr lang="en-US" sz="2800" dirty="0" err="1">
+                <a:solidFill>
+                  <a:schemeClr val="tx1"/>
+                </a:solidFill>
+                <a:latin typeface="+mj-lt"/>
+              </a:rPr>
+              <a:t>kendall</a:t>
+            </a:r>
+            <a:r>
+              <a:rPr lang="en-US" sz="2800" dirty="0">
+                <a:solidFill>
+                  <a:schemeClr val="tx1"/>
+                </a:solidFill>
+                <a:latin typeface="+mj-lt"/>
+              </a:rPr>
+              <a:t>", "spearman"</a:t>
+            </a:r>
+          </a:p>
+          <a:p>
+            <a:pPr marL="114300" indent="0">
+              <a:buNone/>
+            </a:pPr>
+            <a:r>
+              <a:rPr lang="en-US" sz="2800" dirty="0" err="1">
+                <a:solidFill>
+                  <a:srgbClr val="1E64B6"/>
+                </a:solidFill>
+                <a:latin typeface="+mj-lt"/>
+              </a:rPr>
+              <a:t>cor</a:t>
+            </a:r>
+            <a:r>
+              <a:rPr lang="en-US" sz="2800" dirty="0">
+                <a:solidFill>
+                  <a:srgbClr val="1E64B6"/>
+                </a:solidFill>
+                <a:latin typeface="+mj-lt"/>
+              </a:rPr>
+              <a:t>(</a:t>
+            </a:r>
+            <a:r>
+              <a:rPr lang="en-US" sz="2800" dirty="0" err="1">
+                <a:solidFill>
+                  <a:srgbClr val="1E64B6"/>
+                </a:solidFill>
+                <a:latin typeface="+mj-lt"/>
+              </a:rPr>
+              <a:t>data$Spend,data$Sales</a:t>
+            </a:r>
+            <a:r>
+              <a:rPr lang="en-US" sz="2800" dirty="0">
+                <a:solidFill>
+                  <a:srgbClr val="1E64B6"/>
+                </a:solidFill>
+                <a:latin typeface="+mj-lt"/>
+              </a:rPr>
+              <a:t>, </a:t>
+            </a:r>
+            <a:r>
+              <a:rPr lang="en-US" sz="2800" dirty="0">
+                <a:solidFill>
+                  <a:srgbClr val="FF0000"/>
+                </a:solidFill>
+                <a:latin typeface="+mj-lt"/>
+              </a:rPr>
+              <a:t>method = "spearman"</a:t>
+            </a:r>
+            <a:r>
+              <a:rPr lang="en-US" sz="2800" dirty="0">
+                <a:solidFill>
+                  <a:srgbClr val="1E64B6"/>
+                </a:solidFill>
+                <a:latin typeface="+mj-lt"/>
+              </a:rPr>
+              <a:t>)</a:t>
+            </a:r>
+            <a:endParaRPr lang="en-US" dirty="0"/>
           </a:p>
         </p:txBody>
       </p:sp>
@@ -20232,6 +19785,1359 @@
             <a:fld id="{00000000-1234-1234-1234-123412341234}" type="slidenum">
               <a:rPr lang="en-US" smtClean="0"/>
               <a:t>22</a:t>
+            </a:fld>
+            <a:endParaRPr lang="en-US"/>
+          </a:p>
+        </p:txBody>
+      </p:sp>
+    </p:spTree>
+    <p:extLst>
+      <p:ext uri="{BB962C8B-B14F-4D97-AF65-F5344CB8AC3E}">
+        <p14:creationId xmlns:p14="http://schemas.microsoft.com/office/powerpoint/2010/main" val="2871520381"/>
+      </p:ext>
+    </p:extLst>
+  </p:cSld>
+  <p:clrMapOvr>
+    <a:masterClrMapping/>
+  </p:clrMapOvr>
+</p:sld>
+</file>
+
+<file path=ppt/slides/slide23.xml><?xml version="1.0" encoding="utf-8"?>
+<p:sld xmlns:a="http://schemas.openxmlformats.org/drawingml/2006/main" xmlns:r="http://schemas.openxmlformats.org/officeDocument/2006/relationships" xmlns:p="http://schemas.openxmlformats.org/presentationml/2006/main">
+  <p:cSld>
+    <p:spTree>
+      <p:nvGrpSpPr>
+        <p:cNvPr id="1" name=""/>
+        <p:cNvGrpSpPr/>
+        <p:nvPr/>
+      </p:nvGrpSpPr>
+      <p:grpSpPr>
+        <a:xfrm>
+          <a:off x="0" y="0"/>
+          <a:ext cx="0" cy="0"/>
+          <a:chOff x="0" y="0"/>
+          <a:chExt cx="0" cy="0"/>
+        </a:xfrm>
+      </p:grpSpPr>
+      <p:sp>
+        <p:nvSpPr>
+          <p:cNvPr id="2" name="Title 1">
+            <a:extLst>
+              <a:ext uri="{FF2B5EF4-FFF2-40B4-BE49-F238E27FC236}">
+                <a16:creationId xmlns:a16="http://schemas.microsoft.com/office/drawing/2014/main" id="{D09426F3-D353-6EF0-FA35-9C66186D796A}"/>
+              </a:ext>
+            </a:extLst>
+          </p:cNvPr>
+          <p:cNvSpPr>
+            <a:spLocks noGrp="1"/>
+          </p:cNvSpPr>
+          <p:nvPr>
+            <p:ph type="title"/>
+          </p:nvPr>
+        </p:nvSpPr>
+        <p:spPr/>
+        <p:txBody>
+          <a:bodyPr/>
+          <a:lstStyle/>
+          <a:p>
+            <a:r>
+              <a:rPr lang="en-US" dirty="0"/>
+              <a:t>Regression</a:t>
+            </a:r>
+          </a:p>
+        </p:txBody>
+      </p:sp>
+      <p:sp>
+        <p:nvSpPr>
+          <p:cNvPr id="3" name="Text Placeholder 2">
+            <a:extLst>
+              <a:ext uri="{FF2B5EF4-FFF2-40B4-BE49-F238E27FC236}">
+                <a16:creationId xmlns:a16="http://schemas.microsoft.com/office/drawing/2014/main" id="{C66D2071-6CF5-998C-C7DD-AE59EDF83863}"/>
+              </a:ext>
+            </a:extLst>
+          </p:cNvPr>
+          <p:cNvSpPr>
+            <a:spLocks noGrp="1"/>
+          </p:cNvSpPr>
+          <p:nvPr>
+            <p:ph type="body" idx="1"/>
+          </p:nvPr>
+        </p:nvSpPr>
+        <p:spPr>
+          <a:xfrm>
+            <a:off x="162791" y="1568381"/>
+            <a:ext cx="8977745" cy="4526100"/>
+          </a:xfrm>
+        </p:spPr>
+        <p:txBody>
+          <a:bodyPr/>
+          <a:lstStyle/>
+          <a:p>
+            <a:pPr marL="114300" indent="0">
+              <a:buNone/>
+            </a:pPr>
+            <a:r>
+              <a:rPr lang="en-US" sz="2400" b="0" u="none" strike="noStrike" baseline="0" dirty="0">
+                <a:solidFill>
+                  <a:srgbClr val="000000"/>
+                </a:solidFill>
+                <a:latin typeface="+mj-lt"/>
+              </a:rPr>
+              <a:t>Parameters for </a:t>
+            </a:r>
+            <a:r>
+              <a:rPr lang="en-US" sz="2400" b="0" u="none" strike="noStrike" baseline="0" dirty="0" err="1">
+                <a:solidFill>
+                  <a:srgbClr val="000000"/>
+                </a:solidFill>
+                <a:latin typeface="+mj-lt"/>
+              </a:rPr>
+              <a:t>lm</a:t>
+            </a:r>
+            <a:r>
+              <a:rPr lang="en-US" sz="2400" b="0" u="none" strike="noStrike" baseline="0" dirty="0">
+                <a:solidFill>
+                  <a:srgbClr val="000000"/>
+                </a:solidFill>
+                <a:latin typeface="+mj-lt"/>
+              </a:rPr>
+              <a:t>() function</a:t>
+            </a:r>
+          </a:p>
+          <a:p>
+            <a:r>
+              <a:rPr lang="en-US" sz="2400" dirty="0">
+                <a:solidFill>
+                  <a:srgbClr val="00B050"/>
+                </a:solidFill>
+                <a:latin typeface="+mj-lt"/>
+              </a:rPr>
+              <a:t>Dependent variable</a:t>
+            </a:r>
+          </a:p>
+          <a:p>
+            <a:r>
+              <a:rPr lang="en-US" sz="2400" dirty="0" err="1">
+                <a:solidFill>
+                  <a:srgbClr val="7030A0"/>
+                </a:solidFill>
+                <a:latin typeface="+mj-lt"/>
+              </a:rPr>
+              <a:t>Indepedent</a:t>
+            </a:r>
+            <a:r>
+              <a:rPr lang="en-US" sz="2400" dirty="0">
+                <a:solidFill>
+                  <a:srgbClr val="7030A0"/>
+                </a:solidFill>
+                <a:latin typeface="+mj-lt"/>
+              </a:rPr>
+              <a:t> Variable</a:t>
+            </a:r>
+          </a:p>
+          <a:p>
+            <a:r>
+              <a:rPr lang="en-US" sz="2400" b="0" u="none" strike="noStrike" baseline="0" dirty="0">
+                <a:solidFill>
+                  <a:srgbClr val="000000"/>
+                </a:solidFill>
+                <a:latin typeface="+mj-lt"/>
+              </a:rPr>
+              <a:t>Data Source</a:t>
+            </a:r>
+          </a:p>
+          <a:p>
+            <a:pPr marL="114300" indent="0">
+              <a:buNone/>
+            </a:pPr>
+            <a:endParaRPr lang="en-US" sz="2400" dirty="0">
+              <a:solidFill>
+                <a:srgbClr val="000000"/>
+              </a:solidFill>
+              <a:latin typeface="+mj-lt"/>
+            </a:endParaRPr>
+          </a:p>
+          <a:p>
+            <a:pPr marL="114300" indent="0">
+              <a:buNone/>
+            </a:pPr>
+            <a:r>
+              <a:rPr lang="en-US" sz="2400" b="0" i="0" u="none" strike="noStrike" baseline="0" dirty="0">
+                <a:solidFill>
+                  <a:srgbClr val="000000"/>
+                </a:solidFill>
+                <a:latin typeface="+mj-lt"/>
+              </a:rPr>
+              <a:t>Example:</a:t>
+            </a:r>
+          </a:p>
+          <a:p>
+            <a:pPr marL="114300" indent="0">
+              <a:buNone/>
+            </a:pPr>
+            <a:r>
+              <a:rPr lang="en-US" sz="2400" b="0" i="0" u="none" strike="noStrike" baseline="0" dirty="0">
+                <a:solidFill>
+                  <a:srgbClr val="0070C0"/>
+                </a:solidFill>
+                <a:latin typeface="+mj-lt"/>
+              </a:rPr>
+              <a:t>model_1 </a:t>
+            </a:r>
+            <a:r>
+              <a:rPr lang="en-US" sz="2400" b="1" i="0" u="none" strike="noStrike" baseline="0" dirty="0">
+                <a:solidFill>
+                  <a:srgbClr val="0070C0"/>
+                </a:solidFill>
+                <a:latin typeface="+mj-lt"/>
+              </a:rPr>
+              <a:t>&lt;- </a:t>
+            </a:r>
+            <a:r>
+              <a:rPr lang="en-US" sz="2400" b="0" i="0" u="none" strike="noStrike" baseline="0" dirty="0" err="1">
+                <a:solidFill>
+                  <a:srgbClr val="0070C0"/>
+                </a:solidFill>
+                <a:latin typeface="+mj-lt"/>
+              </a:rPr>
+              <a:t>lm</a:t>
+            </a:r>
+            <a:r>
+              <a:rPr lang="en-US" sz="2400" b="0" i="0" u="none" strike="noStrike" baseline="0" dirty="0">
+                <a:solidFill>
+                  <a:srgbClr val="0070C0"/>
+                </a:solidFill>
+                <a:latin typeface="+mj-lt"/>
+              </a:rPr>
+              <a:t>(</a:t>
+            </a:r>
+            <a:r>
+              <a:rPr lang="en-US" sz="2400" b="0" i="0" u="none" strike="noStrike" baseline="0" dirty="0" err="1">
+                <a:solidFill>
+                  <a:srgbClr val="00B050"/>
+                </a:solidFill>
+                <a:latin typeface="+mj-lt"/>
+              </a:rPr>
+              <a:t>Sales</a:t>
+            </a:r>
+            <a:r>
+              <a:rPr lang="en-US" sz="2400" b="1" i="0" u="none" strike="noStrike" baseline="0" dirty="0" err="1">
+                <a:solidFill>
+                  <a:srgbClr val="FF0000"/>
+                </a:solidFill>
+                <a:latin typeface="+mj-lt"/>
+              </a:rPr>
+              <a:t>~</a:t>
+            </a:r>
+            <a:r>
+              <a:rPr lang="en-US" sz="2400" b="0" i="0" u="none" strike="noStrike" baseline="0" dirty="0" err="1">
+                <a:solidFill>
+                  <a:srgbClr val="7030A0"/>
+                </a:solidFill>
+                <a:latin typeface="+mj-lt"/>
+              </a:rPr>
+              <a:t>Spend</a:t>
+            </a:r>
+            <a:r>
+              <a:rPr lang="en-US" sz="2400" b="0" i="0" u="none" strike="noStrike" baseline="0" dirty="0">
+                <a:solidFill>
+                  <a:srgbClr val="0070C0"/>
+                </a:solidFill>
+                <a:latin typeface="+mj-lt"/>
+              </a:rPr>
+              <a:t>, </a:t>
+            </a:r>
+            <a:r>
+              <a:rPr lang="en-US" sz="2400" b="0" i="0" u="none" strike="noStrike" baseline="0" dirty="0">
+                <a:solidFill>
+                  <a:schemeClr val="tx1"/>
+                </a:solidFill>
+                <a:latin typeface="+mj-lt"/>
+              </a:rPr>
+              <a:t>data</a:t>
+            </a:r>
+            <a:r>
+              <a:rPr lang="en-US" sz="2400" b="0" i="0" u="none" strike="noStrike" baseline="0" dirty="0">
+                <a:solidFill>
+                  <a:srgbClr val="0070C0"/>
+                </a:solidFill>
+                <a:latin typeface="+mj-lt"/>
+              </a:rPr>
+              <a:t>)  </a:t>
+            </a:r>
+            <a:r>
+              <a:rPr lang="en-US" sz="1800" dirty="0">
+                <a:solidFill>
+                  <a:schemeClr val="bg2"/>
+                </a:solidFill>
+                <a:latin typeface="+mj-lt"/>
+              </a:rPr>
+              <a:t>#Simple Linear Regression</a:t>
+            </a:r>
+          </a:p>
+          <a:p>
+            <a:pPr marL="114300" indent="0">
+              <a:buNone/>
+            </a:pPr>
+            <a:endParaRPr lang="en-US" sz="2400" b="0" i="0" u="none" strike="noStrike" baseline="0" dirty="0">
+              <a:solidFill>
+                <a:srgbClr val="0070C0"/>
+              </a:solidFill>
+              <a:latin typeface="+mj-lt"/>
+            </a:endParaRPr>
+          </a:p>
+          <a:p>
+            <a:pPr marL="114300" indent="0">
+              <a:buNone/>
+            </a:pPr>
+            <a:r>
+              <a:rPr lang="en-US" sz="2400" b="0" i="0" u="none" strike="noStrike" baseline="0" dirty="0">
+                <a:solidFill>
+                  <a:srgbClr val="0070C0"/>
+                </a:solidFill>
+                <a:latin typeface="+mj-lt"/>
+              </a:rPr>
+              <a:t>model_2 </a:t>
+            </a:r>
+            <a:r>
+              <a:rPr lang="en-US" sz="2400" b="1" i="0" u="none" strike="noStrike" baseline="0" dirty="0">
+                <a:solidFill>
+                  <a:srgbClr val="0070C0"/>
+                </a:solidFill>
+                <a:latin typeface="+mj-lt"/>
+              </a:rPr>
+              <a:t>&lt;- </a:t>
+            </a:r>
+            <a:r>
+              <a:rPr lang="en-US" sz="2400" b="0" i="0" u="none" strike="noStrike" baseline="0" dirty="0" err="1">
+                <a:solidFill>
+                  <a:srgbClr val="0070C0"/>
+                </a:solidFill>
+                <a:latin typeface="+mj-lt"/>
+              </a:rPr>
+              <a:t>lm</a:t>
+            </a:r>
+            <a:r>
+              <a:rPr lang="en-US" sz="2400" b="0" i="0" u="none" strike="noStrike" baseline="0" dirty="0">
+                <a:solidFill>
+                  <a:srgbClr val="0070C0"/>
+                </a:solidFill>
+                <a:latin typeface="+mj-lt"/>
+              </a:rPr>
+              <a:t>(</a:t>
+            </a:r>
+            <a:r>
+              <a:rPr lang="en-US" sz="2400" dirty="0" err="1">
+                <a:solidFill>
+                  <a:srgbClr val="00B050"/>
+                </a:solidFill>
+                <a:latin typeface="+mj-lt"/>
+              </a:rPr>
+              <a:t>Sales</a:t>
+            </a:r>
+            <a:r>
+              <a:rPr lang="en-US" sz="2400" b="1" i="0" u="none" strike="noStrike" baseline="0" dirty="0" err="1">
+                <a:solidFill>
+                  <a:srgbClr val="FF0000"/>
+                </a:solidFill>
+                <a:latin typeface="+mj-lt"/>
+              </a:rPr>
+              <a:t>~</a:t>
+            </a:r>
+            <a:r>
+              <a:rPr lang="en-US" sz="2400" dirty="0" err="1">
+                <a:solidFill>
+                  <a:srgbClr val="7030A0"/>
+                </a:solidFill>
+                <a:latin typeface="+mj-lt"/>
+              </a:rPr>
+              <a:t>Spend+Month</a:t>
+            </a:r>
+            <a:r>
+              <a:rPr lang="en-US" sz="2400" b="0" i="0" u="none" strike="noStrike" baseline="0" dirty="0">
+                <a:solidFill>
+                  <a:srgbClr val="0070C0"/>
+                </a:solidFill>
+                <a:latin typeface="+mj-lt"/>
+              </a:rPr>
+              <a:t>, </a:t>
+            </a:r>
+            <a:r>
+              <a:rPr lang="en-US" sz="2400" dirty="0">
+                <a:solidFill>
+                  <a:schemeClr val="tx1"/>
+                </a:solidFill>
+                <a:latin typeface="+mj-lt"/>
+              </a:rPr>
+              <a:t>data</a:t>
+            </a:r>
+            <a:r>
+              <a:rPr lang="en-US" sz="2400" b="0" i="0" u="none" strike="noStrike" baseline="0" dirty="0">
+                <a:solidFill>
+                  <a:srgbClr val="0070C0"/>
+                </a:solidFill>
+                <a:latin typeface="+mj-lt"/>
+              </a:rPr>
+              <a:t>) </a:t>
+            </a:r>
+            <a:r>
+              <a:rPr lang="en-US" sz="1800" b="0" i="0" u="none" strike="noStrike" baseline="0" dirty="0">
+                <a:solidFill>
+                  <a:schemeClr val="bg2"/>
+                </a:solidFill>
+                <a:latin typeface="+mj-lt"/>
+              </a:rPr>
+              <a:t>#Multiple Linear Regression</a:t>
+            </a:r>
+            <a:endParaRPr lang="en-US" sz="2400" b="0" u="none" strike="noStrike" baseline="0" dirty="0">
+              <a:solidFill>
+                <a:schemeClr val="bg2"/>
+              </a:solidFill>
+              <a:latin typeface="+mj-lt"/>
+            </a:endParaRPr>
+          </a:p>
+          <a:p>
+            <a:pPr marL="114300" indent="0">
+              <a:buNone/>
+            </a:pPr>
+            <a:endParaRPr lang="en-US" sz="2400" b="0" u="none" strike="noStrike" baseline="0" dirty="0">
+              <a:solidFill>
+                <a:srgbClr val="000000"/>
+              </a:solidFill>
+              <a:latin typeface="+mj-lt"/>
+            </a:endParaRPr>
+          </a:p>
+        </p:txBody>
+      </p:sp>
+      <p:sp>
+        <p:nvSpPr>
+          <p:cNvPr id="4" name="Date Placeholder 3">
+            <a:extLst>
+              <a:ext uri="{FF2B5EF4-FFF2-40B4-BE49-F238E27FC236}">
+                <a16:creationId xmlns:a16="http://schemas.microsoft.com/office/drawing/2014/main" id="{5405C0DF-5AC5-247D-56C0-C6C376F40D5F}"/>
+              </a:ext>
+            </a:extLst>
+          </p:cNvPr>
+          <p:cNvSpPr>
+            <a:spLocks noGrp="1"/>
+          </p:cNvSpPr>
+          <p:nvPr>
+            <p:ph type="dt" idx="10"/>
+          </p:nvPr>
+        </p:nvSpPr>
+        <p:spPr/>
+        <p:txBody>
+          <a:bodyPr/>
+          <a:lstStyle/>
+          <a:p>
+            <a:fld id="{0C62BD34-D5E2-4C87-AA2A-F8D5808875C3}" type="datetime1">
+              <a:rPr lang="en-US" smtClean="0"/>
+              <a:t>9/6/2023</a:t>
+            </a:fld>
+            <a:endParaRPr lang="en-US"/>
+          </a:p>
+        </p:txBody>
+      </p:sp>
+      <p:sp>
+        <p:nvSpPr>
+          <p:cNvPr id="5" name="Footer Placeholder 4">
+            <a:extLst>
+              <a:ext uri="{FF2B5EF4-FFF2-40B4-BE49-F238E27FC236}">
+                <a16:creationId xmlns:a16="http://schemas.microsoft.com/office/drawing/2014/main" id="{9132D66E-4D61-1CAD-6E96-445F1F26FF3D}"/>
+              </a:ext>
+            </a:extLst>
+          </p:cNvPr>
+          <p:cNvSpPr>
+            <a:spLocks noGrp="1"/>
+          </p:cNvSpPr>
+          <p:nvPr>
+            <p:ph type="ftr" idx="11"/>
+          </p:nvPr>
+        </p:nvSpPr>
+        <p:spPr/>
+        <p:txBody>
+          <a:bodyPr/>
+          <a:lstStyle/>
+          <a:p>
+            <a:r>
+              <a:rPr lang="en-US"/>
+              <a:t>Ankit Velani, MBA-SIT,Tumkur</a:t>
+            </a:r>
+          </a:p>
+        </p:txBody>
+      </p:sp>
+      <p:sp>
+        <p:nvSpPr>
+          <p:cNvPr id="6" name="Slide Number Placeholder 5">
+            <a:extLst>
+              <a:ext uri="{FF2B5EF4-FFF2-40B4-BE49-F238E27FC236}">
+                <a16:creationId xmlns:a16="http://schemas.microsoft.com/office/drawing/2014/main" id="{B4B45D89-FF56-E0D8-BADF-A6C9642E7668}"/>
+              </a:ext>
+            </a:extLst>
+          </p:cNvPr>
+          <p:cNvSpPr>
+            <a:spLocks noGrp="1"/>
+          </p:cNvSpPr>
+          <p:nvPr>
+            <p:ph type="sldNum" idx="12"/>
+          </p:nvPr>
+        </p:nvSpPr>
+        <p:spPr/>
+        <p:txBody>
+          <a:bodyPr/>
+          <a:lstStyle/>
+          <a:p>
+            <a:pPr marL="0" lvl="0" indent="0" algn="r" rtl="0">
+              <a:spcBef>
+                <a:spcPts val="0"/>
+              </a:spcBef>
+              <a:spcAft>
+                <a:spcPts val="0"/>
+              </a:spcAft>
+              <a:buNone/>
+            </a:pPr>
+            <a:fld id="{00000000-1234-1234-1234-123412341234}" type="slidenum">
+              <a:rPr lang="en-US" smtClean="0"/>
+              <a:t>23</a:t>
+            </a:fld>
+            <a:endParaRPr lang="en-US"/>
+          </a:p>
+        </p:txBody>
+      </p:sp>
+    </p:spTree>
+    <p:extLst>
+      <p:ext uri="{BB962C8B-B14F-4D97-AF65-F5344CB8AC3E}">
+        <p14:creationId xmlns:p14="http://schemas.microsoft.com/office/powerpoint/2010/main" val="788561243"/>
+      </p:ext>
+    </p:extLst>
+  </p:cSld>
+  <p:clrMapOvr>
+    <a:masterClrMapping/>
+  </p:clrMapOvr>
+</p:sld>
+</file>
+
+<file path=ppt/slides/slide24.xml><?xml version="1.0" encoding="utf-8"?>
+<p:sld xmlns:a="http://schemas.openxmlformats.org/drawingml/2006/main" xmlns:r="http://schemas.openxmlformats.org/officeDocument/2006/relationships" xmlns:p="http://schemas.openxmlformats.org/presentationml/2006/main">
+  <p:cSld>
+    <p:spTree>
+      <p:nvGrpSpPr>
+        <p:cNvPr id="1" name=""/>
+        <p:cNvGrpSpPr/>
+        <p:nvPr/>
+      </p:nvGrpSpPr>
+      <p:grpSpPr>
+        <a:xfrm>
+          <a:off x="0" y="0"/>
+          <a:ext cx="0" cy="0"/>
+          <a:chOff x="0" y="0"/>
+          <a:chExt cx="0" cy="0"/>
+        </a:xfrm>
+      </p:grpSpPr>
+      <p:sp>
+        <p:nvSpPr>
+          <p:cNvPr id="2" name="Title 1">
+            <a:extLst>
+              <a:ext uri="{FF2B5EF4-FFF2-40B4-BE49-F238E27FC236}">
+                <a16:creationId xmlns:a16="http://schemas.microsoft.com/office/drawing/2014/main" id="{D09426F3-D353-6EF0-FA35-9C66186D796A}"/>
+              </a:ext>
+            </a:extLst>
+          </p:cNvPr>
+          <p:cNvSpPr>
+            <a:spLocks noGrp="1"/>
+          </p:cNvSpPr>
+          <p:nvPr>
+            <p:ph type="title"/>
+          </p:nvPr>
+        </p:nvSpPr>
+        <p:spPr/>
+        <p:txBody>
+          <a:bodyPr/>
+          <a:lstStyle/>
+          <a:p>
+            <a:r>
+              <a:rPr lang="en-US" dirty="0"/>
+              <a:t>Regression</a:t>
+            </a:r>
+          </a:p>
+        </p:txBody>
+      </p:sp>
+      <p:sp>
+        <p:nvSpPr>
+          <p:cNvPr id="3" name="Text Placeholder 2">
+            <a:extLst>
+              <a:ext uri="{FF2B5EF4-FFF2-40B4-BE49-F238E27FC236}">
+                <a16:creationId xmlns:a16="http://schemas.microsoft.com/office/drawing/2014/main" id="{C66D2071-6CF5-998C-C7DD-AE59EDF83863}"/>
+              </a:ext>
+            </a:extLst>
+          </p:cNvPr>
+          <p:cNvSpPr>
+            <a:spLocks noGrp="1"/>
+          </p:cNvSpPr>
+          <p:nvPr>
+            <p:ph type="body" idx="1"/>
+          </p:nvPr>
+        </p:nvSpPr>
+        <p:spPr>
+          <a:xfrm>
+            <a:off x="162791" y="1568381"/>
+            <a:ext cx="8977745" cy="4526100"/>
+          </a:xfrm>
+        </p:spPr>
+        <p:txBody>
+          <a:bodyPr/>
+          <a:lstStyle/>
+          <a:p>
+            <a:pPr marL="114300" indent="0">
+              <a:buNone/>
+            </a:pPr>
+            <a:r>
+              <a:rPr lang="en-US" sz="2400" b="0" u="none" strike="noStrike" baseline="0" dirty="0">
+                <a:solidFill>
+                  <a:srgbClr val="000000"/>
+                </a:solidFill>
+                <a:latin typeface="+mj-lt"/>
+              </a:rPr>
+              <a:t>Parameters for </a:t>
+            </a:r>
+            <a:r>
+              <a:rPr lang="en-US" sz="2400" b="0" u="none" strike="noStrike" baseline="0" dirty="0" err="1">
+                <a:solidFill>
+                  <a:srgbClr val="000000"/>
+                </a:solidFill>
+                <a:latin typeface="+mj-lt"/>
+              </a:rPr>
+              <a:t>lm</a:t>
+            </a:r>
+            <a:r>
+              <a:rPr lang="en-US" sz="2400" b="0" u="none" strike="noStrike" baseline="0" dirty="0">
+                <a:solidFill>
+                  <a:srgbClr val="000000"/>
+                </a:solidFill>
+                <a:latin typeface="+mj-lt"/>
+              </a:rPr>
+              <a:t>() function</a:t>
+            </a:r>
+          </a:p>
+          <a:p>
+            <a:r>
+              <a:rPr lang="en-US" sz="2400" dirty="0">
+                <a:solidFill>
+                  <a:srgbClr val="00B050"/>
+                </a:solidFill>
+                <a:latin typeface="+mj-lt"/>
+              </a:rPr>
+              <a:t>Dependent variable</a:t>
+            </a:r>
+          </a:p>
+          <a:p>
+            <a:r>
+              <a:rPr lang="en-US" sz="2400" dirty="0" err="1">
+                <a:solidFill>
+                  <a:srgbClr val="7030A0"/>
+                </a:solidFill>
+                <a:latin typeface="+mj-lt"/>
+              </a:rPr>
+              <a:t>Indepedent</a:t>
+            </a:r>
+            <a:r>
+              <a:rPr lang="en-US" sz="2400" dirty="0">
+                <a:solidFill>
+                  <a:srgbClr val="7030A0"/>
+                </a:solidFill>
+                <a:latin typeface="+mj-lt"/>
+              </a:rPr>
+              <a:t> Variable</a:t>
+            </a:r>
+          </a:p>
+          <a:p>
+            <a:r>
+              <a:rPr lang="en-US" sz="2400" b="0" u="none" strike="noStrike" baseline="0" dirty="0">
+                <a:solidFill>
+                  <a:srgbClr val="000000"/>
+                </a:solidFill>
+                <a:latin typeface="+mj-lt"/>
+              </a:rPr>
+              <a:t>Data Source</a:t>
+            </a:r>
+          </a:p>
+          <a:p>
+            <a:pPr marL="114300" indent="0">
+              <a:buNone/>
+            </a:pPr>
+            <a:endParaRPr lang="en-US" sz="2400" dirty="0">
+              <a:solidFill>
+                <a:srgbClr val="000000"/>
+              </a:solidFill>
+              <a:latin typeface="+mj-lt"/>
+            </a:endParaRPr>
+          </a:p>
+          <a:p>
+            <a:pPr marL="114300" indent="0">
+              <a:buNone/>
+            </a:pPr>
+            <a:r>
+              <a:rPr lang="en-US" sz="2400" b="0" i="0" u="none" strike="noStrike" baseline="0" dirty="0">
+                <a:solidFill>
+                  <a:srgbClr val="000000"/>
+                </a:solidFill>
+                <a:latin typeface="+mj-lt"/>
+              </a:rPr>
+              <a:t>Example:</a:t>
+            </a:r>
+          </a:p>
+          <a:p>
+            <a:pPr marL="114300" indent="0">
+              <a:buNone/>
+            </a:pPr>
+            <a:r>
+              <a:rPr lang="en-US" sz="2400" b="0" i="0" u="none" strike="noStrike" baseline="0" dirty="0">
+                <a:solidFill>
+                  <a:srgbClr val="0070C0"/>
+                </a:solidFill>
+                <a:latin typeface="+mj-lt"/>
+              </a:rPr>
+              <a:t>model_1 </a:t>
+            </a:r>
+            <a:r>
+              <a:rPr lang="en-US" sz="2400" b="1" i="0" u="none" strike="noStrike" baseline="0" dirty="0">
+                <a:solidFill>
+                  <a:srgbClr val="0070C0"/>
+                </a:solidFill>
+                <a:latin typeface="+mj-lt"/>
+              </a:rPr>
+              <a:t>&lt;- </a:t>
+            </a:r>
+            <a:r>
+              <a:rPr lang="en-US" sz="2400" b="0" i="0" u="none" strike="noStrike" baseline="0" dirty="0" err="1">
+                <a:solidFill>
+                  <a:srgbClr val="0070C0"/>
+                </a:solidFill>
+                <a:latin typeface="+mj-lt"/>
+              </a:rPr>
+              <a:t>lm</a:t>
+            </a:r>
+            <a:r>
+              <a:rPr lang="en-US" sz="2400" b="0" i="0" u="none" strike="noStrike" baseline="0" dirty="0">
+                <a:solidFill>
+                  <a:srgbClr val="0070C0"/>
+                </a:solidFill>
+                <a:latin typeface="+mj-lt"/>
+              </a:rPr>
+              <a:t>(</a:t>
+            </a:r>
+            <a:r>
+              <a:rPr lang="en-US" sz="2400" b="0" i="0" u="none" strike="noStrike" baseline="0" dirty="0" err="1">
+                <a:solidFill>
+                  <a:srgbClr val="00B050"/>
+                </a:solidFill>
+                <a:latin typeface="+mj-lt"/>
+              </a:rPr>
+              <a:t>Sales</a:t>
+            </a:r>
+            <a:r>
+              <a:rPr lang="en-US" sz="2400" b="1" i="0" u="none" strike="noStrike" baseline="0" dirty="0" err="1">
+                <a:solidFill>
+                  <a:srgbClr val="FF0000"/>
+                </a:solidFill>
+                <a:latin typeface="+mj-lt"/>
+              </a:rPr>
+              <a:t>~</a:t>
+            </a:r>
+            <a:r>
+              <a:rPr lang="en-US" sz="2400" b="0" i="0" u="none" strike="noStrike" baseline="0" dirty="0" err="1">
+                <a:solidFill>
+                  <a:srgbClr val="7030A0"/>
+                </a:solidFill>
+                <a:latin typeface="+mj-lt"/>
+              </a:rPr>
+              <a:t>Spend</a:t>
+            </a:r>
+            <a:r>
+              <a:rPr lang="en-US" sz="2400" b="0" i="0" u="none" strike="noStrike" baseline="0" dirty="0">
+                <a:solidFill>
+                  <a:srgbClr val="0070C0"/>
+                </a:solidFill>
+                <a:latin typeface="+mj-lt"/>
+              </a:rPr>
+              <a:t>, </a:t>
+            </a:r>
+            <a:r>
+              <a:rPr lang="en-US" sz="2400" b="0" i="0" u="none" strike="noStrike" baseline="0" dirty="0">
+                <a:solidFill>
+                  <a:schemeClr val="tx1"/>
+                </a:solidFill>
+                <a:latin typeface="+mj-lt"/>
+              </a:rPr>
+              <a:t>data</a:t>
+            </a:r>
+            <a:r>
+              <a:rPr lang="en-US" sz="2400" b="0" i="0" u="none" strike="noStrike" baseline="0" dirty="0">
+                <a:solidFill>
+                  <a:srgbClr val="0070C0"/>
+                </a:solidFill>
+                <a:latin typeface="+mj-lt"/>
+              </a:rPr>
+              <a:t>)  </a:t>
+            </a:r>
+            <a:r>
+              <a:rPr lang="en-US" sz="1800" dirty="0">
+                <a:solidFill>
+                  <a:schemeClr val="bg2"/>
+                </a:solidFill>
+                <a:latin typeface="+mj-lt"/>
+              </a:rPr>
+              <a:t>#Simple Linear Regression</a:t>
+            </a:r>
+          </a:p>
+          <a:p>
+            <a:pPr marL="114300" indent="0">
+              <a:buNone/>
+            </a:pPr>
+            <a:endParaRPr lang="en-US" sz="2400" b="0" i="0" u="none" strike="noStrike" baseline="0" dirty="0">
+              <a:solidFill>
+                <a:srgbClr val="0070C0"/>
+              </a:solidFill>
+              <a:latin typeface="+mj-lt"/>
+            </a:endParaRPr>
+          </a:p>
+          <a:p>
+            <a:pPr marL="114300" indent="0">
+              <a:buNone/>
+            </a:pPr>
+            <a:r>
+              <a:rPr lang="en-US" sz="2400" b="0" i="0" u="none" strike="noStrike" baseline="0" dirty="0">
+                <a:solidFill>
+                  <a:srgbClr val="0070C0"/>
+                </a:solidFill>
+                <a:latin typeface="+mj-lt"/>
+              </a:rPr>
+              <a:t>model_2 </a:t>
+            </a:r>
+            <a:r>
+              <a:rPr lang="en-US" sz="2400" b="1" i="0" u="none" strike="noStrike" baseline="0" dirty="0">
+                <a:solidFill>
+                  <a:srgbClr val="0070C0"/>
+                </a:solidFill>
+                <a:latin typeface="+mj-lt"/>
+              </a:rPr>
+              <a:t>&lt;- </a:t>
+            </a:r>
+            <a:r>
+              <a:rPr lang="en-US" sz="2400" b="0" i="0" u="none" strike="noStrike" baseline="0" dirty="0" err="1">
+                <a:solidFill>
+                  <a:srgbClr val="0070C0"/>
+                </a:solidFill>
+                <a:latin typeface="+mj-lt"/>
+              </a:rPr>
+              <a:t>lm</a:t>
+            </a:r>
+            <a:r>
+              <a:rPr lang="en-US" sz="2400" b="0" i="0" u="none" strike="noStrike" baseline="0" dirty="0">
+                <a:solidFill>
+                  <a:srgbClr val="0070C0"/>
+                </a:solidFill>
+                <a:latin typeface="+mj-lt"/>
+              </a:rPr>
+              <a:t>(</a:t>
+            </a:r>
+            <a:r>
+              <a:rPr lang="en-US" sz="2400" dirty="0" err="1">
+                <a:solidFill>
+                  <a:srgbClr val="00B050"/>
+                </a:solidFill>
+                <a:latin typeface="+mj-lt"/>
+              </a:rPr>
+              <a:t>Sales</a:t>
+            </a:r>
+            <a:r>
+              <a:rPr lang="en-US" sz="2400" b="1" i="0" u="none" strike="noStrike" baseline="0" dirty="0" err="1">
+                <a:solidFill>
+                  <a:srgbClr val="FF0000"/>
+                </a:solidFill>
+                <a:latin typeface="+mj-lt"/>
+              </a:rPr>
+              <a:t>~</a:t>
+            </a:r>
+            <a:r>
+              <a:rPr lang="en-US" sz="2400" dirty="0" err="1">
+                <a:solidFill>
+                  <a:srgbClr val="7030A0"/>
+                </a:solidFill>
+                <a:latin typeface="+mj-lt"/>
+              </a:rPr>
+              <a:t>Spend+Month</a:t>
+            </a:r>
+            <a:r>
+              <a:rPr lang="en-US" sz="2400" b="0" i="0" u="none" strike="noStrike" baseline="0" dirty="0">
+                <a:solidFill>
+                  <a:srgbClr val="0070C0"/>
+                </a:solidFill>
+                <a:latin typeface="+mj-lt"/>
+              </a:rPr>
+              <a:t>, </a:t>
+            </a:r>
+            <a:r>
+              <a:rPr lang="en-US" sz="2400" dirty="0">
+                <a:solidFill>
+                  <a:schemeClr val="tx1"/>
+                </a:solidFill>
+                <a:latin typeface="+mj-lt"/>
+              </a:rPr>
+              <a:t>data</a:t>
+            </a:r>
+            <a:r>
+              <a:rPr lang="en-US" sz="2400" b="0" i="0" u="none" strike="noStrike" baseline="0" dirty="0">
+                <a:solidFill>
+                  <a:srgbClr val="0070C0"/>
+                </a:solidFill>
+                <a:latin typeface="+mj-lt"/>
+              </a:rPr>
+              <a:t>) </a:t>
+            </a:r>
+            <a:r>
+              <a:rPr lang="en-US" sz="1800" b="0" i="0" u="none" strike="noStrike" baseline="0" dirty="0">
+                <a:solidFill>
+                  <a:schemeClr val="bg2"/>
+                </a:solidFill>
+                <a:latin typeface="+mj-lt"/>
+              </a:rPr>
+              <a:t>#Multiple Linear Regression</a:t>
+            </a:r>
+            <a:endParaRPr lang="en-US" sz="2400" b="0" u="none" strike="noStrike" baseline="0" dirty="0">
+              <a:solidFill>
+                <a:schemeClr val="bg2"/>
+              </a:solidFill>
+              <a:latin typeface="+mj-lt"/>
+            </a:endParaRPr>
+          </a:p>
+          <a:p>
+            <a:pPr marL="114300" indent="0">
+              <a:buNone/>
+            </a:pPr>
+            <a:endParaRPr lang="en-US" sz="2400" b="0" u="none" strike="noStrike" baseline="0" dirty="0">
+              <a:solidFill>
+                <a:srgbClr val="000000"/>
+              </a:solidFill>
+              <a:latin typeface="+mj-lt"/>
+            </a:endParaRPr>
+          </a:p>
+        </p:txBody>
+      </p:sp>
+      <p:sp>
+        <p:nvSpPr>
+          <p:cNvPr id="4" name="Date Placeholder 3">
+            <a:extLst>
+              <a:ext uri="{FF2B5EF4-FFF2-40B4-BE49-F238E27FC236}">
+                <a16:creationId xmlns:a16="http://schemas.microsoft.com/office/drawing/2014/main" id="{5405C0DF-5AC5-247D-56C0-C6C376F40D5F}"/>
+              </a:ext>
+            </a:extLst>
+          </p:cNvPr>
+          <p:cNvSpPr>
+            <a:spLocks noGrp="1"/>
+          </p:cNvSpPr>
+          <p:nvPr>
+            <p:ph type="dt" idx="10"/>
+          </p:nvPr>
+        </p:nvSpPr>
+        <p:spPr/>
+        <p:txBody>
+          <a:bodyPr/>
+          <a:lstStyle/>
+          <a:p>
+            <a:fld id="{0C62BD34-D5E2-4C87-AA2A-F8D5808875C3}" type="datetime1">
+              <a:rPr lang="en-US" smtClean="0"/>
+              <a:t>9/6/2023</a:t>
+            </a:fld>
+            <a:endParaRPr lang="en-US"/>
+          </a:p>
+        </p:txBody>
+      </p:sp>
+      <p:sp>
+        <p:nvSpPr>
+          <p:cNvPr id="5" name="Footer Placeholder 4">
+            <a:extLst>
+              <a:ext uri="{FF2B5EF4-FFF2-40B4-BE49-F238E27FC236}">
+                <a16:creationId xmlns:a16="http://schemas.microsoft.com/office/drawing/2014/main" id="{9132D66E-4D61-1CAD-6E96-445F1F26FF3D}"/>
+              </a:ext>
+            </a:extLst>
+          </p:cNvPr>
+          <p:cNvSpPr>
+            <a:spLocks noGrp="1"/>
+          </p:cNvSpPr>
+          <p:nvPr>
+            <p:ph type="ftr" idx="11"/>
+          </p:nvPr>
+        </p:nvSpPr>
+        <p:spPr/>
+        <p:txBody>
+          <a:bodyPr/>
+          <a:lstStyle/>
+          <a:p>
+            <a:r>
+              <a:rPr lang="en-US"/>
+              <a:t>Ankit Velani, MBA-SIT,Tumkur</a:t>
+            </a:r>
+          </a:p>
+        </p:txBody>
+      </p:sp>
+      <p:sp>
+        <p:nvSpPr>
+          <p:cNvPr id="6" name="Slide Number Placeholder 5">
+            <a:extLst>
+              <a:ext uri="{FF2B5EF4-FFF2-40B4-BE49-F238E27FC236}">
+                <a16:creationId xmlns:a16="http://schemas.microsoft.com/office/drawing/2014/main" id="{B4B45D89-FF56-E0D8-BADF-A6C9642E7668}"/>
+              </a:ext>
+            </a:extLst>
+          </p:cNvPr>
+          <p:cNvSpPr>
+            <a:spLocks noGrp="1"/>
+          </p:cNvSpPr>
+          <p:nvPr>
+            <p:ph type="sldNum" idx="12"/>
+          </p:nvPr>
+        </p:nvSpPr>
+        <p:spPr/>
+        <p:txBody>
+          <a:bodyPr/>
+          <a:lstStyle/>
+          <a:p>
+            <a:pPr marL="0" lvl="0" indent="0" algn="r" rtl="0">
+              <a:spcBef>
+                <a:spcPts val="0"/>
+              </a:spcBef>
+              <a:spcAft>
+                <a:spcPts val="0"/>
+              </a:spcAft>
+              <a:buNone/>
+            </a:pPr>
+            <a:fld id="{00000000-1234-1234-1234-123412341234}" type="slidenum">
+              <a:rPr lang="en-US" smtClean="0"/>
+              <a:t>24</a:t>
+            </a:fld>
+            <a:endParaRPr lang="en-US"/>
+          </a:p>
+        </p:txBody>
+      </p:sp>
+    </p:spTree>
+    <p:extLst>
+      <p:ext uri="{BB962C8B-B14F-4D97-AF65-F5344CB8AC3E}">
+        <p14:creationId xmlns:p14="http://schemas.microsoft.com/office/powerpoint/2010/main" val="3616244146"/>
+      </p:ext>
+    </p:extLst>
+  </p:cSld>
+  <p:clrMapOvr>
+    <a:masterClrMapping/>
+  </p:clrMapOvr>
+</p:sld>
+</file>
+
+<file path=ppt/slides/slide25.xml><?xml version="1.0" encoding="utf-8"?>
+<p:sld xmlns:a="http://schemas.openxmlformats.org/drawingml/2006/main" xmlns:r="http://schemas.openxmlformats.org/officeDocument/2006/relationships" xmlns:p="http://schemas.openxmlformats.org/presentationml/2006/main">
+  <p:cSld>
+    <p:spTree>
+      <p:nvGrpSpPr>
+        <p:cNvPr id="1" name=""/>
+        <p:cNvGrpSpPr/>
+        <p:nvPr/>
+      </p:nvGrpSpPr>
+      <p:grpSpPr>
+        <a:xfrm>
+          <a:off x="0" y="0"/>
+          <a:ext cx="0" cy="0"/>
+          <a:chOff x="0" y="0"/>
+          <a:chExt cx="0" cy="0"/>
+        </a:xfrm>
+      </p:grpSpPr>
+      <p:sp>
+        <p:nvSpPr>
+          <p:cNvPr id="2" name="Title 1">
+            <a:extLst>
+              <a:ext uri="{FF2B5EF4-FFF2-40B4-BE49-F238E27FC236}">
+                <a16:creationId xmlns:a16="http://schemas.microsoft.com/office/drawing/2014/main" id="{D09426F3-D353-6EF0-FA35-9C66186D796A}"/>
+              </a:ext>
+            </a:extLst>
+          </p:cNvPr>
+          <p:cNvSpPr>
+            <a:spLocks noGrp="1"/>
+          </p:cNvSpPr>
+          <p:nvPr>
+            <p:ph type="title"/>
+          </p:nvPr>
+        </p:nvSpPr>
+        <p:spPr/>
+        <p:txBody>
+          <a:bodyPr/>
+          <a:lstStyle/>
+          <a:p>
+            <a:r>
+              <a:rPr lang="en-US" dirty="0"/>
+              <a:t>Regression - Summary</a:t>
+            </a:r>
+          </a:p>
+        </p:txBody>
+      </p:sp>
+      <p:sp>
+        <p:nvSpPr>
+          <p:cNvPr id="3" name="Text Placeholder 2">
+            <a:extLst>
+              <a:ext uri="{FF2B5EF4-FFF2-40B4-BE49-F238E27FC236}">
+                <a16:creationId xmlns:a16="http://schemas.microsoft.com/office/drawing/2014/main" id="{C66D2071-6CF5-998C-C7DD-AE59EDF83863}"/>
+              </a:ext>
+            </a:extLst>
+          </p:cNvPr>
+          <p:cNvSpPr>
+            <a:spLocks noGrp="1"/>
+          </p:cNvSpPr>
+          <p:nvPr>
+            <p:ph type="body" idx="1"/>
+          </p:nvPr>
+        </p:nvSpPr>
+        <p:spPr>
+          <a:xfrm>
+            <a:off x="162791" y="1568381"/>
+            <a:ext cx="8977745" cy="4526100"/>
+          </a:xfrm>
+        </p:spPr>
+        <p:txBody>
+          <a:bodyPr/>
+          <a:lstStyle/>
+          <a:p>
+            <a:pPr marL="114300" indent="0">
+              <a:buNone/>
+            </a:pPr>
+            <a:r>
+              <a:rPr lang="en-US" sz="2400" b="0" i="0" u="none" strike="noStrike" baseline="0" dirty="0">
+                <a:solidFill>
+                  <a:srgbClr val="000000"/>
+                </a:solidFill>
+                <a:latin typeface="+mj-lt"/>
+              </a:rPr>
+              <a:t>Example:</a:t>
+            </a:r>
+          </a:p>
+          <a:p>
+            <a:pPr marL="114300" indent="0">
+              <a:buNone/>
+            </a:pPr>
+            <a:r>
+              <a:rPr lang="en-US" sz="2400" b="0" i="0" u="none" strike="noStrike" baseline="0" dirty="0">
+                <a:solidFill>
+                  <a:srgbClr val="0070C0"/>
+                </a:solidFill>
+                <a:latin typeface="+mj-lt"/>
+              </a:rPr>
+              <a:t>model_1 </a:t>
+            </a:r>
+            <a:r>
+              <a:rPr lang="en-US" sz="2400" b="1" i="0" u="none" strike="noStrike" baseline="0" dirty="0">
+                <a:solidFill>
+                  <a:srgbClr val="0070C0"/>
+                </a:solidFill>
+                <a:latin typeface="+mj-lt"/>
+              </a:rPr>
+              <a:t>&lt;- </a:t>
+            </a:r>
+            <a:r>
+              <a:rPr lang="en-US" sz="2400" b="0" i="0" u="none" strike="noStrike" baseline="0" dirty="0" err="1">
+                <a:solidFill>
+                  <a:srgbClr val="0070C0"/>
+                </a:solidFill>
+                <a:latin typeface="+mj-lt"/>
+              </a:rPr>
+              <a:t>lm</a:t>
+            </a:r>
+            <a:r>
+              <a:rPr lang="en-US" sz="2400" b="0" i="0" u="none" strike="noStrike" baseline="0" dirty="0">
+                <a:solidFill>
+                  <a:srgbClr val="0070C0"/>
+                </a:solidFill>
+                <a:latin typeface="+mj-lt"/>
+              </a:rPr>
+              <a:t>(</a:t>
+            </a:r>
+            <a:r>
+              <a:rPr lang="en-US" sz="2400" b="0" i="0" u="none" strike="noStrike" baseline="0" dirty="0" err="1">
+                <a:solidFill>
+                  <a:srgbClr val="00B050"/>
+                </a:solidFill>
+                <a:latin typeface="+mj-lt"/>
+              </a:rPr>
+              <a:t>Sales</a:t>
+            </a:r>
+            <a:r>
+              <a:rPr lang="en-US" sz="2400" b="1" i="0" u="none" strike="noStrike" baseline="0" dirty="0" err="1">
+                <a:solidFill>
+                  <a:srgbClr val="FF0000"/>
+                </a:solidFill>
+                <a:latin typeface="+mj-lt"/>
+              </a:rPr>
+              <a:t>~</a:t>
+            </a:r>
+            <a:r>
+              <a:rPr lang="en-US" sz="2400" b="0" i="0" u="none" strike="noStrike" baseline="0" dirty="0" err="1">
+                <a:solidFill>
+                  <a:srgbClr val="7030A0"/>
+                </a:solidFill>
+                <a:latin typeface="+mj-lt"/>
+              </a:rPr>
+              <a:t>Spend</a:t>
+            </a:r>
+            <a:r>
+              <a:rPr lang="en-US" sz="2400" b="0" i="0" u="none" strike="noStrike" baseline="0" dirty="0">
+                <a:solidFill>
+                  <a:srgbClr val="0070C0"/>
+                </a:solidFill>
+                <a:latin typeface="+mj-lt"/>
+              </a:rPr>
+              <a:t>, </a:t>
+            </a:r>
+            <a:r>
+              <a:rPr lang="en-US" sz="2400" b="0" i="0" u="none" strike="noStrike" baseline="0" dirty="0">
+                <a:solidFill>
+                  <a:schemeClr val="tx1"/>
+                </a:solidFill>
+                <a:latin typeface="+mj-lt"/>
+              </a:rPr>
+              <a:t>data</a:t>
+            </a:r>
+            <a:r>
+              <a:rPr lang="en-US" sz="2400" b="0" i="0" u="none" strike="noStrike" baseline="0" dirty="0">
+                <a:solidFill>
+                  <a:srgbClr val="0070C0"/>
+                </a:solidFill>
+                <a:latin typeface="+mj-lt"/>
+              </a:rPr>
+              <a:t>)  </a:t>
+            </a:r>
+            <a:r>
+              <a:rPr lang="en-US" sz="1800" dirty="0">
+                <a:solidFill>
+                  <a:schemeClr val="bg2"/>
+                </a:solidFill>
+                <a:latin typeface="+mj-lt"/>
+              </a:rPr>
+              <a:t>#Simple Linear Regression</a:t>
+            </a:r>
+          </a:p>
+          <a:p>
+            <a:pPr marL="114300" indent="0">
+              <a:buNone/>
+            </a:pPr>
+            <a:endParaRPr lang="en-US" sz="2400" b="0" i="0" u="none" strike="noStrike" baseline="0" dirty="0">
+              <a:solidFill>
+                <a:srgbClr val="0070C0"/>
+              </a:solidFill>
+              <a:latin typeface="+mj-lt"/>
+            </a:endParaRPr>
+          </a:p>
+          <a:p>
+            <a:pPr marL="114300" indent="0">
+              <a:buNone/>
+            </a:pPr>
+            <a:r>
+              <a:rPr lang="en-US" sz="2400" dirty="0">
+                <a:solidFill>
+                  <a:srgbClr val="0070C0"/>
+                </a:solidFill>
+                <a:latin typeface="+mj-lt"/>
+              </a:rPr>
+              <a:t>summary(model_1)</a:t>
+            </a:r>
+          </a:p>
+        </p:txBody>
+      </p:sp>
+      <p:sp>
+        <p:nvSpPr>
+          <p:cNvPr id="4" name="Date Placeholder 3">
+            <a:extLst>
+              <a:ext uri="{FF2B5EF4-FFF2-40B4-BE49-F238E27FC236}">
+                <a16:creationId xmlns:a16="http://schemas.microsoft.com/office/drawing/2014/main" id="{5405C0DF-5AC5-247D-56C0-C6C376F40D5F}"/>
+              </a:ext>
+            </a:extLst>
+          </p:cNvPr>
+          <p:cNvSpPr>
+            <a:spLocks noGrp="1"/>
+          </p:cNvSpPr>
+          <p:nvPr>
+            <p:ph type="dt" idx="10"/>
+          </p:nvPr>
+        </p:nvSpPr>
+        <p:spPr/>
+        <p:txBody>
+          <a:bodyPr/>
+          <a:lstStyle/>
+          <a:p>
+            <a:fld id="{0C62BD34-D5E2-4C87-AA2A-F8D5808875C3}" type="datetime1">
+              <a:rPr lang="en-US" smtClean="0"/>
+              <a:t>9/6/2023</a:t>
+            </a:fld>
+            <a:endParaRPr lang="en-US"/>
+          </a:p>
+        </p:txBody>
+      </p:sp>
+      <p:sp>
+        <p:nvSpPr>
+          <p:cNvPr id="5" name="Footer Placeholder 4">
+            <a:extLst>
+              <a:ext uri="{FF2B5EF4-FFF2-40B4-BE49-F238E27FC236}">
+                <a16:creationId xmlns:a16="http://schemas.microsoft.com/office/drawing/2014/main" id="{9132D66E-4D61-1CAD-6E96-445F1F26FF3D}"/>
+              </a:ext>
+            </a:extLst>
+          </p:cNvPr>
+          <p:cNvSpPr>
+            <a:spLocks noGrp="1"/>
+          </p:cNvSpPr>
+          <p:nvPr>
+            <p:ph type="ftr" idx="11"/>
+          </p:nvPr>
+        </p:nvSpPr>
+        <p:spPr/>
+        <p:txBody>
+          <a:bodyPr/>
+          <a:lstStyle/>
+          <a:p>
+            <a:r>
+              <a:rPr lang="en-US"/>
+              <a:t>Ankit Velani, MBA-SIT,Tumkur</a:t>
+            </a:r>
+          </a:p>
+        </p:txBody>
+      </p:sp>
+      <p:sp>
+        <p:nvSpPr>
+          <p:cNvPr id="6" name="Slide Number Placeholder 5">
+            <a:extLst>
+              <a:ext uri="{FF2B5EF4-FFF2-40B4-BE49-F238E27FC236}">
+                <a16:creationId xmlns:a16="http://schemas.microsoft.com/office/drawing/2014/main" id="{B4B45D89-FF56-E0D8-BADF-A6C9642E7668}"/>
+              </a:ext>
+            </a:extLst>
+          </p:cNvPr>
+          <p:cNvSpPr>
+            <a:spLocks noGrp="1"/>
+          </p:cNvSpPr>
+          <p:nvPr>
+            <p:ph type="sldNum" idx="12"/>
+          </p:nvPr>
+        </p:nvSpPr>
+        <p:spPr/>
+        <p:txBody>
+          <a:bodyPr/>
+          <a:lstStyle/>
+          <a:p>
+            <a:pPr marL="0" lvl="0" indent="0" algn="r" rtl="0">
+              <a:spcBef>
+                <a:spcPts val="0"/>
+              </a:spcBef>
+              <a:spcAft>
+                <a:spcPts val="0"/>
+              </a:spcAft>
+              <a:buNone/>
+            </a:pPr>
+            <a:fld id="{00000000-1234-1234-1234-123412341234}" type="slidenum">
+              <a:rPr lang="en-US" smtClean="0"/>
+              <a:t>25</a:t>
             </a:fld>
             <a:endParaRPr lang="en-US"/>
           </a:p>
@@ -20302,6 +21208,1063 @@
           <p:cNvPr id="2" name="Title 1">
             <a:extLst>
               <a:ext uri="{FF2B5EF4-FFF2-40B4-BE49-F238E27FC236}">
+                <a16:creationId xmlns:a16="http://schemas.microsoft.com/office/drawing/2014/main" id="{94947B28-E8FA-8461-4C02-67CF7BEB9780}"/>
+              </a:ext>
+            </a:extLst>
+          </p:cNvPr>
+          <p:cNvSpPr>
+            <a:spLocks noGrp="1"/>
+          </p:cNvSpPr>
+          <p:nvPr>
+            <p:ph type="title"/>
+          </p:nvPr>
+        </p:nvSpPr>
+        <p:spPr/>
+        <p:txBody>
+          <a:bodyPr/>
+          <a:lstStyle/>
+          <a:p>
+            <a:r>
+              <a:rPr lang="en-US" dirty="0"/>
+              <a:t>Table</a:t>
+            </a:r>
+          </a:p>
+        </p:txBody>
+      </p:sp>
+      <p:sp>
+        <p:nvSpPr>
+          <p:cNvPr id="3" name="Text Placeholder 2">
+            <a:extLst>
+              <a:ext uri="{FF2B5EF4-FFF2-40B4-BE49-F238E27FC236}">
+                <a16:creationId xmlns:a16="http://schemas.microsoft.com/office/drawing/2014/main" id="{0798A489-C8D3-4EAE-A768-C093F0704E25}"/>
+              </a:ext>
+            </a:extLst>
+          </p:cNvPr>
+          <p:cNvSpPr>
+            <a:spLocks noGrp="1"/>
+          </p:cNvSpPr>
+          <p:nvPr>
+            <p:ph type="body" idx="1"/>
+          </p:nvPr>
+        </p:nvSpPr>
+        <p:spPr>
+          <a:xfrm>
+            <a:off x="457199" y="1600200"/>
+            <a:ext cx="9019309" cy="4526100"/>
+          </a:xfrm>
+        </p:spPr>
+        <p:txBody>
+          <a:bodyPr/>
+          <a:lstStyle/>
+          <a:p>
+            <a:pPr marL="114300" indent="0">
+              <a:buNone/>
+            </a:pPr>
+            <a:r>
+              <a:rPr lang="en-US" sz="2800" dirty="0">
+                <a:latin typeface="+mj-lt"/>
+              </a:rPr>
+              <a:t>View() function to display the data in Table format.</a:t>
+            </a:r>
+          </a:p>
+          <a:p>
+            <a:pPr marL="114300" indent="0">
+              <a:buNone/>
+            </a:pPr>
+            <a:endParaRPr lang="en-US" sz="2800" dirty="0">
+              <a:latin typeface="+mj-lt"/>
+            </a:endParaRPr>
+          </a:p>
+          <a:p>
+            <a:pPr marL="114300" indent="0">
+              <a:buNone/>
+            </a:pPr>
+            <a:r>
+              <a:rPr lang="en-US" sz="2800" dirty="0">
+                <a:latin typeface="+mj-lt"/>
+              </a:rPr>
+              <a:t>Example: </a:t>
+            </a:r>
+          </a:p>
+          <a:p>
+            <a:pPr marL="114300" indent="0">
+              <a:buNone/>
+            </a:pPr>
+            <a:r>
+              <a:rPr lang="en-US" sz="2800" dirty="0" err="1">
+                <a:solidFill>
+                  <a:srgbClr val="0070C0"/>
+                </a:solidFill>
+                <a:latin typeface="+mj-lt"/>
+              </a:rPr>
+              <a:t>v_data</a:t>
+            </a:r>
+            <a:r>
+              <a:rPr lang="en-US" sz="2800" dirty="0">
+                <a:solidFill>
+                  <a:srgbClr val="0070C0"/>
+                </a:solidFill>
+                <a:latin typeface="+mj-lt"/>
+              </a:rPr>
+              <a:t> = read.csv("C:/dataset/VEHICLE_PARK.csv")</a:t>
+            </a:r>
+          </a:p>
+          <a:p>
+            <a:pPr marL="114300" indent="0">
+              <a:buNone/>
+            </a:pPr>
+            <a:endParaRPr lang="en-US" sz="2800" dirty="0">
+              <a:latin typeface="+mj-lt"/>
+            </a:endParaRPr>
+          </a:p>
+          <a:p>
+            <a:pPr marL="114300" indent="0">
+              <a:buNone/>
+            </a:pPr>
+            <a:r>
+              <a:rPr lang="en-US" sz="2800" dirty="0">
+                <a:solidFill>
+                  <a:srgbClr val="0070C0"/>
+                </a:solidFill>
+                <a:latin typeface="+mj-lt"/>
+                <a:cs typeface="Calibri" panose="020F0502020204030204" pitchFamily="34" charset="0"/>
+              </a:rPr>
+              <a:t>View(</a:t>
+            </a:r>
+            <a:r>
+              <a:rPr lang="en-US" sz="2800" dirty="0" err="1">
+                <a:solidFill>
+                  <a:srgbClr val="0070C0"/>
+                </a:solidFill>
+                <a:latin typeface="+mj-lt"/>
+                <a:cs typeface="Calibri" panose="020F0502020204030204" pitchFamily="34" charset="0"/>
+              </a:rPr>
+              <a:t>v_data</a:t>
+            </a:r>
+            <a:r>
+              <a:rPr lang="en-US" sz="2800" dirty="0">
+                <a:solidFill>
+                  <a:srgbClr val="0070C0"/>
+                </a:solidFill>
+                <a:latin typeface="+mj-lt"/>
+                <a:cs typeface="Calibri" panose="020F0502020204030204" pitchFamily="34" charset="0"/>
+              </a:rPr>
+              <a:t>)</a:t>
+            </a:r>
+          </a:p>
+          <a:p>
+            <a:pPr marL="114300" indent="0">
+              <a:buNone/>
+            </a:pPr>
+            <a:endParaRPr lang="en-US" sz="2800" dirty="0">
+              <a:latin typeface="+mj-lt"/>
+            </a:endParaRPr>
+          </a:p>
+          <a:p>
+            <a:pPr marL="114300" indent="0">
+              <a:buNone/>
+            </a:pPr>
+            <a:endParaRPr lang="en-US" dirty="0">
+              <a:latin typeface="+mj-lt"/>
+            </a:endParaRPr>
+          </a:p>
+        </p:txBody>
+      </p:sp>
+      <p:sp>
+        <p:nvSpPr>
+          <p:cNvPr id="4" name="Date Placeholder 3">
+            <a:extLst>
+              <a:ext uri="{FF2B5EF4-FFF2-40B4-BE49-F238E27FC236}">
+                <a16:creationId xmlns:a16="http://schemas.microsoft.com/office/drawing/2014/main" id="{D08BB6D6-E9B1-AD31-838D-F5B6CD1EDA29}"/>
+              </a:ext>
+            </a:extLst>
+          </p:cNvPr>
+          <p:cNvSpPr>
+            <a:spLocks noGrp="1"/>
+          </p:cNvSpPr>
+          <p:nvPr>
+            <p:ph type="dt" idx="10"/>
+          </p:nvPr>
+        </p:nvSpPr>
+        <p:spPr/>
+        <p:txBody>
+          <a:bodyPr/>
+          <a:lstStyle/>
+          <a:p>
+            <a:fld id="{0C62BD34-D5E2-4C87-AA2A-F8D5808875C3}" type="datetime1">
+              <a:rPr lang="en-US" smtClean="0"/>
+              <a:t>9/6/2023</a:t>
+            </a:fld>
+            <a:endParaRPr lang="en-US"/>
+          </a:p>
+        </p:txBody>
+      </p:sp>
+      <p:sp>
+        <p:nvSpPr>
+          <p:cNvPr id="5" name="Footer Placeholder 4">
+            <a:extLst>
+              <a:ext uri="{FF2B5EF4-FFF2-40B4-BE49-F238E27FC236}">
+                <a16:creationId xmlns:a16="http://schemas.microsoft.com/office/drawing/2014/main" id="{7FCB193E-2B2E-0E22-23AE-9A481B5DD18E}"/>
+              </a:ext>
+            </a:extLst>
+          </p:cNvPr>
+          <p:cNvSpPr>
+            <a:spLocks noGrp="1"/>
+          </p:cNvSpPr>
+          <p:nvPr>
+            <p:ph type="ftr" idx="11"/>
+          </p:nvPr>
+        </p:nvSpPr>
+        <p:spPr/>
+        <p:txBody>
+          <a:bodyPr/>
+          <a:lstStyle/>
+          <a:p>
+            <a:r>
+              <a:rPr lang="en-US"/>
+              <a:t>Ankit Velani, MBA-SIT,Tumkur</a:t>
+            </a:r>
+          </a:p>
+        </p:txBody>
+      </p:sp>
+      <p:sp>
+        <p:nvSpPr>
+          <p:cNvPr id="6" name="Slide Number Placeholder 5">
+            <a:extLst>
+              <a:ext uri="{FF2B5EF4-FFF2-40B4-BE49-F238E27FC236}">
+                <a16:creationId xmlns:a16="http://schemas.microsoft.com/office/drawing/2014/main" id="{F94FD8B8-FE1A-F425-0317-77C970F193B7}"/>
+              </a:ext>
+            </a:extLst>
+          </p:cNvPr>
+          <p:cNvSpPr>
+            <a:spLocks noGrp="1"/>
+          </p:cNvSpPr>
+          <p:nvPr>
+            <p:ph type="sldNum" idx="12"/>
+          </p:nvPr>
+        </p:nvSpPr>
+        <p:spPr/>
+        <p:txBody>
+          <a:bodyPr/>
+          <a:lstStyle/>
+          <a:p>
+            <a:pPr marL="0" lvl="0" indent="0" algn="r" rtl="0">
+              <a:spcBef>
+                <a:spcPts val="0"/>
+              </a:spcBef>
+              <a:spcAft>
+                <a:spcPts val="0"/>
+              </a:spcAft>
+              <a:buNone/>
+            </a:pPr>
+            <a:fld id="{00000000-1234-1234-1234-123412341234}" type="slidenum">
+              <a:rPr lang="en-US" smtClean="0"/>
+              <a:t>3</a:t>
+            </a:fld>
+            <a:endParaRPr lang="en-US"/>
+          </a:p>
+        </p:txBody>
+      </p:sp>
+    </p:spTree>
+    <p:extLst>
+      <p:ext uri="{BB962C8B-B14F-4D97-AF65-F5344CB8AC3E}">
+        <p14:creationId xmlns:p14="http://schemas.microsoft.com/office/powerpoint/2010/main" val="1838448018"/>
+      </p:ext>
+    </p:extLst>
+  </p:cSld>
+  <p:clrMapOvr>
+    <a:masterClrMapping/>
+  </p:clrMapOvr>
+</p:sld>
+</file>
+
+<file path=ppt/slides/slide4.xml><?xml version="1.0" encoding="utf-8"?>
+<p:sld xmlns:a="http://schemas.openxmlformats.org/drawingml/2006/main" xmlns:r="http://schemas.openxmlformats.org/officeDocument/2006/relationships" xmlns:p="http://schemas.openxmlformats.org/presentationml/2006/main">
+  <p:cSld>
+    <p:spTree>
+      <p:nvGrpSpPr>
+        <p:cNvPr id="1" name=""/>
+        <p:cNvGrpSpPr/>
+        <p:nvPr/>
+      </p:nvGrpSpPr>
+      <p:grpSpPr>
+        <a:xfrm>
+          <a:off x="0" y="0"/>
+          <a:ext cx="0" cy="0"/>
+          <a:chOff x="0" y="0"/>
+          <a:chExt cx="0" cy="0"/>
+        </a:xfrm>
+      </p:grpSpPr>
+      <p:sp>
+        <p:nvSpPr>
+          <p:cNvPr id="2" name="Title 1">
+            <a:extLst>
+              <a:ext uri="{FF2B5EF4-FFF2-40B4-BE49-F238E27FC236}">
+                <a16:creationId xmlns:a16="http://schemas.microsoft.com/office/drawing/2014/main" id="{94947B28-E8FA-8461-4C02-67CF7BEB9780}"/>
+              </a:ext>
+            </a:extLst>
+          </p:cNvPr>
+          <p:cNvSpPr>
+            <a:spLocks noGrp="1"/>
+          </p:cNvSpPr>
+          <p:nvPr>
+            <p:ph type="title"/>
+          </p:nvPr>
+        </p:nvSpPr>
+        <p:spPr/>
+        <p:txBody>
+          <a:bodyPr/>
+          <a:lstStyle/>
+          <a:p>
+            <a:r>
+              <a:rPr lang="en-US" dirty="0"/>
+              <a:t>Table</a:t>
+            </a:r>
+          </a:p>
+        </p:txBody>
+      </p:sp>
+      <p:sp>
+        <p:nvSpPr>
+          <p:cNvPr id="3" name="Text Placeholder 2">
+            <a:extLst>
+              <a:ext uri="{FF2B5EF4-FFF2-40B4-BE49-F238E27FC236}">
+                <a16:creationId xmlns:a16="http://schemas.microsoft.com/office/drawing/2014/main" id="{0798A489-C8D3-4EAE-A768-C093F0704E25}"/>
+              </a:ext>
+            </a:extLst>
+          </p:cNvPr>
+          <p:cNvSpPr>
+            <a:spLocks noGrp="1"/>
+          </p:cNvSpPr>
+          <p:nvPr>
+            <p:ph type="body" idx="1"/>
+          </p:nvPr>
+        </p:nvSpPr>
+        <p:spPr>
+          <a:xfrm>
+            <a:off x="457200" y="1165950"/>
+            <a:ext cx="8229600" cy="4526100"/>
+          </a:xfrm>
+        </p:spPr>
+        <p:txBody>
+          <a:bodyPr/>
+          <a:lstStyle/>
+          <a:p>
+            <a:pPr marL="114300" indent="0">
+              <a:buNone/>
+            </a:pPr>
+            <a:r>
+              <a:rPr lang="en-US" sz="2400" dirty="0">
+                <a:latin typeface="+mj-lt"/>
+              </a:rPr>
+              <a:t>table() function used to calculate the frequency count for the categorical variable.</a:t>
+            </a:r>
+          </a:p>
+          <a:p>
+            <a:pPr marL="114300" indent="0">
+              <a:buNone/>
+            </a:pPr>
+            <a:endParaRPr lang="en-US" dirty="0">
+              <a:latin typeface="+mj-lt"/>
+            </a:endParaRPr>
+          </a:p>
+          <a:p>
+            <a:pPr marL="114300" indent="0">
+              <a:buNone/>
+            </a:pPr>
+            <a:r>
+              <a:rPr lang="en-US" dirty="0">
+                <a:latin typeface="+mj-lt"/>
+              </a:rPr>
+              <a:t>Example:</a:t>
+            </a:r>
+          </a:p>
+          <a:p>
+            <a:pPr marL="114300" indent="0">
+              <a:buNone/>
+            </a:pPr>
+            <a:r>
+              <a:rPr lang="en-US" sz="2400" dirty="0" err="1">
+                <a:solidFill>
+                  <a:srgbClr val="0070C0"/>
+                </a:solidFill>
+                <a:latin typeface="+mj-lt"/>
+              </a:rPr>
+              <a:t>v_data</a:t>
+            </a:r>
+            <a:r>
+              <a:rPr lang="en-US" sz="2400" dirty="0">
+                <a:solidFill>
+                  <a:srgbClr val="0070C0"/>
+                </a:solidFill>
+                <a:latin typeface="+mj-lt"/>
+              </a:rPr>
+              <a:t> = read.csv("C:/dataset/VEHICLE_PARK.csv")</a:t>
+            </a:r>
+          </a:p>
+          <a:p>
+            <a:pPr marL="114300" indent="0">
+              <a:buNone/>
+            </a:pPr>
+            <a:endParaRPr lang="en-US" sz="2400" dirty="0">
+              <a:solidFill>
+                <a:srgbClr val="0070C0"/>
+              </a:solidFill>
+              <a:latin typeface="+mj-lt"/>
+            </a:endParaRPr>
+          </a:p>
+          <a:p>
+            <a:pPr marL="114300" indent="0">
+              <a:buNone/>
+            </a:pPr>
+            <a:r>
+              <a:rPr lang="en-US" sz="2400" dirty="0">
+                <a:latin typeface="+mj-lt"/>
+              </a:rPr>
+              <a:t># Count the frequency for the Vehicle Type column</a:t>
+            </a:r>
+          </a:p>
+          <a:p>
+            <a:pPr marL="114300" indent="0">
+              <a:buNone/>
+            </a:pPr>
+            <a:r>
+              <a:rPr lang="en-US" sz="2400" dirty="0">
+                <a:solidFill>
+                  <a:srgbClr val="0070C0"/>
+                </a:solidFill>
+                <a:latin typeface="+mj-lt"/>
+              </a:rPr>
+              <a:t>table(</a:t>
+            </a:r>
+            <a:r>
+              <a:rPr lang="en-US" sz="2400" dirty="0" err="1">
+                <a:solidFill>
+                  <a:srgbClr val="0070C0"/>
+                </a:solidFill>
+                <a:latin typeface="+mj-lt"/>
+              </a:rPr>
+              <a:t>v_data$VEHICLE_TYPE</a:t>
+            </a:r>
+            <a:r>
+              <a:rPr lang="en-US" sz="2400" dirty="0">
+                <a:solidFill>
+                  <a:srgbClr val="0070C0"/>
+                </a:solidFill>
+                <a:latin typeface="+mj-lt"/>
+              </a:rPr>
+              <a:t>)</a:t>
+            </a:r>
+          </a:p>
+        </p:txBody>
+      </p:sp>
+      <p:sp>
+        <p:nvSpPr>
+          <p:cNvPr id="4" name="Date Placeholder 3">
+            <a:extLst>
+              <a:ext uri="{FF2B5EF4-FFF2-40B4-BE49-F238E27FC236}">
+                <a16:creationId xmlns:a16="http://schemas.microsoft.com/office/drawing/2014/main" id="{D08BB6D6-E9B1-AD31-838D-F5B6CD1EDA29}"/>
+              </a:ext>
+            </a:extLst>
+          </p:cNvPr>
+          <p:cNvSpPr>
+            <a:spLocks noGrp="1"/>
+          </p:cNvSpPr>
+          <p:nvPr>
+            <p:ph type="dt" idx="10"/>
+          </p:nvPr>
+        </p:nvSpPr>
+        <p:spPr/>
+        <p:txBody>
+          <a:bodyPr/>
+          <a:lstStyle/>
+          <a:p>
+            <a:fld id="{0C62BD34-D5E2-4C87-AA2A-F8D5808875C3}" type="datetime1">
+              <a:rPr lang="en-US" smtClean="0"/>
+              <a:t>9/6/2023</a:t>
+            </a:fld>
+            <a:endParaRPr lang="en-US"/>
+          </a:p>
+        </p:txBody>
+      </p:sp>
+      <p:sp>
+        <p:nvSpPr>
+          <p:cNvPr id="5" name="Footer Placeholder 4">
+            <a:extLst>
+              <a:ext uri="{FF2B5EF4-FFF2-40B4-BE49-F238E27FC236}">
+                <a16:creationId xmlns:a16="http://schemas.microsoft.com/office/drawing/2014/main" id="{7FCB193E-2B2E-0E22-23AE-9A481B5DD18E}"/>
+              </a:ext>
+            </a:extLst>
+          </p:cNvPr>
+          <p:cNvSpPr>
+            <a:spLocks noGrp="1"/>
+          </p:cNvSpPr>
+          <p:nvPr>
+            <p:ph type="ftr" idx="11"/>
+          </p:nvPr>
+        </p:nvSpPr>
+        <p:spPr/>
+        <p:txBody>
+          <a:bodyPr/>
+          <a:lstStyle/>
+          <a:p>
+            <a:r>
+              <a:rPr lang="en-US"/>
+              <a:t>Ankit Velani, MBA-SIT,Tumkur</a:t>
+            </a:r>
+          </a:p>
+        </p:txBody>
+      </p:sp>
+      <p:sp>
+        <p:nvSpPr>
+          <p:cNvPr id="6" name="Slide Number Placeholder 5">
+            <a:extLst>
+              <a:ext uri="{FF2B5EF4-FFF2-40B4-BE49-F238E27FC236}">
+                <a16:creationId xmlns:a16="http://schemas.microsoft.com/office/drawing/2014/main" id="{F94FD8B8-FE1A-F425-0317-77C970F193B7}"/>
+              </a:ext>
+            </a:extLst>
+          </p:cNvPr>
+          <p:cNvSpPr>
+            <a:spLocks noGrp="1"/>
+          </p:cNvSpPr>
+          <p:nvPr>
+            <p:ph type="sldNum" idx="12"/>
+          </p:nvPr>
+        </p:nvSpPr>
+        <p:spPr/>
+        <p:txBody>
+          <a:bodyPr/>
+          <a:lstStyle/>
+          <a:p>
+            <a:pPr marL="0" lvl="0" indent="0" algn="r" rtl="0">
+              <a:spcBef>
+                <a:spcPts val="0"/>
+              </a:spcBef>
+              <a:spcAft>
+                <a:spcPts val="0"/>
+              </a:spcAft>
+              <a:buNone/>
+            </a:pPr>
+            <a:fld id="{00000000-1234-1234-1234-123412341234}" type="slidenum">
+              <a:rPr lang="en-US" smtClean="0"/>
+              <a:t>4</a:t>
+            </a:fld>
+            <a:endParaRPr lang="en-US"/>
+          </a:p>
+        </p:txBody>
+      </p:sp>
+      <p:pic>
+        <p:nvPicPr>
+          <p:cNvPr id="8" name="Picture 7">
+            <a:extLst>
+              <a:ext uri="{FF2B5EF4-FFF2-40B4-BE49-F238E27FC236}">
+                <a16:creationId xmlns:a16="http://schemas.microsoft.com/office/drawing/2014/main" id="{ECD1197A-4993-90E1-93A4-D0D53E1FDB34}"/>
+              </a:ext>
+            </a:extLst>
+          </p:cNvPr>
+          <p:cNvPicPr>
+            <a:picLocks noChangeAspect="1"/>
+          </p:cNvPicPr>
+          <p:nvPr/>
+        </p:nvPicPr>
+        <p:blipFill>
+          <a:blip r:embed="rId2"/>
+          <a:stretch>
+            <a:fillRect/>
+          </a:stretch>
+        </p:blipFill>
+        <p:spPr>
+          <a:xfrm>
+            <a:off x="368878" y="5395918"/>
+            <a:ext cx="8572500" cy="1304925"/>
+          </a:xfrm>
+          <a:prstGeom prst="rect">
+            <a:avLst/>
+          </a:prstGeom>
+        </p:spPr>
+      </p:pic>
+      <p:sp>
+        <p:nvSpPr>
+          <p:cNvPr id="9" name="TextBox 8">
+            <a:extLst>
+              <a:ext uri="{FF2B5EF4-FFF2-40B4-BE49-F238E27FC236}">
+                <a16:creationId xmlns:a16="http://schemas.microsoft.com/office/drawing/2014/main" id="{9114F8C5-9FF5-7182-287D-A6B8AEFBEFE2}"/>
+              </a:ext>
+            </a:extLst>
+          </p:cNvPr>
+          <p:cNvSpPr txBox="1"/>
+          <p:nvPr/>
+        </p:nvSpPr>
+        <p:spPr>
+          <a:xfrm>
+            <a:off x="271895" y="5067359"/>
+            <a:ext cx="1797627" cy="307777"/>
+          </a:xfrm>
+          <a:prstGeom prst="rect">
+            <a:avLst/>
+          </a:prstGeom>
+          <a:noFill/>
+        </p:spPr>
+        <p:txBody>
+          <a:bodyPr wrap="square" rtlCol="0">
+            <a:spAutoFit/>
+          </a:bodyPr>
+          <a:lstStyle/>
+          <a:p>
+            <a:r>
+              <a:rPr lang="en-US" i="1" dirty="0">
+                <a:solidFill>
+                  <a:srgbClr val="0070C0"/>
+                </a:solidFill>
+              </a:rPr>
+              <a:t>Output:</a:t>
+            </a:r>
+          </a:p>
+        </p:txBody>
+      </p:sp>
+    </p:spTree>
+    <p:extLst>
+      <p:ext uri="{BB962C8B-B14F-4D97-AF65-F5344CB8AC3E}">
+        <p14:creationId xmlns:p14="http://schemas.microsoft.com/office/powerpoint/2010/main" val="2911409401"/>
+      </p:ext>
+    </p:extLst>
+  </p:cSld>
+  <p:clrMapOvr>
+    <a:masterClrMapping/>
+  </p:clrMapOvr>
+</p:sld>
+</file>
+
+<file path=ppt/slides/slide5.xml><?xml version="1.0" encoding="utf-8"?>
+<p:sld xmlns:a="http://schemas.openxmlformats.org/drawingml/2006/main" xmlns:r="http://schemas.openxmlformats.org/officeDocument/2006/relationships" xmlns:p="http://schemas.openxmlformats.org/presentationml/2006/main">
+  <p:cSld>
+    <p:spTree>
+      <p:nvGrpSpPr>
+        <p:cNvPr id="1" name=""/>
+        <p:cNvGrpSpPr/>
+        <p:nvPr/>
+      </p:nvGrpSpPr>
+      <p:grpSpPr>
+        <a:xfrm>
+          <a:off x="0" y="0"/>
+          <a:ext cx="0" cy="0"/>
+          <a:chOff x="0" y="0"/>
+          <a:chExt cx="0" cy="0"/>
+        </a:xfrm>
+      </p:grpSpPr>
+      <p:sp>
+        <p:nvSpPr>
+          <p:cNvPr id="2" name="Title 1">
+            <a:extLst>
+              <a:ext uri="{FF2B5EF4-FFF2-40B4-BE49-F238E27FC236}">
+                <a16:creationId xmlns:a16="http://schemas.microsoft.com/office/drawing/2014/main" id="{94947B28-E8FA-8461-4C02-67CF7BEB9780}"/>
+              </a:ext>
+            </a:extLst>
+          </p:cNvPr>
+          <p:cNvSpPr>
+            <a:spLocks noGrp="1"/>
+          </p:cNvSpPr>
+          <p:nvPr>
+            <p:ph type="title"/>
+          </p:nvPr>
+        </p:nvSpPr>
+        <p:spPr/>
+        <p:txBody>
+          <a:bodyPr/>
+          <a:lstStyle/>
+          <a:p>
+            <a:r>
+              <a:rPr lang="en-US" dirty="0"/>
+              <a:t>Table - </a:t>
+            </a:r>
+            <a:r>
+              <a:rPr lang="en-US" dirty="0" err="1"/>
+              <a:t>prop.table</a:t>
+            </a:r>
+            <a:endParaRPr lang="en-US" dirty="0"/>
+          </a:p>
+        </p:txBody>
+      </p:sp>
+      <p:sp>
+        <p:nvSpPr>
+          <p:cNvPr id="3" name="Text Placeholder 2">
+            <a:extLst>
+              <a:ext uri="{FF2B5EF4-FFF2-40B4-BE49-F238E27FC236}">
+                <a16:creationId xmlns:a16="http://schemas.microsoft.com/office/drawing/2014/main" id="{0798A489-C8D3-4EAE-A768-C093F0704E25}"/>
+              </a:ext>
+            </a:extLst>
+          </p:cNvPr>
+          <p:cNvSpPr>
+            <a:spLocks noGrp="1"/>
+          </p:cNvSpPr>
+          <p:nvPr>
+            <p:ph type="body" idx="1"/>
+          </p:nvPr>
+        </p:nvSpPr>
+        <p:spPr>
+          <a:xfrm>
+            <a:off x="457200" y="1165950"/>
+            <a:ext cx="8229600" cy="4526100"/>
+          </a:xfrm>
+        </p:spPr>
+        <p:txBody>
+          <a:bodyPr/>
+          <a:lstStyle/>
+          <a:p>
+            <a:pPr marL="114300" indent="0">
+              <a:buNone/>
+            </a:pPr>
+            <a:r>
+              <a:rPr lang="en-US" dirty="0">
+                <a:latin typeface="+mj-lt"/>
+              </a:rPr>
+              <a:t>Example: </a:t>
+            </a:r>
+            <a:r>
+              <a:rPr lang="en-US" dirty="0" err="1">
+                <a:latin typeface="+mj-lt"/>
+              </a:rPr>
+              <a:t>prop.table</a:t>
+            </a:r>
+            <a:endParaRPr lang="en-US" dirty="0">
+              <a:latin typeface="+mj-lt"/>
+            </a:endParaRPr>
+          </a:p>
+          <a:p>
+            <a:pPr marL="114300" indent="0">
+              <a:buNone/>
+            </a:pPr>
+            <a:endParaRPr lang="en-US" sz="2400" dirty="0">
+              <a:solidFill>
+                <a:srgbClr val="0070C0"/>
+              </a:solidFill>
+              <a:latin typeface="+mj-lt"/>
+            </a:endParaRPr>
+          </a:p>
+          <a:p>
+            <a:pPr marL="114300" indent="0">
+              <a:buNone/>
+            </a:pPr>
+            <a:r>
+              <a:rPr lang="en-US" sz="2400" dirty="0">
+                <a:latin typeface="+mj-lt"/>
+              </a:rPr>
+              <a:t># Count the frequency for the Vehicle Type column</a:t>
+            </a:r>
+          </a:p>
+          <a:p>
+            <a:pPr marL="114300" indent="0">
+              <a:buNone/>
+            </a:pPr>
+            <a:r>
+              <a:rPr lang="en-US" sz="2400" dirty="0" err="1">
+                <a:solidFill>
+                  <a:srgbClr val="FF0000"/>
+                </a:solidFill>
+                <a:latin typeface="+mj-lt"/>
+              </a:rPr>
+              <a:t>v_freq</a:t>
+            </a:r>
+            <a:r>
+              <a:rPr lang="en-US" sz="2400" dirty="0">
+                <a:solidFill>
+                  <a:srgbClr val="FF0000"/>
+                </a:solidFill>
+                <a:latin typeface="+mj-lt"/>
+              </a:rPr>
+              <a:t> </a:t>
+            </a:r>
+            <a:r>
+              <a:rPr lang="en-US" sz="2400" dirty="0">
+                <a:solidFill>
+                  <a:srgbClr val="0070C0"/>
+                </a:solidFill>
+                <a:latin typeface="+mj-lt"/>
+              </a:rPr>
+              <a:t>= table(</a:t>
+            </a:r>
+            <a:r>
+              <a:rPr lang="en-US" sz="2400" dirty="0" err="1">
+                <a:solidFill>
+                  <a:srgbClr val="0070C0"/>
+                </a:solidFill>
+                <a:latin typeface="+mj-lt"/>
+              </a:rPr>
+              <a:t>v_data$VEHICLE_TYPE</a:t>
+            </a:r>
+            <a:r>
+              <a:rPr lang="en-US" sz="2400" dirty="0">
+                <a:solidFill>
+                  <a:srgbClr val="0070C0"/>
+                </a:solidFill>
+                <a:latin typeface="+mj-lt"/>
+              </a:rPr>
+              <a:t>)</a:t>
+            </a:r>
+          </a:p>
+          <a:p>
+            <a:pPr marL="114300" indent="0">
+              <a:buNone/>
+            </a:pPr>
+            <a:endParaRPr lang="en-US" sz="2400" dirty="0">
+              <a:solidFill>
+                <a:srgbClr val="0070C0"/>
+              </a:solidFill>
+              <a:latin typeface="+mj-lt"/>
+            </a:endParaRPr>
+          </a:p>
+          <a:p>
+            <a:pPr marL="114300" indent="0">
+              <a:buNone/>
+            </a:pPr>
+            <a:r>
+              <a:rPr lang="en-US" sz="2400" dirty="0">
+                <a:latin typeface="+mj-lt"/>
+              </a:rPr>
+              <a:t># Display data in fractions/percentage</a:t>
+            </a:r>
+          </a:p>
+          <a:p>
+            <a:pPr marL="114300" indent="0">
+              <a:buNone/>
+            </a:pPr>
+            <a:r>
+              <a:rPr lang="en-US" sz="2400" dirty="0" err="1">
+                <a:solidFill>
+                  <a:srgbClr val="FF0000"/>
+                </a:solidFill>
+                <a:latin typeface="+mj-lt"/>
+              </a:rPr>
+              <a:t>prop.table</a:t>
+            </a:r>
+            <a:r>
+              <a:rPr lang="en-US" sz="2400" dirty="0">
+                <a:solidFill>
+                  <a:srgbClr val="FF0000"/>
+                </a:solidFill>
+                <a:latin typeface="+mj-lt"/>
+              </a:rPr>
+              <a:t>(</a:t>
+            </a:r>
+            <a:r>
+              <a:rPr lang="en-US" sz="2400" dirty="0" err="1">
+                <a:solidFill>
+                  <a:srgbClr val="FF0000"/>
+                </a:solidFill>
+                <a:latin typeface="+mj-lt"/>
+              </a:rPr>
+              <a:t>v_freq</a:t>
+            </a:r>
+            <a:r>
+              <a:rPr lang="en-US" sz="2400" dirty="0">
+                <a:solidFill>
+                  <a:srgbClr val="FF0000"/>
+                </a:solidFill>
+                <a:latin typeface="+mj-lt"/>
+              </a:rPr>
+              <a:t>)</a:t>
+            </a:r>
+          </a:p>
+        </p:txBody>
+      </p:sp>
+      <p:sp>
+        <p:nvSpPr>
+          <p:cNvPr id="4" name="Date Placeholder 3">
+            <a:extLst>
+              <a:ext uri="{FF2B5EF4-FFF2-40B4-BE49-F238E27FC236}">
+                <a16:creationId xmlns:a16="http://schemas.microsoft.com/office/drawing/2014/main" id="{D08BB6D6-E9B1-AD31-838D-F5B6CD1EDA29}"/>
+              </a:ext>
+            </a:extLst>
+          </p:cNvPr>
+          <p:cNvSpPr>
+            <a:spLocks noGrp="1"/>
+          </p:cNvSpPr>
+          <p:nvPr>
+            <p:ph type="dt" idx="10"/>
+          </p:nvPr>
+        </p:nvSpPr>
+        <p:spPr/>
+        <p:txBody>
+          <a:bodyPr/>
+          <a:lstStyle/>
+          <a:p>
+            <a:fld id="{0C62BD34-D5E2-4C87-AA2A-F8D5808875C3}" type="datetime1">
+              <a:rPr lang="en-US" smtClean="0"/>
+              <a:t>9/6/2023</a:t>
+            </a:fld>
+            <a:endParaRPr lang="en-US"/>
+          </a:p>
+        </p:txBody>
+      </p:sp>
+      <p:sp>
+        <p:nvSpPr>
+          <p:cNvPr id="5" name="Footer Placeholder 4">
+            <a:extLst>
+              <a:ext uri="{FF2B5EF4-FFF2-40B4-BE49-F238E27FC236}">
+                <a16:creationId xmlns:a16="http://schemas.microsoft.com/office/drawing/2014/main" id="{7FCB193E-2B2E-0E22-23AE-9A481B5DD18E}"/>
+              </a:ext>
+            </a:extLst>
+          </p:cNvPr>
+          <p:cNvSpPr>
+            <a:spLocks noGrp="1"/>
+          </p:cNvSpPr>
+          <p:nvPr>
+            <p:ph type="ftr" idx="11"/>
+          </p:nvPr>
+        </p:nvSpPr>
+        <p:spPr/>
+        <p:txBody>
+          <a:bodyPr/>
+          <a:lstStyle/>
+          <a:p>
+            <a:r>
+              <a:rPr lang="en-US"/>
+              <a:t>Ankit Velani, MBA-SIT,Tumkur</a:t>
+            </a:r>
+          </a:p>
+        </p:txBody>
+      </p:sp>
+      <p:sp>
+        <p:nvSpPr>
+          <p:cNvPr id="6" name="Slide Number Placeholder 5">
+            <a:extLst>
+              <a:ext uri="{FF2B5EF4-FFF2-40B4-BE49-F238E27FC236}">
+                <a16:creationId xmlns:a16="http://schemas.microsoft.com/office/drawing/2014/main" id="{F94FD8B8-FE1A-F425-0317-77C970F193B7}"/>
+              </a:ext>
+            </a:extLst>
+          </p:cNvPr>
+          <p:cNvSpPr>
+            <a:spLocks noGrp="1"/>
+          </p:cNvSpPr>
+          <p:nvPr>
+            <p:ph type="sldNum" idx="12"/>
+          </p:nvPr>
+        </p:nvSpPr>
+        <p:spPr/>
+        <p:txBody>
+          <a:bodyPr/>
+          <a:lstStyle/>
+          <a:p>
+            <a:pPr marL="0" lvl="0" indent="0" algn="r" rtl="0">
+              <a:spcBef>
+                <a:spcPts val="0"/>
+              </a:spcBef>
+              <a:spcAft>
+                <a:spcPts val="0"/>
+              </a:spcAft>
+              <a:buNone/>
+            </a:pPr>
+            <a:fld id="{00000000-1234-1234-1234-123412341234}" type="slidenum">
+              <a:rPr lang="en-US" smtClean="0"/>
+              <a:t>5</a:t>
+            </a:fld>
+            <a:endParaRPr lang="en-US"/>
+          </a:p>
+        </p:txBody>
+      </p:sp>
+      <p:sp>
+        <p:nvSpPr>
+          <p:cNvPr id="9" name="TextBox 8">
+            <a:extLst>
+              <a:ext uri="{FF2B5EF4-FFF2-40B4-BE49-F238E27FC236}">
+                <a16:creationId xmlns:a16="http://schemas.microsoft.com/office/drawing/2014/main" id="{9114F8C5-9FF5-7182-287D-A6B8AEFBEFE2}"/>
+              </a:ext>
+            </a:extLst>
+          </p:cNvPr>
+          <p:cNvSpPr txBox="1"/>
+          <p:nvPr/>
+        </p:nvSpPr>
+        <p:spPr>
+          <a:xfrm>
+            <a:off x="240722" y="5009779"/>
+            <a:ext cx="1797627" cy="307777"/>
+          </a:xfrm>
+          <a:prstGeom prst="rect">
+            <a:avLst/>
+          </a:prstGeom>
+          <a:noFill/>
+        </p:spPr>
+        <p:txBody>
+          <a:bodyPr wrap="square" rtlCol="0">
+            <a:spAutoFit/>
+          </a:bodyPr>
+          <a:lstStyle/>
+          <a:p>
+            <a:r>
+              <a:rPr lang="en-US" i="1" dirty="0">
+                <a:solidFill>
+                  <a:srgbClr val="0070C0"/>
+                </a:solidFill>
+              </a:rPr>
+              <a:t>Output:</a:t>
+            </a:r>
+          </a:p>
+        </p:txBody>
+      </p:sp>
+      <p:pic>
+        <p:nvPicPr>
+          <p:cNvPr id="10" name="Picture 9">
+            <a:extLst>
+              <a:ext uri="{FF2B5EF4-FFF2-40B4-BE49-F238E27FC236}">
+                <a16:creationId xmlns:a16="http://schemas.microsoft.com/office/drawing/2014/main" id="{00735EB1-80D9-4EA5-6B8F-40DD5C74B5F6}"/>
+              </a:ext>
+            </a:extLst>
+          </p:cNvPr>
+          <p:cNvPicPr>
+            <a:picLocks noChangeAspect="1"/>
+          </p:cNvPicPr>
+          <p:nvPr/>
+        </p:nvPicPr>
+        <p:blipFill>
+          <a:blip r:embed="rId2"/>
+          <a:stretch>
+            <a:fillRect/>
+          </a:stretch>
+        </p:blipFill>
+        <p:spPr>
+          <a:xfrm>
+            <a:off x="240722" y="5430407"/>
+            <a:ext cx="8801100" cy="1095375"/>
+          </a:xfrm>
+          <a:prstGeom prst="rect">
+            <a:avLst/>
+          </a:prstGeom>
+        </p:spPr>
+      </p:pic>
+    </p:spTree>
+    <p:extLst>
+      <p:ext uri="{BB962C8B-B14F-4D97-AF65-F5344CB8AC3E}">
+        <p14:creationId xmlns:p14="http://schemas.microsoft.com/office/powerpoint/2010/main" val="3153446783"/>
+      </p:ext>
+    </p:extLst>
+  </p:cSld>
+  <p:clrMapOvr>
+    <a:masterClrMapping/>
+  </p:clrMapOvr>
+</p:sld>
+</file>
+
+<file path=ppt/slides/slide6.xml><?xml version="1.0" encoding="utf-8"?>
+<p:sld xmlns:a="http://schemas.openxmlformats.org/drawingml/2006/main" xmlns:r="http://schemas.openxmlformats.org/officeDocument/2006/relationships" xmlns:p="http://schemas.openxmlformats.org/presentationml/2006/main">
+  <p:cSld>
+    <p:spTree>
+      <p:nvGrpSpPr>
+        <p:cNvPr id="1" name=""/>
+        <p:cNvGrpSpPr/>
+        <p:nvPr/>
+      </p:nvGrpSpPr>
+      <p:grpSpPr>
+        <a:xfrm>
+          <a:off x="0" y="0"/>
+          <a:ext cx="0" cy="0"/>
+          <a:chOff x="0" y="0"/>
+          <a:chExt cx="0" cy="0"/>
+        </a:xfrm>
+      </p:grpSpPr>
+      <p:sp>
+        <p:nvSpPr>
+          <p:cNvPr id="2" name="Title 1">
+            <a:extLst>
+              <a:ext uri="{FF2B5EF4-FFF2-40B4-BE49-F238E27FC236}">
                 <a16:creationId xmlns:a16="http://schemas.microsoft.com/office/drawing/2014/main" id="{CE049FFF-90C3-8CF5-222D-AFF57D885CDB}"/>
               </a:ext>
             </a:extLst>
@@ -20320,7 +22283,7 @@
           <a:p>
             <a:r>
               <a:rPr lang="en-US" dirty="0"/>
-              <a:t>Vehicle Park Data</a:t>
+              <a:t>Marketing Data</a:t>
             </a:r>
           </a:p>
         </p:txBody>
@@ -20459,7 +22422,7 @@
             </a:pPr>
             <a:fld id="{00000000-1234-1234-1234-123412341234}" type="slidenum">
               <a:rPr lang="en-US" smtClean="0"/>
-              <a:t>3</a:t>
+              <a:t>6</a:t>
             </a:fld>
             <a:endParaRPr lang="en-US"/>
           </a:p>
@@ -23209,7 +25172,7 @@
 </p:sld>
 </file>
 
-<file path=ppt/slides/slide4.xml><?xml version="1.0" encoding="utf-8"?>
+<file path=ppt/slides/slide7.xml><?xml version="1.0" encoding="utf-8"?>
 <p:sld xmlns:a="http://schemas.openxmlformats.org/drawingml/2006/main" xmlns:r="http://schemas.openxmlformats.org/officeDocument/2006/relationships" xmlns:p="http://schemas.openxmlformats.org/presentationml/2006/main">
   <p:cSld>
     <p:spTree>
@@ -23343,7 +25306,7 @@
             </a:pPr>
             <a:fld id="{00000000-1234-1234-1234-123412341234}" type="slidenum">
               <a:rPr lang="en-US" smtClean="0"/>
-              <a:t>4</a:t>
+              <a:t>7</a:t>
             </a:fld>
             <a:endParaRPr lang="en-US"/>
           </a:p>
@@ -23402,788 +25365,6 @@
     <p:extLst>
       <p:ext uri="{BB962C8B-B14F-4D97-AF65-F5344CB8AC3E}">
         <p14:creationId xmlns:p14="http://schemas.microsoft.com/office/powerpoint/2010/main" val="4009434130"/>
-      </p:ext>
-    </p:extLst>
-  </p:cSld>
-  <p:clrMapOvr>
-    <a:masterClrMapping/>
-  </p:clrMapOvr>
-</p:sld>
-</file>
-
-<file path=ppt/slides/slide5.xml><?xml version="1.0" encoding="utf-8"?>
-<p:sld xmlns:a="http://schemas.openxmlformats.org/drawingml/2006/main" xmlns:r="http://schemas.openxmlformats.org/officeDocument/2006/relationships" xmlns:p="http://schemas.openxmlformats.org/presentationml/2006/main">
-  <p:cSld>
-    <p:spTree>
-      <p:nvGrpSpPr>
-        <p:cNvPr id="1" name=""/>
-        <p:cNvGrpSpPr/>
-        <p:nvPr/>
-      </p:nvGrpSpPr>
-      <p:grpSpPr>
-        <a:xfrm>
-          <a:off x="0" y="0"/>
-          <a:ext cx="0" cy="0"/>
-          <a:chOff x="0" y="0"/>
-          <a:chExt cx="0" cy="0"/>
-        </a:xfrm>
-      </p:grpSpPr>
-      <p:sp>
-        <p:nvSpPr>
-          <p:cNvPr id="2" name="Title 1">
-            <a:extLst>
-              <a:ext uri="{FF2B5EF4-FFF2-40B4-BE49-F238E27FC236}">
-                <a16:creationId xmlns:a16="http://schemas.microsoft.com/office/drawing/2014/main" id="{94947B28-E8FA-8461-4C02-67CF7BEB9780}"/>
-              </a:ext>
-            </a:extLst>
-          </p:cNvPr>
-          <p:cNvSpPr>
-            <a:spLocks noGrp="1"/>
-          </p:cNvSpPr>
-          <p:nvPr>
-            <p:ph type="title"/>
-          </p:nvPr>
-        </p:nvSpPr>
-        <p:spPr/>
-        <p:txBody>
-          <a:bodyPr/>
-          <a:lstStyle/>
-          <a:p>
-            <a:r>
-              <a:rPr lang="en-US" dirty="0"/>
-              <a:t>Histogram</a:t>
-            </a:r>
-          </a:p>
-        </p:txBody>
-      </p:sp>
-      <p:sp>
-        <p:nvSpPr>
-          <p:cNvPr id="3" name="Text Placeholder 2">
-            <a:extLst>
-              <a:ext uri="{FF2B5EF4-FFF2-40B4-BE49-F238E27FC236}">
-                <a16:creationId xmlns:a16="http://schemas.microsoft.com/office/drawing/2014/main" id="{0798A489-C8D3-4EAE-A768-C093F0704E25}"/>
-              </a:ext>
-            </a:extLst>
-          </p:cNvPr>
-          <p:cNvSpPr>
-            <a:spLocks noGrp="1"/>
-          </p:cNvSpPr>
-          <p:nvPr>
-            <p:ph type="body" idx="1"/>
-          </p:nvPr>
-        </p:nvSpPr>
-        <p:spPr/>
-        <p:txBody>
-          <a:bodyPr/>
-          <a:lstStyle/>
-          <a:p>
-            <a:pPr marL="114300" indent="0">
-              <a:buNone/>
-            </a:pPr>
-            <a:r>
-              <a:rPr lang="en-US" dirty="0">
-                <a:latin typeface="+mj-lt"/>
-              </a:rPr>
-              <a:t>hist() function to display the histogram for any dataset variable.</a:t>
-            </a:r>
-          </a:p>
-          <a:p>
-            <a:pPr marL="114300" indent="0">
-              <a:buNone/>
-            </a:pPr>
-            <a:endParaRPr lang="en-US" dirty="0">
-              <a:latin typeface="+mj-lt"/>
-            </a:endParaRPr>
-          </a:p>
-          <a:p>
-            <a:pPr marL="114300" indent="0">
-              <a:buNone/>
-            </a:pPr>
-            <a:r>
-              <a:rPr lang="en-US" dirty="0">
-                <a:latin typeface="+mj-lt"/>
-              </a:rPr>
-              <a:t>Example: </a:t>
-            </a:r>
-          </a:p>
-          <a:p>
-            <a:pPr marL="114300" indent="0">
-              <a:buNone/>
-            </a:pPr>
-            <a:r>
-              <a:rPr lang="en-US" dirty="0">
-                <a:solidFill>
-                  <a:schemeClr val="tx1"/>
-                </a:solidFill>
-                <a:latin typeface="+mj-lt"/>
-                <a:cs typeface="Calibri" panose="020F0502020204030204" pitchFamily="34" charset="0"/>
-              </a:rPr>
-              <a:t># Show Histogram for Sales</a:t>
-            </a:r>
-          </a:p>
-          <a:p>
-            <a:pPr marL="114300" indent="0">
-              <a:buNone/>
-            </a:pPr>
-            <a:r>
-              <a:rPr lang="en-US" dirty="0">
-                <a:solidFill>
-                  <a:srgbClr val="0070C0"/>
-                </a:solidFill>
-                <a:latin typeface="+mj-lt"/>
-                <a:cs typeface="Calibri" panose="020F0502020204030204" pitchFamily="34" charset="0"/>
-              </a:rPr>
-              <a:t>hist(</a:t>
-            </a:r>
-            <a:r>
-              <a:rPr lang="en-US" dirty="0" err="1">
-                <a:solidFill>
-                  <a:srgbClr val="0070C0"/>
-                </a:solidFill>
-                <a:latin typeface="+mj-lt"/>
-                <a:cs typeface="Calibri" panose="020F0502020204030204" pitchFamily="34" charset="0"/>
-              </a:rPr>
-              <a:t>data$Sales</a:t>
-            </a:r>
-            <a:r>
-              <a:rPr lang="en-US" dirty="0">
-                <a:solidFill>
-                  <a:srgbClr val="0070C0"/>
-                </a:solidFill>
-                <a:latin typeface="+mj-lt"/>
-                <a:cs typeface="Calibri" panose="020F0502020204030204" pitchFamily="34" charset="0"/>
-              </a:rPr>
-              <a:t>)</a:t>
-            </a:r>
-          </a:p>
-          <a:p>
-            <a:pPr marL="114300" indent="0">
-              <a:buNone/>
-            </a:pPr>
-            <a:endParaRPr lang="en-US" dirty="0">
-              <a:latin typeface="+mj-lt"/>
-            </a:endParaRPr>
-          </a:p>
-          <a:p>
-            <a:pPr marL="114300" indent="0">
-              <a:buNone/>
-            </a:pPr>
-            <a:endParaRPr lang="en-US" dirty="0">
-              <a:latin typeface="+mj-lt"/>
-            </a:endParaRPr>
-          </a:p>
-        </p:txBody>
-      </p:sp>
-      <p:sp>
-        <p:nvSpPr>
-          <p:cNvPr id="4" name="Date Placeholder 3">
-            <a:extLst>
-              <a:ext uri="{FF2B5EF4-FFF2-40B4-BE49-F238E27FC236}">
-                <a16:creationId xmlns:a16="http://schemas.microsoft.com/office/drawing/2014/main" id="{D08BB6D6-E9B1-AD31-838D-F5B6CD1EDA29}"/>
-              </a:ext>
-            </a:extLst>
-          </p:cNvPr>
-          <p:cNvSpPr>
-            <a:spLocks noGrp="1"/>
-          </p:cNvSpPr>
-          <p:nvPr>
-            <p:ph type="dt" idx="10"/>
-          </p:nvPr>
-        </p:nvSpPr>
-        <p:spPr/>
-        <p:txBody>
-          <a:bodyPr/>
-          <a:lstStyle/>
-          <a:p>
-            <a:fld id="{0C62BD34-D5E2-4C87-AA2A-F8D5808875C3}" type="datetime1">
-              <a:rPr lang="en-US" smtClean="0"/>
-              <a:t>9/6/2023</a:t>
-            </a:fld>
-            <a:endParaRPr lang="en-US"/>
-          </a:p>
-        </p:txBody>
-      </p:sp>
-      <p:sp>
-        <p:nvSpPr>
-          <p:cNvPr id="5" name="Footer Placeholder 4">
-            <a:extLst>
-              <a:ext uri="{FF2B5EF4-FFF2-40B4-BE49-F238E27FC236}">
-                <a16:creationId xmlns:a16="http://schemas.microsoft.com/office/drawing/2014/main" id="{7FCB193E-2B2E-0E22-23AE-9A481B5DD18E}"/>
-              </a:ext>
-            </a:extLst>
-          </p:cNvPr>
-          <p:cNvSpPr>
-            <a:spLocks noGrp="1"/>
-          </p:cNvSpPr>
-          <p:nvPr>
-            <p:ph type="ftr" idx="11"/>
-          </p:nvPr>
-        </p:nvSpPr>
-        <p:spPr/>
-        <p:txBody>
-          <a:bodyPr/>
-          <a:lstStyle/>
-          <a:p>
-            <a:r>
-              <a:rPr lang="en-US"/>
-              <a:t>Ankit Velani, MBA-SIT,Tumkur</a:t>
-            </a:r>
-          </a:p>
-        </p:txBody>
-      </p:sp>
-      <p:sp>
-        <p:nvSpPr>
-          <p:cNvPr id="6" name="Slide Number Placeholder 5">
-            <a:extLst>
-              <a:ext uri="{FF2B5EF4-FFF2-40B4-BE49-F238E27FC236}">
-                <a16:creationId xmlns:a16="http://schemas.microsoft.com/office/drawing/2014/main" id="{F94FD8B8-FE1A-F425-0317-77C970F193B7}"/>
-              </a:ext>
-            </a:extLst>
-          </p:cNvPr>
-          <p:cNvSpPr>
-            <a:spLocks noGrp="1"/>
-          </p:cNvSpPr>
-          <p:nvPr>
-            <p:ph type="sldNum" idx="12"/>
-          </p:nvPr>
-        </p:nvSpPr>
-        <p:spPr/>
-        <p:txBody>
-          <a:bodyPr/>
-          <a:lstStyle/>
-          <a:p>
-            <a:pPr marL="0" lvl="0" indent="0" algn="r" rtl="0">
-              <a:spcBef>
-                <a:spcPts val="0"/>
-              </a:spcBef>
-              <a:spcAft>
-                <a:spcPts val="0"/>
-              </a:spcAft>
-              <a:buNone/>
-            </a:pPr>
-            <a:fld id="{00000000-1234-1234-1234-123412341234}" type="slidenum">
-              <a:rPr lang="en-US" smtClean="0"/>
-              <a:t>5</a:t>
-            </a:fld>
-            <a:endParaRPr lang="en-US"/>
-          </a:p>
-        </p:txBody>
-      </p:sp>
-    </p:spTree>
-    <p:extLst>
-      <p:ext uri="{BB962C8B-B14F-4D97-AF65-F5344CB8AC3E}">
-        <p14:creationId xmlns:p14="http://schemas.microsoft.com/office/powerpoint/2010/main" val="1838448018"/>
-      </p:ext>
-    </p:extLst>
-  </p:cSld>
-  <p:clrMapOvr>
-    <a:masterClrMapping/>
-  </p:clrMapOvr>
-</p:sld>
-</file>
-
-<file path=ppt/slides/slide6.xml><?xml version="1.0" encoding="utf-8"?>
-<p:sld xmlns:a="http://schemas.openxmlformats.org/drawingml/2006/main" xmlns:r="http://schemas.openxmlformats.org/officeDocument/2006/relationships" xmlns:p="http://schemas.openxmlformats.org/presentationml/2006/main">
-  <p:cSld>
-    <p:spTree>
-      <p:nvGrpSpPr>
-        <p:cNvPr id="1" name=""/>
-        <p:cNvGrpSpPr/>
-        <p:nvPr/>
-      </p:nvGrpSpPr>
-      <p:grpSpPr>
-        <a:xfrm>
-          <a:off x="0" y="0"/>
-          <a:ext cx="0" cy="0"/>
-          <a:chOff x="0" y="0"/>
-          <a:chExt cx="0" cy="0"/>
-        </a:xfrm>
-      </p:grpSpPr>
-      <p:sp>
-        <p:nvSpPr>
-          <p:cNvPr id="2" name="Title 1">
-            <a:extLst>
-              <a:ext uri="{FF2B5EF4-FFF2-40B4-BE49-F238E27FC236}">
-                <a16:creationId xmlns:a16="http://schemas.microsoft.com/office/drawing/2014/main" id="{94947B28-E8FA-8461-4C02-67CF7BEB9780}"/>
-              </a:ext>
-            </a:extLst>
-          </p:cNvPr>
-          <p:cNvSpPr>
-            <a:spLocks noGrp="1"/>
-          </p:cNvSpPr>
-          <p:nvPr>
-            <p:ph type="title"/>
-          </p:nvPr>
-        </p:nvSpPr>
-        <p:spPr/>
-        <p:txBody>
-          <a:bodyPr/>
-          <a:lstStyle/>
-          <a:p>
-            <a:r>
-              <a:rPr lang="en-US" dirty="0"/>
-              <a:t>Histogram</a:t>
-            </a:r>
-          </a:p>
-        </p:txBody>
-      </p:sp>
-      <p:sp>
-        <p:nvSpPr>
-          <p:cNvPr id="3" name="Text Placeholder 2">
-            <a:extLst>
-              <a:ext uri="{FF2B5EF4-FFF2-40B4-BE49-F238E27FC236}">
-                <a16:creationId xmlns:a16="http://schemas.microsoft.com/office/drawing/2014/main" id="{0798A489-C8D3-4EAE-A768-C093F0704E25}"/>
-              </a:ext>
-            </a:extLst>
-          </p:cNvPr>
-          <p:cNvSpPr>
-            <a:spLocks noGrp="1"/>
-          </p:cNvSpPr>
-          <p:nvPr>
-            <p:ph type="body" idx="1"/>
-          </p:nvPr>
-        </p:nvSpPr>
-        <p:spPr/>
-        <p:txBody>
-          <a:bodyPr/>
-          <a:lstStyle/>
-          <a:p>
-            <a:pPr marL="114300" indent="0">
-              <a:buNone/>
-            </a:pPr>
-            <a:r>
-              <a:rPr lang="en-US" dirty="0">
-                <a:latin typeface="+mj-lt"/>
-              </a:rPr>
-              <a:t>hist() function to display the histogram for any dataset variable.</a:t>
-            </a:r>
-          </a:p>
-          <a:p>
-            <a:pPr marL="114300" indent="0">
-              <a:buNone/>
-            </a:pPr>
-            <a:endParaRPr lang="en-US" dirty="0">
-              <a:latin typeface="+mj-lt"/>
-            </a:endParaRPr>
-          </a:p>
-          <a:p>
-            <a:pPr marL="114300" indent="0">
-              <a:buNone/>
-            </a:pPr>
-            <a:r>
-              <a:rPr lang="en-US" dirty="0">
-                <a:latin typeface="+mj-lt"/>
-              </a:rPr>
-              <a:t>Example: </a:t>
-            </a:r>
-          </a:p>
-          <a:p>
-            <a:pPr marL="114300" indent="0">
-              <a:buNone/>
-            </a:pPr>
-            <a:r>
-              <a:rPr lang="en-US" dirty="0">
-                <a:solidFill>
-                  <a:schemeClr val="bg2"/>
-                </a:solidFill>
-                <a:latin typeface="+mj-lt"/>
-                <a:cs typeface="Calibri" panose="020F0502020204030204" pitchFamily="34" charset="0"/>
-              </a:rPr>
-              <a:t># Show Histogram for Sales</a:t>
-            </a:r>
-          </a:p>
-          <a:p>
-            <a:pPr marL="114300" indent="0">
-              <a:buNone/>
-            </a:pPr>
-            <a:r>
-              <a:rPr lang="en-US" dirty="0">
-                <a:solidFill>
-                  <a:srgbClr val="0070C0"/>
-                </a:solidFill>
-                <a:latin typeface="+mj-lt"/>
-                <a:cs typeface="Calibri" panose="020F0502020204030204" pitchFamily="34" charset="0"/>
-              </a:rPr>
-              <a:t>hist(</a:t>
-            </a:r>
-            <a:r>
-              <a:rPr lang="en-US" dirty="0" err="1">
-                <a:solidFill>
-                  <a:srgbClr val="0070C0"/>
-                </a:solidFill>
-                <a:latin typeface="+mj-lt"/>
-                <a:cs typeface="Calibri" panose="020F0502020204030204" pitchFamily="34" charset="0"/>
-              </a:rPr>
-              <a:t>data$Sales</a:t>
-            </a:r>
-            <a:r>
-              <a:rPr lang="en-US" dirty="0">
-                <a:solidFill>
-                  <a:srgbClr val="0070C0"/>
-                </a:solidFill>
-                <a:latin typeface="+mj-lt"/>
-                <a:cs typeface="Calibri" panose="020F0502020204030204" pitchFamily="34" charset="0"/>
-              </a:rPr>
-              <a:t>)</a:t>
-            </a:r>
-          </a:p>
-          <a:p>
-            <a:pPr marL="114300" indent="0">
-              <a:buNone/>
-            </a:pPr>
-            <a:endParaRPr lang="en-US" dirty="0">
-              <a:latin typeface="+mj-lt"/>
-            </a:endParaRPr>
-          </a:p>
-          <a:p>
-            <a:pPr marL="114300" indent="0">
-              <a:buNone/>
-            </a:pPr>
-            <a:endParaRPr lang="en-US" dirty="0">
-              <a:latin typeface="+mj-lt"/>
-            </a:endParaRPr>
-          </a:p>
-        </p:txBody>
-      </p:sp>
-      <p:sp>
-        <p:nvSpPr>
-          <p:cNvPr id="4" name="Date Placeholder 3">
-            <a:extLst>
-              <a:ext uri="{FF2B5EF4-FFF2-40B4-BE49-F238E27FC236}">
-                <a16:creationId xmlns:a16="http://schemas.microsoft.com/office/drawing/2014/main" id="{D08BB6D6-E9B1-AD31-838D-F5B6CD1EDA29}"/>
-              </a:ext>
-            </a:extLst>
-          </p:cNvPr>
-          <p:cNvSpPr>
-            <a:spLocks noGrp="1"/>
-          </p:cNvSpPr>
-          <p:nvPr>
-            <p:ph type="dt" idx="10"/>
-          </p:nvPr>
-        </p:nvSpPr>
-        <p:spPr/>
-        <p:txBody>
-          <a:bodyPr/>
-          <a:lstStyle/>
-          <a:p>
-            <a:fld id="{0C62BD34-D5E2-4C87-AA2A-F8D5808875C3}" type="datetime1">
-              <a:rPr lang="en-US" smtClean="0"/>
-              <a:t>9/6/2023</a:t>
-            </a:fld>
-            <a:endParaRPr lang="en-US"/>
-          </a:p>
-        </p:txBody>
-      </p:sp>
-      <p:sp>
-        <p:nvSpPr>
-          <p:cNvPr id="5" name="Footer Placeholder 4">
-            <a:extLst>
-              <a:ext uri="{FF2B5EF4-FFF2-40B4-BE49-F238E27FC236}">
-                <a16:creationId xmlns:a16="http://schemas.microsoft.com/office/drawing/2014/main" id="{7FCB193E-2B2E-0E22-23AE-9A481B5DD18E}"/>
-              </a:ext>
-            </a:extLst>
-          </p:cNvPr>
-          <p:cNvSpPr>
-            <a:spLocks noGrp="1"/>
-          </p:cNvSpPr>
-          <p:nvPr>
-            <p:ph type="ftr" idx="11"/>
-          </p:nvPr>
-        </p:nvSpPr>
-        <p:spPr/>
-        <p:txBody>
-          <a:bodyPr/>
-          <a:lstStyle/>
-          <a:p>
-            <a:r>
-              <a:rPr lang="en-US"/>
-              <a:t>Ankit Velani, MBA-SIT,Tumkur</a:t>
-            </a:r>
-          </a:p>
-        </p:txBody>
-      </p:sp>
-      <p:sp>
-        <p:nvSpPr>
-          <p:cNvPr id="6" name="Slide Number Placeholder 5">
-            <a:extLst>
-              <a:ext uri="{FF2B5EF4-FFF2-40B4-BE49-F238E27FC236}">
-                <a16:creationId xmlns:a16="http://schemas.microsoft.com/office/drawing/2014/main" id="{F94FD8B8-FE1A-F425-0317-77C970F193B7}"/>
-              </a:ext>
-            </a:extLst>
-          </p:cNvPr>
-          <p:cNvSpPr>
-            <a:spLocks noGrp="1"/>
-          </p:cNvSpPr>
-          <p:nvPr>
-            <p:ph type="sldNum" idx="12"/>
-          </p:nvPr>
-        </p:nvSpPr>
-        <p:spPr/>
-        <p:txBody>
-          <a:bodyPr/>
-          <a:lstStyle/>
-          <a:p>
-            <a:pPr marL="0" lvl="0" indent="0" algn="r" rtl="0">
-              <a:spcBef>
-                <a:spcPts val="0"/>
-              </a:spcBef>
-              <a:spcAft>
-                <a:spcPts val="0"/>
-              </a:spcAft>
-              <a:buNone/>
-            </a:pPr>
-            <a:fld id="{00000000-1234-1234-1234-123412341234}" type="slidenum">
-              <a:rPr lang="en-US" smtClean="0"/>
-              <a:t>6</a:t>
-            </a:fld>
-            <a:endParaRPr lang="en-US"/>
-          </a:p>
-        </p:txBody>
-      </p:sp>
-      <p:pic>
-        <p:nvPicPr>
-          <p:cNvPr id="8" name="Picture 7">
-            <a:extLst>
-              <a:ext uri="{FF2B5EF4-FFF2-40B4-BE49-F238E27FC236}">
-                <a16:creationId xmlns:a16="http://schemas.microsoft.com/office/drawing/2014/main" id="{4509EC2A-6F4B-AD02-4D42-A80096B6201E}"/>
-              </a:ext>
-            </a:extLst>
-          </p:cNvPr>
-          <p:cNvPicPr>
-            <a:picLocks noChangeAspect="1"/>
-          </p:cNvPicPr>
-          <p:nvPr/>
-        </p:nvPicPr>
-        <p:blipFill>
-          <a:blip r:embed="rId2"/>
-          <a:stretch>
-            <a:fillRect/>
-          </a:stretch>
-        </p:blipFill>
-        <p:spPr>
-          <a:xfrm>
-            <a:off x="5346122" y="2933700"/>
-            <a:ext cx="3543300" cy="3048000"/>
-          </a:xfrm>
-          <a:prstGeom prst="rect">
-            <a:avLst/>
-          </a:prstGeom>
-        </p:spPr>
-      </p:pic>
-    </p:spTree>
-    <p:extLst>
-      <p:ext uri="{BB962C8B-B14F-4D97-AF65-F5344CB8AC3E}">
-        <p14:creationId xmlns:p14="http://schemas.microsoft.com/office/powerpoint/2010/main" val="926322239"/>
-      </p:ext>
-    </p:extLst>
-  </p:cSld>
-  <p:clrMapOvr>
-    <a:masterClrMapping/>
-  </p:clrMapOvr>
-</p:sld>
-</file>
-
-<file path=ppt/slides/slide7.xml><?xml version="1.0" encoding="utf-8"?>
-<p:sld xmlns:a="http://schemas.openxmlformats.org/drawingml/2006/main" xmlns:r="http://schemas.openxmlformats.org/officeDocument/2006/relationships" xmlns:p="http://schemas.openxmlformats.org/presentationml/2006/main">
-  <p:cSld>
-    <p:spTree>
-      <p:nvGrpSpPr>
-        <p:cNvPr id="1" name=""/>
-        <p:cNvGrpSpPr/>
-        <p:nvPr/>
-      </p:nvGrpSpPr>
-      <p:grpSpPr>
-        <a:xfrm>
-          <a:off x="0" y="0"/>
-          <a:ext cx="0" cy="0"/>
-          <a:chOff x="0" y="0"/>
-          <a:chExt cx="0" cy="0"/>
-        </a:xfrm>
-      </p:grpSpPr>
-      <p:sp>
-        <p:nvSpPr>
-          <p:cNvPr id="2" name="Title 1">
-            <a:extLst>
-              <a:ext uri="{FF2B5EF4-FFF2-40B4-BE49-F238E27FC236}">
-                <a16:creationId xmlns:a16="http://schemas.microsoft.com/office/drawing/2014/main" id="{94947B28-E8FA-8461-4C02-67CF7BEB9780}"/>
-              </a:ext>
-            </a:extLst>
-          </p:cNvPr>
-          <p:cNvSpPr>
-            <a:spLocks noGrp="1"/>
-          </p:cNvSpPr>
-          <p:nvPr>
-            <p:ph type="title"/>
-          </p:nvPr>
-        </p:nvSpPr>
-        <p:spPr/>
-        <p:txBody>
-          <a:bodyPr/>
-          <a:lstStyle/>
-          <a:p>
-            <a:r>
-              <a:rPr lang="en-US" dirty="0"/>
-              <a:t>Histogram</a:t>
-            </a:r>
-          </a:p>
-        </p:txBody>
-      </p:sp>
-      <p:sp>
-        <p:nvSpPr>
-          <p:cNvPr id="3" name="Text Placeholder 2">
-            <a:extLst>
-              <a:ext uri="{FF2B5EF4-FFF2-40B4-BE49-F238E27FC236}">
-                <a16:creationId xmlns:a16="http://schemas.microsoft.com/office/drawing/2014/main" id="{0798A489-C8D3-4EAE-A768-C093F0704E25}"/>
-              </a:ext>
-            </a:extLst>
-          </p:cNvPr>
-          <p:cNvSpPr>
-            <a:spLocks noGrp="1"/>
-          </p:cNvSpPr>
-          <p:nvPr>
-            <p:ph type="body" idx="1"/>
-          </p:nvPr>
-        </p:nvSpPr>
-        <p:spPr>
-          <a:xfrm>
-            <a:off x="457200" y="1381989"/>
-            <a:ext cx="8229600" cy="4526100"/>
-          </a:xfrm>
-        </p:spPr>
-        <p:txBody>
-          <a:bodyPr/>
-          <a:lstStyle/>
-          <a:p>
-            <a:pPr marL="114300" indent="0">
-              <a:buNone/>
-            </a:pPr>
-            <a:r>
-              <a:rPr lang="en-US" dirty="0"/>
-              <a:t>hist() function to display the histogram for any dataset variable.</a:t>
-            </a:r>
-          </a:p>
-          <a:p>
-            <a:pPr marL="114300" indent="0">
-              <a:buNone/>
-            </a:pPr>
-            <a:endParaRPr lang="en-US" dirty="0"/>
-          </a:p>
-          <a:p>
-            <a:pPr marL="114300" indent="0">
-              <a:buNone/>
-            </a:pPr>
-            <a:r>
-              <a:rPr lang="en-US" dirty="0"/>
-              <a:t>Customize histogram by setting up the title, color, x or y axis label</a:t>
-            </a:r>
-          </a:p>
-          <a:p>
-            <a:pPr marL="114300" indent="0">
-              <a:buNone/>
-            </a:pPr>
-            <a:endParaRPr lang="en-US" dirty="0"/>
-          </a:p>
-        </p:txBody>
-      </p:sp>
-      <p:sp>
-        <p:nvSpPr>
-          <p:cNvPr id="4" name="Date Placeholder 3">
-            <a:extLst>
-              <a:ext uri="{FF2B5EF4-FFF2-40B4-BE49-F238E27FC236}">
-                <a16:creationId xmlns:a16="http://schemas.microsoft.com/office/drawing/2014/main" id="{D08BB6D6-E9B1-AD31-838D-F5B6CD1EDA29}"/>
-              </a:ext>
-            </a:extLst>
-          </p:cNvPr>
-          <p:cNvSpPr>
-            <a:spLocks noGrp="1"/>
-          </p:cNvSpPr>
-          <p:nvPr>
-            <p:ph type="dt" idx="10"/>
-          </p:nvPr>
-        </p:nvSpPr>
-        <p:spPr/>
-        <p:txBody>
-          <a:bodyPr/>
-          <a:lstStyle/>
-          <a:p>
-            <a:fld id="{0C62BD34-D5E2-4C87-AA2A-F8D5808875C3}" type="datetime1">
-              <a:rPr lang="en-US" smtClean="0"/>
-              <a:t>9/6/2023</a:t>
-            </a:fld>
-            <a:endParaRPr lang="en-US"/>
-          </a:p>
-        </p:txBody>
-      </p:sp>
-      <p:sp>
-        <p:nvSpPr>
-          <p:cNvPr id="5" name="Footer Placeholder 4">
-            <a:extLst>
-              <a:ext uri="{FF2B5EF4-FFF2-40B4-BE49-F238E27FC236}">
-                <a16:creationId xmlns:a16="http://schemas.microsoft.com/office/drawing/2014/main" id="{7FCB193E-2B2E-0E22-23AE-9A481B5DD18E}"/>
-              </a:ext>
-            </a:extLst>
-          </p:cNvPr>
-          <p:cNvSpPr>
-            <a:spLocks noGrp="1"/>
-          </p:cNvSpPr>
-          <p:nvPr>
-            <p:ph type="ftr" idx="11"/>
-          </p:nvPr>
-        </p:nvSpPr>
-        <p:spPr/>
-        <p:txBody>
-          <a:bodyPr/>
-          <a:lstStyle/>
-          <a:p>
-            <a:r>
-              <a:rPr lang="en-US"/>
-              <a:t>Ankit Velani, MBA-SIT,Tumkur</a:t>
-            </a:r>
-          </a:p>
-        </p:txBody>
-      </p:sp>
-      <p:sp>
-        <p:nvSpPr>
-          <p:cNvPr id="6" name="Slide Number Placeholder 5">
-            <a:extLst>
-              <a:ext uri="{FF2B5EF4-FFF2-40B4-BE49-F238E27FC236}">
-                <a16:creationId xmlns:a16="http://schemas.microsoft.com/office/drawing/2014/main" id="{F94FD8B8-FE1A-F425-0317-77C970F193B7}"/>
-              </a:ext>
-            </a:extLst>
-          </p:cNvPr>
-          <p:cNvSpPr>
-            <a:spLocks noGrp="1"/>
-          </p:cNvSpPr>
-          <p:nvPr>
-            <p:ph type="sldNum" idx="12"/>
-          </p:nvPr>
-        </p:nvSpPr>
-        <p:spPr/>
-        <p:txBody>
-          <a:bodyPr/>
-          <a:lstStyle/>
-          <a:p>
-            <a:pPr marL="0" lvl="0" indent="0" algn="r" rtl="0">
-              <a:spcBef>
-                <a:spcPts val="0"/>
-              </a:spcBef>
-              <a:spcAft>
-                <a:spcPts val="0"/>
-              </a:spcAft>
-              <a:buNone/>
-            </a:pPr>
-            <a:fld id="{00000000-1234-1234-1234-123412341234}" type="slidenum">
-              <a:rPr lang="en-US" smtClean="0"/>
-              <a:t>7</a:t>
-            </a:fld>
-            <a:endParaRPr lang="en-US"/>
-          </a:p>
-        </p:txBody>
-      </p:sp>
-    </p:spTree>
-    <p:extLst>
-      <p:ext uri="{BB962C8B-B14F-4D97-AF65-F5344CB8AC3E}">
-        <p14:creationId xmlns:p14="http://schemas.microsoft.com/office/powerpoint/2010/main" val="3533888673"/>
       </p:ext>
     </p:extLst>
   </p:cSld>
@@ -24254,12 +25435,7 @@
             <p:ph type="body" idx="1"/>
           </p:nvPr>
         </p:nvSpPr>
-        <p:spPr>
-          <a:xfrm>
-            <a:off x="190500" y="1165950"/>
-            <a:ext cx="8229600" cy="4526100"/>
-          </a:xfrm>
-        </p:spPr>
+        <p:spPr/>
         <p:txBody>
           <a:bodyPr/>
           <a:lstStyle/>
@@ -24268,162 +25444,96 @@
               <a:buNone/>
             </a:pPr>
             <a:r>
-              <a:rPr lang="en-US" sz="2400" dirty="0">
+              <a:rPr lang="en-US" dirty="0">
+                <a:latin typeface="+mj-lt"/>
+              </a:rPr>
+              <a:t>hist() function to display the histogram for any dataset variable.</a:t>
+            </a:r>
+          </a:p>
+          <a:p>
+            <a:pPr marL="114300" indent="0">
+              <a:buNone/>
+            </a:pPr>
+            <a:endParaRPr lang="en-US" dirty="0">
+              <a:latin typeface="+mj-lt"/>
+            </a:endParaRPr>
+          </a:p>
+          <a:p>
+            <a:pPr marL="114300" indent="0">
+              <a:buNone/>
+            </a:pPr>
+            <a:r>
+              <a:rPr lang="en-US" dirty="0">
+                <a:latin typeface="+mj-lt"/>
+              </a:rPr>
+              <a:t>Example: </a:t>
+            </a:r>
+          </a:p>
+          <a:p>
+            <a:pPr marL="114300" indent="0">
+              <a:buNone/>
+            </a:pPr>
+            <a:r>
+              <a:rPr lang="en-US" dirty="0">
                 <a:solidFill>
                   <a:schemeClr val="tx1"/>
                 </a:solidFill>
                 <a:latin typeface="+mj-lt"/>
                 <a:cs typeface="Calibri" panose="020F0502020204030204" pitchFamily="34" charset="0"/>
               </a:rPr>
-              <a:t># Show Histogram for Sales with colors and title</a:t>
+              <a:t># Show Histogram for Sales</a:t>
             </a:r>
           </a:p>
           <a:p>
             <a:pPr marL="114300" indent="0">
               <a:buNone/>
             </a:pPr>
-            <a:endParaRPr lang="en-US" sz="2400" dirty="0">
-              <a:solidFill>
-                <a:srgbClr val="0070C0"/>
-              </a:solidFill>
+            <a:r>
+              <a:rPr lang="en-US" dirty="0">
+                <a:solidFill>
+                  <a:srgbClr val="0070C0"/>
+                </a:solidFill>
+                <a:latin typeface="+mj-lt"/>
+                <a:cs typeface="Calibri" panose="020F0502020204030204" pitchFamily="34" charset="0"/>
+              </a:rPr>
+              <a:t>hist(</a:t>
+            </a:r>
+            <a:r>
+              <a:rPr lang="en-US" dirty="0" err="1">
+                <a:solidFill>
+                  <a:srgbClr val="0070C0"/>
+                </a:solidFill>
+                <a:latin typeface="+mj-lt"/>
+                <a:cs typeface="Calibri" panose="020F0502020204030204" pitchFamily="34" charset="0"/>
+              </a:rPr>
+              <a:t>data$Sales</a:t>
+            </a:r>
+            <a:r>
+              <a:rPr lang="en-US" dirty="0">
+                <a:solidFill>
+                  <a:srgbClr val="0070C0"/>
+                </a:solidFill>
+                <a:latin typeface="+mj-lt"/>
+                <a:cs typeface="Calibri" panose="020F0502020204030204" pitchFamily="34" charset="0"/>
+              </a:rPr>
+              <a:t>)</a:t>
+            </a:r>
+          </a:p>
+          <a:p>
+            <a:pPr marL="114300" indent="0">
+              <a:buNone/>
+            </a:pPr>
+            <a:endParaRPr lang="en-US" dirty="0">
               <a:latin typeface="+mj-lt"/>
-              <a:cs typeface="Calibri" panose="020F0502020204030204" pitchFamily="34" charset="0"/>
             </a:endParaRPr>
           </a:p>
           <a:p>
             <a:pPr marL="114300" indent="0">
               <a:buNone/>
             </a:pPr>
-            <a:r>
-              <a:rPr lang="en-US" sz="2400" dirty="0">
-                <a:solidFill>
-                  <a:srgbClr val="0070C0"/>
-                </a:solidFill>
-                <a:latin typeface="+mj-lt"/>
-                <a:cs typeface="Calibri" panose="020F0502020204030204" pitchFamily="34" charset="0"/>
-              </a:rPr>
-              <a:t>hist(</a:t>
-            </a:r>
-            <a:r>
-              <a:rPr lang="en-US" sz="2400" dirty="0" err="1">
-                <a:solidFill>
-                  <a:srgbClr val="0070C0"/>
-                </a:solidFill>
-                <a:latin typeface="+mj-lt"/>
-                <a:cs typeface="Calibri" panose="020F0502020204030204" pitchFamily="34" charset="0"/>
-              </a:rPr>
-              <a:t>data$Sales</a:t>
-            </a:r>
-            <a:r>
-              <a:rPr lang="en-US" sz="2400" dirty="0">
-                <a:solidFill>
-                  <a:srgbClr val="0070C0"/>
-                </a:solidFill>
-                <a:latin typeface="+mj-lt"/>
-                <a:cs typeface="Calibri" panose="020F0502020204030204" pitchFamily="34" charset="0"/>
-              </a:rPr>
-              <a:t>,</a:t>
-            </a:r>
-          </a:p>
-          <a:p>
-            <a:pPr marL="114300" indent="0">
-              <a:buNone/>
-            </a:pPr>
-            <a:r>
-              <a:rPr lang="en-US" sz="2400" dirty="0">
-                <a:solidFill>
-                  <a:srgbClr val="0070C0"/>
-                </a:solidFill>
-                <a:latin typeface="+mj-lt"/>
-                <a:cs typeface="Calibri" panose="020F0502020204030204" pitchFamily="34" charset="0"/>
-              </a:rPr>
-              <a:t>	col    = "green",</a:t>
-            </a:r>
-          </a:p>
-          <a:p>
-            <a:pPr marL="114300" indent="0">
-              <a:buNone/>
-            </a:pPr>
-            <a:r>
-              <a:rPr lang="en-US" sz="2400" dirty="0">
-                <a:solidFill>
-                  <a:srgbClr val="0070C0"/>
-                </a:solidFill>
-                <a:latin typeface="+mj-lt"/>
-                <a:cs typeface="Calibri" panose="020F0502020204030204" pitchFamily="34" charset="0"/>
-              </a:rPr>
-              <a:t>     	main = "Sales Distribution",</a:t>
-            </a:r>
-          </a:p>
-          <a:p>
-            <a:pPr marL="114300" indent="0">
-              <a:buNone/>
-            </a:pPr>
-            <a:r>
-              <a:rPr lang="en-US" sz="2400" dirty="0">
-                <a:solidFill>
-                  <a:srgbClr val="0070C0"/>
-                </a:solidFill>
-                <a:latin typeface="+mj-lt"/>
-                <a:cs typeface="Calibri" panose="020F0502020204030204" pitchFamily="34" charset="0"/>
-              </a:rPr>
-              <a:t>     	</a:t>
-            </a:r>
-            <a:r>
-              <a:rPr lang="en-US" sz="2400" dirty="0" err="1">
-                <a:solidFill>
-                  <a:srgbClr val="0070C0"/>
-                </a:solidFill>
-                <a:latin typeface="+mj-lt"/>
-                <a:cs typeface="Calibri" panose="020F0502020204030204" pitchFamily="34" charset="0"/>
-              </a:rPr>
-              <a:t>xlab</a:t>
-            </a:r>
-            <a:r>
-              <a:rPr lang="en-US" sz="2400" dirty="0">
-                <a:solidFill>
-                  <a:srgbClr val="0070C0"/>
-                </a:solidFill>
-                <a:latin typeface="+mj-lt"/>
-                <a:cs typeface="Calibri" panose="020F0502020204030204" pitchFamily="34" charset="0"/>
-              </a:rPr>
-              <a:t>  = "Sales",</a:t>
-            </a:r>
-          </a:p>
-          <a:p>
-            <a:pPr marL="114300" indent="0">
-              <a:buNone/>
-            </a:pPr>
-            <a:r>
-              <a:rPr lang="en-US" sz="2400" dirty="0">
-                <a:solidFill>
-                  <a:srgbClr val="0070C0"/>
-                </a:solidFill>
-                <a:latin typeface="+mj-lt"/>
-                <a:cs typeface="Calibri" panose="020F0502020204030204" pitchFamily="34" charset="0"/>
-              </a:rPr>
-              <a:t>     	</a:t>
-            </a:r>
-            <a:r>
-              <a:rPr lang="en-US" sz="2400" dirty="0" err="1">
-                <a:solidFill>
-                  <a:srgbClr val="0070C0"/>
-                </a:solidFill>
-                <a:latin typeface="+mj-lt"/>
-                <a:cs typeface="Calibri" panose="020F0502020204030204" pitchFamily="34" charset="0"/>
-              </a:rPr>
-              <a:t>ylab</a:t>
-            </a:r>
-            <a:r>
-              <a:rPr lang="en-US" sz="2400" dirty="0">
-                <a:solidFill>
-                  <a:srgbClr val="0070C0"/>
-                </a:solidFill>
-                <a:latin typeface="+mj-lt"/>
-                <a:cs typeface="Calibri" panose="020F0502020204030204" pitchFamily="34" charset="0"/>
-              </a:rPr>
-              <a:t>  = "Freq" )</a:t>
-            </a:r>
+            <a:endParaRPr lang="en-US" dirty="0">
+              <a:latin typeface="+mj-lt"/>
+            </a:endParaRPr>
           </a:p>
         </p:txBody>
       </p:sp>
@@ -24522,40 +25632,10 @@
           </a:p>
         </p:txBody>
       </p:sp>
-      <p:pic>
-        <p:nvPicPr>
-          <p:cNvPr id="8" name="Picture 7">
-            <a:extLst>
-              <a:ext uri="{FF2B5EF4-FFF2-40B4-BE49-F238E27FC236}">
-                <a16:creationId xmlns:a16="http://schemas.microsoft.com/office/drawing/2014/main" id="{00259F6A-EDE1-39EA-F99D-E7891756119C}"/>
-              </a:ext>
-            </a:extLst>
-          </p:cNvPr>
-          <p:cNvPicPr>
-            <a:picLocks noChangeAspect="1"/>
-          </p:cNvPicPr>
-          <p:nvPr/>
-        </p:nvPicPr>
-        <p:blipFill>
-          <a:blip r:embed="rId2"/>
-          <a:stretch>
-            <a:fillRect/>
-          </a:stretch>
-        </p:blipFill>
-        <p:spPr>
-          <a:xfrm>
-            <a:off x="4779819" y="2850674"/>
-            <a:ext cx="4173682" cy="3118268"/>
-          </a:xfrm>
-          <a:prstGeom prst="rect">
-            <a:avLst/>
-          </a:prstGeom>
-        </p:spPr>
-      </p:pic>
     </p:spTree>
     <p:extLst>
       <p:ext uri="{BB962C8B-B14F-4D97-AF65-F5344CB8AC3E}">
-        <p14:creationId xmlns:p14="http://schemas.microsoft.com/office/powerpoint/2010/main" val="2576538666"/>
+        <p14:creationId xmlns:p14="http://schemas.microsoft.com/office/powerpoint/2010/main" val="42245396"/>
       </p:ext>
     </p:extLst>
   </p:cSld>
@@ -24605,7 +25685,7 @@
           <a:p>
             <a:r>
               <a:rPr lang="en-US" dirty="0"/>
-              <a:t>Boxplot</a:t>
+              <a:t>Histogram</a:t>
             </a:r>
           </a:p>
         </p:txBody>
@@ -24638,7 +25718,7 @@
               <a:rPr lang="en-US" dirty="0">
                 <a:latin typeface="+mj-lt"/>
               </a:rPr>
-              <a:t>boxplot() function to display the boxplot for numeric variable.</a:t>
+              <a:t>hist() function to display the histogram for any dataset variable.</a:t>
             </a:r>
           </a:p>
           <a:p>
@@ -24667,12 +25747,12 @@
             <a:r>
               <a:rPr lang="en-US" dirty="0">
                 <a:solidFill>
-                  <a:schemeClr val="tx1"/>
+                  <a:schemeClr val="bg2"/>
                 </a:solidFill>
                 <a:latin typeface="+mj-lt"/>
                 <a:cs typeface="Calibri" panose="020F0502020204030204" pitchFamily="34" charset="0"/>
               </a:rPr>
-              <a:t># Show Boxplot for Sales</a:t>
+              <a:t># Show Histogram for Sales</a:t>
             </a:r>
           </a:p>
           <a:p>
@@ -24687,7 +25767,7 @@
                 <a:latin typeface="+mj-lt"/>
                 <a:cs typeface="Calibri" panose="020F0502020204030204" pitchFamily="34" charset="0"/>
               </a:rPr>
-              <a:t>boxplot(</a:t>
+              <a:t>hist(</a:t>
             </a:r>
             <a:r>
               <a:rPr lang="en-US" dirty="0" err="1">
@@ -24825,10 +25905,10 @@
       </p:sp>
       <p:pic>
         <p:nvPicPr>
-          <p:cNvPr id="10" name="Picture 9">
+          <p:cNvPr id="8" name="Picture 7">
             <a:extLst>
               <a:ext uri="{FF2B5EF4-FFF2-40B4-BE49-F238E27FC236}">
-                <a16:creationId xmlns:a16="http://schemas.microsoft.com/office/drawing/2014/main" id="{1DBCD6F3-96EA-7306-9EE7-E577AA9BFE29}"/>
+                <a16:creationId xmlns:a16="http://schemas.microsoft.com/office/drawing/2014/main" id="{4509EC2A-6F4B-AD02-4D42-A80096B6201E}"/>
               </a:ext>
             </a:extLst>
           </p:cNvPr>
@@ -24845,8 +25925,8 @@
         </p:blipFill>
         <p:spPr>
           <a:xfrm>
-            <a:off x="5434447" y="2961408"/>
-            <a:ext cx="3519032" cy="2982191"/>
+            <a:off x="5346122" y="2933700"/>
+            <a:ext cx="3543300" cy="3048000"/>
           </a:xfrm>
           <a:prstGeom prst="rect">
             <a:avLst/>
@@ -24856,7 +25936,7 @@
     </p:spTree>
     <p:extLst>
       <p:ext uri="{BB962C8B-B14F-4D97-AF65-F5344CB8AC3E}">
-        <p14:creationId xmlns:p14="http://schemas.microsoft.com/office/powerpoint/2010/main" val="1150323623"/>
+        <p14:creationId xmlns:p14="http://schemas.microsoft.com/office/powerpoint/2010/main" val="926322239"/>
       </p:ext>
     </p:extLst>
   </p:cSld>
